--- a/kPEX/kPEX_extension.pptx
+++ b/kPEX/kPEX_extension.pptx
@@ -17,9 +17,11 @@
     <p:sldId id="265" r:id="rId11"/>
     <p:sldId id="266" r:id="rId12"/>
     <p:sldId id="269" r:id="rId13"/>
-    <p:sldId id="270" r:id="rId14"/>
-    <p:sldId id="267" r:id="rId15"/>
-    <p:sldId id="268" r:id="rId16"/>
+    <p:sldId id="272" r:id="rId14"/>
+    <p:sldId id="270" r:id="rId15"/>
+    <p:sldId id="271" r:id="rId16"/>
+    <p:sldId id="267" r:id="rId17"/>
+    <p:sldId id="268" r:id="rId18"/>
   </p:sldIdLst>
   <p:sldSz cx="12192000" cy="6858000"/>
   <p:notesSz cx="6858000" cy="9144000"/>
@@ -3789,15 +3791,7 @@
           <a:p>
             <a:r>
               <a:rPr lang="en-US" dirty="0"/>
-              <a:t>Adding </a:t>
-            </a:r>
-            <a:r>
-              <a:rPr lang="en-US" dirty="0" err="1"/>
-              <a:t>AltRB</a:t>
-            </a:r>
-            <a:r>
-              <a:rPr lang="en-US" dirty="0"/>
-              <a:t> to </a:t>
+              <a:t>Extending </a:t>
             </a:r>
             <a:r>
               <a:rPr lang="en-US" dirty="0" err="1"/>
@@ -3809,10 +3803,10 @@
       </p:sp>
       <p:pic>
         <p:nvPicPr>
-          <p:cNvPr id="5" name="Picture 4">
-            <a:extLst>
-              <a:ext uri="{FF2B5EF4-FFF2-40B4-BE49-F238E27FC236}">
-                <a16:creationId xmlns:a16="http://schemas.microsoft.com/office/drawing/2014/main" id="{EAE2491C-863B-8A88-CED8-38A21270C3E2}"/>
+          <p:cNvPr id="9" name="Picture 8">
+            <a:extLst>
+              <a:ext uri="{FF2B5EF4-FFF2-40B4-BE49-F238E27FC236}">
+                <a16:creationId xmlns:a16="http://schemas.microsoft.com/office/drawing/2014/main" id="{1BF42983-4E11-601F-4448-BC58812BD9E0}"/>
               </a:ext>
             </a:extLst>
           </p:cNvPr>
@@ -3829,8 +3823,8 @@
         </p:blipFill>
         <p:spPr>
           <a:xfrm>
-            <a:off x="440014" y="1783710"/>
-            <a:ext cx="11311972" cy="4200401"/>
+            <a:off x="722436" y="1690688"/>
+            <a:ext cx="10631364" cy="3891218"/>
           </a:xfrm>
           <a:prstGeom prst="rect">
             <a:avLst/>
@@ -3851,6 +3845,104 @@
 </file>
 
 <file path=ppt/slides/slide13.xml><?xml version="1.0" encoding="utf-8"?>
+<p:sld xmlns:a="http://schemas.openxmlformats.org/drawingml/2006/main" xmlns:r="http://schemas.openxmlformats.org/officeDocument/2006/relationships" xmlns:p="http://schemas.openxmlformats.org/presentationml/2006/main">
+  <p:cSld>
+    <p:spTree>
+      <p:nvGrpSpPr>
+        <p:cNvPr id="1" name=""/>
+        <p:cNvGrpSpPr/>
+        <p:nvPr/>
+      </p:nvGrpSpPr>
+      <p:grpSpPr>
+        <a:xfrm>
+          <a:off x="0" y="0"/>
+          <a:ext cx="0" cy="0"/>
+          <a:chOff x="0" y="0"/>
+          <a:chExt cx="0" cy="0"/>
+        </a:xfrm>
+      </p:grpSpPr>
+      <p:sp>
+        <p:nvSpPr>
+          <p:cNvPr id="8" name="Title 1">
+            <a:extLst>
+              <a:ext uri="{FF2B5EF4-FFF2-40B4-BE49-F238E27FC236}">
+                <a16:creationId xmlns:a16="http://schemas.microsoft.com/office/drawing/2014/main" id="{4B06C236-B05F-5AEB-32A1-297A0B85705F}"/>
+              </a:ext>
+            </a:extLst>
+          </p:cNvPr>
+          <p:cNvSpPr>
+            <a:spLocks noGrp="1"/>
+          </p:cNvSpPr>
+          <p:nvPr>
+            <p:ph type="title"/>
+          </p:nvPr>
+        </p:nvSpPr>
+        <p:spPr>
+          <a:xfrm>
+            <a:off x="838200" y="365125"/>
+            <a:ext cx="10515600" cy="1325563"/>
+          </a:xfrm>
+        </p:spPr>
+        <p:txBody>
+          <a:bodyPr/>
+          <a:lstStyle/>
+          <a:p>
+            <a:r>
+              <a:rPr lang="en-US" dirty="0"/>
+              <a:t>Extending </a:t>
+            </a:r>
+            <a:r>
+              <a:rPr lang="en-US" dirty="0" err="1"/>
+              <a:t>UMkP</a:t>
+            </a:r>
+            <a:endParaRPr lang="en-US" dirty="0"/>
+          </a:p>
+        </p:txBody>
+      </p:sp>
+      <p:pic>
+        <p:nvPicPr>
+          <p:cNvPr id="10" name="Picture 9">
+            <a:extLst>
+              <a:ext uri="{FF2B5EF4-FFF2-40B4-BE49-F238E27FC236}">
+                <a16:creationId xmlns:a16="http://schemas.microsoft.com/office/drawing/2014/main" id="{CB8CC31E-31A6-98D6-66D3-19DF5D90DAC9}"/>
+              </a:ext>
+            </a:extLst>
+          </p:cNvPr>
+          <p:cNvPicPr>
+            <a:picLocks noChangeAspect="1"/>
+          </p:cNvPicPr>
+          <p:nvPr/>
+        </p:nvPicPr>
+        <p:blipFill>
+          <a:blip r:embed="rId2"/>
+          <a:stretch>
+            <a:fillRect/>
+          </a:stretch>
+        </p:blipFill>
+        <p:spPr>
+          <a:xfrm>
+            <a:off x="838200" y="1690688"/>
+            <a:ext cx="10763491" cy="3939578"/>
+          </a:xfrm>
+          <a:prstGeom prst="rect">
+            <a:avLst/>
+          </a:prstGeom>
+        </p:spPr>
+      </p:pic>
+    </p:spTree>
+    <p:extLst>
+      <p:ext uri="{BB962C8B-B14F-4D97-AF65-F5344CB8AC3E}">
+        <p14:creationId xmlns:p14="http://schemas.microsoft.com/office/powerpoint/2010/main" val="690726986"/>
+      </p:ext>
+    </p:extLst>
+  </p:cSld>
+  <p:clrMapOvr>
+    <a:masterClrMapping/>
+  </p:clrMapOvr>
+</p:sld>
+</file>
+
+<file path=ppt/slides/slide14.xml><?xml version="1.0" encoding="utf-8"?>
 <p:sld xmlns:a="http://schemas.openxmlformats.org/drawingml/2006/main" xmlns:r="http://schemas.openxmlformats.org/officeDocument/2006/relationships" xmlns:p="http://schemas.openxmlformats.org/presentationml/2006/main">
   <p:cSld>
     <p:spTree>
@@ -4601,7 +4693,7 @@
           <a:p>
             <a:r>
               <a:rPr lang="en-US" dirty="0"/>
-              <a:t>+ Reused in rec calls</a:t>
+              <a:t>+ Reused in recursive calls</a:t>
             </a:r>
           </a:p>
           <a:p>
@@ -4648,7 +4740,7 @@
           <a:p>
             <a:r>
               <a:rPr lang="en-US" dirty="0"/>
-              <a:t>− Created for every call</a:t>
+              <a:t>− Created for every recursive call</a:t>
             </a:r>
           </a:p>
           <a:p>
@@ -4669,94 +4761,6 @@
     <p:extLst>
       <p:ext uri="{BB962C8B-B14F-4D97-AF65-F5344CB8AC3E}">
         <p14:creationId xmlns:p14="http://schemas.microsoft.com/office/powerpoint/2010/main" val="3454165138"/>
-      </p:ext>
-    </p:extLst>
-  </p:cSld>
-  <p:clrMapOvr>
-    <a:masterClrMapping/>
-  </p:clrMapOvr>
-</p:sld>
-</file>
-
-<file path=ppt/slides/slide14.xml><?xml version="1.0" encoding="utf-8"?>
-<p:sld xmlns:a="http://schemas.openxmlformats.org/drawingml/2006/main" xmlns:r="http://schemas.openxmlformats.org/officeDocument/2006/relationships" xmlns:p="http://schemas.openxmlformats.org/presentationml/2006/main">
-  <p:cSld>
-    <p:spTree>
-      <p:nvGrpSpPr>
-        <p:cNvPr id="1" name=""/>
-        <p:cNvGrpSpPr/>
-        <p:nvPr/>
-      </p:nvGrpSpPr>
-      <p:grpSpPr>
-        <a:xfrm>
-          <a:off x="0" y="0"/>
-          <a:ext cx="0" cy="0"/>
-          <a:chOff x="0" y="0"/>
-          <a:chExt cx="0" cy="0"/>
-        </a:xfrm>
-      </p:grpSpPr>
-      <p:sp>
-        <p:nvSpPr>
-          <p:cNvPr id="2" name="Title 1">
-            <a:extLst>
-              <a:ext uri="{FF2B5EF4-FFF2-40B4-BE49-F238E27FC236}">
-                <a16:creationId xmlns:a16="http://schemas.microsoft.com/office/drawing/2014/main" id="{23974FA8-4629-6652-7130-B21CAAF45340}"/>
-              </a:ext>
-            </a:extLst>
-          </p:cNvPr>
-          <p:cNvSpPr>
-            <a:spLocks noGrp="1"/>
-          </p:cNvSpPr>
-          <p:nvPr>
-            <p:ph type="title"/>
-          </p:nvPr>
-        </p:nvSpPr>
-        <p:spPr/>
-        <p:txBody>
-          <a:bodyPr/>
-          <a:lstStyle/>
-          <a:p>
-            <a:r>
-              <a:rPr lang="en-US" dirty="0"/>
-              <a:t>Results for Small k</a:t>
-            </a:r>
-          </a:p>
-        </p:txBody>
-      </p:sp>
-      <p:pic>
-        <p:nvPicPr>
-          <p:cNvPr id="5" name="Picture 4">
-            <a:extLst>
-              <a:ext uri="{FF2B5EF4-FFF2-40B4-BE49-F238E27FC236}">
-                <a16:creationId xmlns:a16="http://schemas.microsoft.com/office/drawing/2014/main" id="{9FAE75F7-1B27-1A76-379A-2DDC513FBC99}"/>
-              </a:ext>
-            </a:extLst>
-          </p:cNvPr>
-          <p:cNvPicPr>
-            <a:picLocks noChangeAspect="1"/>
-          </p:cNvPicPr>
-          <p:nvPr/>
-        </p:nvPicPr>
-        <p:blipFill>
-          <a:blip r:embed="rId2"/>
-          <a:stretch>
-            <a:fillRect/>
-          </a:stretch>
-        </p:blipFill>
-        <p:spPr>
-          <a:xfrm>
-            <a:off x="790283" y="2055411"/>
-            <a:ext cx="10611434" cy="3940275"/>
-          </a:xfrm>
-          <a:prstGeom prst="rect">
-            <a:avLst/>
-          </a:prstGeom>
-        </p:spPr>
-      </p:pic>
-    </p:spTree>
-    <p:extLst>
-      <p:ext uri="{BB962C8B-B14F-4D97-AF65-F5344CB8AC3E}">
-        <p14:creationId xmlns:p14="http://schemas.microsoft.com/office/powerpoint/2010/main" val="1634729500"/>
       </p:ext>
     </p:extLst>
   </p:cSld>
@@ -4788,7 +4792,7 @@
           <p:cNvPr id="2" name="Title 1">
             <a:extLst>
               <a:ext uri="{FF2B5EF4-FFF2-40B4-BE49-F238E27FC236}">
-                <a16:creationId xmlns:a16="http://schemas.microsoft.com/office/drawing/2014/main" id="{103081E6-7C9B-683F-4EF5-78808D37BDA7}"/>
+                <a16:creationId xmlns:a16="http://schemas.microsoft.com/office/drawing/2014/main" id="{70CFF1D7-BE49-3F29-D658-84E2A85DC22E}"/>
               </a:ext>
             </a:extLst>
           </p:cNvPr>
@@ -4804,7 +4808,15 @@
           <a:bodyPr/>
           <a:lstStyle/>
           <a:p>
-            <a:endParaRPr lang="en-US"/>
+            <a:r>
+              <a:rPr lang="en-US" dirty="0"/>
+              <a:t>Adding Branching Schemes to </a:t>
+            </a:r>
+            <a:r>
+              <a:rPr lang="en-US" dirty="0" err="1"/>
+              <a:t>kPEX</a:t>
+            </a:r>
+            <a:endParaRPr lang="en-US" dirty="0"/>
           </a:p>
         </p:txBody>
       </p:sp>
@@ -4813,7 +4825,7 @@
           <p:cNvPr id="3" name="Content Placeholder 2">
             <a:extLst>
               <a:ext uri="{FF2B5EF4-FFF2-40B4-BE49-F238E27FC236}">
-                <a16:creationId xmlns:a16="http://schemas.microsoft.com/office/drawing/2014/main" id="{08D47248-42E0-78E6-055D-7A6ADD4F77A3}"/>
+                <a16:creationId xmlns:a16="http://schemas.microsoft.com/office/drawing/2014/main" id="{43164C1B-1B48-1390-48EB-9F87D47553E5}"/>
               </a:ext>
             </a:extLst>
           </p:cNvPr>
@@ -4829,10 +4841,244 @@
           <a:bodyPr/>
           <a:lstStyle/>
           <a:p>
-            <a:endParaRPr lang="en-US"/>
-          </a:p>
-        </p:txBody>
-      </p:sp>
+            <a:pPr marL="0" indent="0">
+              <a:buNone/>
+            </a:pPr>
+            <a:r>
+              <a:rPr lang="en-US" dirty="0" err="1"/>
+              <a:t>kPEX</a:t>
+            </a:r>
+            <a:r>
+              <a:rPr lang="en-US" dirty="0"/>
+              <a:t> uses binary branching</a:t>
+            </a:r>
+          </a:p>
+          <a:p>
+            <a:pPr lvl="1"/>
+            <a:r>
+              <a:rPr lang="en-US" dirty="0"/>
+              <a:t>Select a vertex in C with min d</a:t>
+            </a:r>
+            <a:r>
+              <a:rPr lang="en-US" baseline="-25000" dirty="0"/>
+              <a:t>g</a:t>
+            </a:r>
+            <a:r>
+              <a:rPr lang="en-US" dirty="0"/>
+              <a:t>(.)</a:t>
+            </a:r>
+          </a:p>
+          <a:p>
+            <a:pPr marL="0" indent="0">
+              <a:buNone/>
+            </a:pPr>
+            <a:r>
+              <a:rPr lang="en-US" dirty="0"/>
+              <a:t>UMKP</a:t>
+            </a:r>
+          </a:p>
+          <a:p>
+            <a:pPr lvl="1"/>
+            <a:r>
+              <a:rPr lang="en-US" dirty="0"/>
+              <a:t>Pivot Branching</a:t>
+            </a:r>
+          </a:p>
+          <a:p>
+            <a:pPr lvl="1"/>
+            <a:r>
+              <a:rPr lang="en-US" dirty="0"/>
+              <a:t>S-Based Branching</a:t>
+            </a:r>
+          </a:p>
+        </p:txBody>
+      </p:sp>
+    </p:spTree>
+    <p:extLst>
+      <p:ext uri="{BB962C8B-B14F-4D97-AF65-F5344CB8AC3E}">
+        <p14:creationId xmlns:p14="http://schemas.microsoft.com/office/powerpoint/2010/main" val="1031213938"/>
+      </p:ext>
+    </p:extLst>
+  </p:cSld>
+  <p:clrMapOvr>
+    <a:masterClrMapping/>
+  </p:clrMapOvr>
+</p:sld>
+</file>
+
+<file path=ppt/slides/slide16.xml><?xml version="1.0" encoding="utf-8"?>
+<p:sld xmlns:a="http://schemas.openxmlformats.org/drawingml/2006/main" xmlns:r="http://schemas.openxmlformats.org/officeDocument/2006/relationships" xmlns:p="http://schemas.openxmlformats.org/presentationml/2006/main">
+  <p:cSld>
+    <p:spTree>
+      <p:nvGrpSpPr>
+        <p:cNvPr id="1" name=""/>
+        <p:cNvGrpSpPr/>
+        <p:nvPr/>
+      </p:nvGrpSpPr>
+      <p:grpSpPr>
+        <a:xfrm>
+          <a:off x="0" y="0"/>
+          <a:ext cx="0" cy="0"/>
+          <a:chOff x="0" y="0"/>
+          <a:chExt cx="0" cy="0"/>
+        </a:xfrm>
+      </p:grpSpPr>
+      <p:sp>
+        <p:nvSpPr>
+          <p:cNvPr id="2" name="Title 1">
+            <a:extLst>
+              <a:ext uri="{FF2B5EF4-FFF2-40B4-BE49-F238E27FC236}">
+                <a16:creationId xmlns:a16="http://schemas.microsoft.com/office/drawing/2014/main" id="{23974FA8-4629-6652-7130-B21CAAF45340}"/>
+              </a:ext>
+            </a:extLst>
+          </p:cNvPr>
+          <p:cNvSpPr>
+            <a:spLocks noGrp="1"/>
+          </p:cNvSpPr>
+          <p:nvPr>
+            <p:ph type="title"/>
+          </p:nvPr>
+        </p:nvSpPr>
+        <p:spPr/>
+        <p:txBody>
+          <a:bodyPr/>
+          <a:lstStyle/>
+          <a:p>
+            <a:r>
+              <a:rPr lang="en-US" dirty="0"/>
+              <a:t>Extending </a:t>
+            </a:r>
+            <a:r>
+              <a:rPr lang="en-US" dirty="0" err="1"/>
+              <a:t>kPEX</a:t>
+            </a:r>
+            <a:endParaRPr lang="en-US" dirty="0"/>
+          </a:p>
+        </p:txBody>
+      </p:sp>
+      <p:pic>
+        <p:nvPicPr>
+          <p:cNvPr id="7" name="Picture 6">
+            <a:extLst>
+              <a:ext uri="{FF2B5EF4-FFF2-40B4-BE49-F238E27FC236}">
+                <a16:creationId xmlns:a16="http://schemas.microsoft.com/office/drawing/2014/main" id="{4A0FD452-7091-F880-A37A-8D1D85A22445}"/>
+              </a:ext>
+            </a:extLst>
+          </p:cNvPr>
+          <p:cNvPicPr>
+            <a:picLocks noChangeAspect="1"/>
+          </p:cNvPicPr>
+          <p:nvPr/>
+        </p:nvPicPr>
+        <p:blipFill>
+          <a:blip r:embed="rId2"/>
+          <a:stretch>
+            <a:fillRect/>
+          </a:stretch>
+        </p:blipFill>
+        <p:spPr>
+          <a:xfrm>
+            <a:off x="814663" y="1817091"/>
+            <a:ext cx="10562673" cy="3866077"/>
+          </a:xfrm>
+          <a:prstGeom prst="rect">
+            <a:avLst/>
+          </a:prstGeom>
+        </p:spPr>
+      </p:pic>
+    </p:spTree>
+    <p:extLst>
+      <p:ext uri="{BB962C8B-B14F-4D97-AF65-F5344CB8AC3E}">
+        <p14:creationId xmlns:p14="http://schemas.microsoft.com/office/powerpoint/2010/main" val="1634729500"/>
+      </p:ext>
+    </p:extLst>
+  </p:cSld>
+  <p:clrMapOvr>
+    <a:masterClrMapping/>
+  </p:clrMapOvr>
+</p:sld>
+</file>
+
+<file path=ppt/slides/slide17.xml><?xml version="1.0" encoding="utf-8"?>
+<p:sld xmlns:a="http://schemas.openxmlformats.org/drawingml/2006/main" xmlns:r="http://schemas.openxmlformats.org/officeDocument/2006/relationships" xmlns:p="http://schemas.openxmlformats.org/presentationml/2006/main">
+  <p:cSld>
+    <p:spTree>
+      <p:nvGrpSpPr>
+        <p:cNvPr id="1" name=""/>
+        <p:cNvGrpSpPr/>
+        <p:nvPr/>
+      </p:nvGrpSpPr>
+      <p:grpSpPr>
+        <a:xfrm>
+          <a:off x="0" y="0"/>
+          <a:ext cx="0" cy="0"/>
+          <a:chOff x="0" y="0"/>
+          <a:chExt cx="0" cy="0"/>
+        </a:xfrm>
+      </p:grpSpPr>
+      <p:sp>
+        <p:nvSpPr>
+          <p:cNvPr id="2" name="Title 1">
+            <a:extLst>
+              <a:ext uri="{FF2B5EF4-FFF2-40B4-BE49-F238E27FC236}">
+                <a16:creationId xmlns:a16="http://schemas.microsoft.com/office/drawing/2014/main" id="{103081E6-7C9B-683F-4EF5-78808D37BDA7}"/>
+              </a:ext>
+            </a:extLst>
+          </p:cNvPr>
+          <p:cNvSpPr>
+            <a:spLocks noGrp="1"/>
+          </p:cNvSpPr>
+          <p:nvPr>
+            <p:ph type="title"/>
+          </p:nvPr>
+        </p:nvSpPr>
+        <p:spPr/>
+        <p:txBody>
+          <a:bodyPr/>
+          <a:lstStyle/>
+          <a:p>
+            <a:r>
+              <a:rPr lang="en-US" dirty="0"/>
+              <a:t>Extending </a:t>
+            </a:r>
+            <a:r>
+              <a:rPr lang="en-US" dirty="0" err="1"/>
+              <a:t>kPEX</a:t>
+            </a:r>
+            <a:endParaRPr lang="en-US" dirty="0"/>
+          </a:p>
+        </p:txBody>
+      </p:sp>
+      <p:pic>
+        <p:nvPicPr>
+          <p:cNvPr id="5" name="Picture 4">
+            <a:extLst>
+              <a:ext uri="{FF2B5EF4-FFF2-40B4-BE49-F238E27FC236}">
+                <a16:creationId xmlns:a16="http://schemas.microsoft.com/office/drawing/2014/main" id="{A51721A2-394E-8CE6-387F-AC1D9E370B07}"/>
+              </a:ext>
+            </a:extLst>
+          </p:cNvPr>
+          <p:cNvPicPr>
+            <a:picLocks noChangeAspect="1"/>
+          </p:cNvPicPr>
+          <p:nvPr/>
+        </p:nvPicPr>
+        <p:blipFill>
+          <a:blip r:embed="rId2"/>
+          <a:stretch>
+            <a:fillRect/>
+          </a:stretch>
+        </p:blipFill>
+        <p:spPr>
+          <a:xfrm>
+            <a:off x="644324" y="1909363"/>
+            <a:ext cx="10903351" cy="3990770"/>
+          </a:xfrm>
+          <a:prstGeom prst="rect">
+            <a:avLst/>
+          </a:prstGeom>
+        </p:spPr>
+      </p:pic>
     </p:spTree>
     <p:extLst>
       <p:ext uri="{BB962C8B-B14F-4D97-AF65-F5344CB8AC3E}">

--- a/kPEX/kPEX_extension.pptx
+++ b/kPEX/kPEX_extension.pptx
@@ -6,22 +6,24 @@
   </p:sldMasterIdLst>
   <p:sldIdLst>
     <p:sldId id="256" r:id="rId2"/>
-    <p:sldId id="257" r:id="rId3"/>
-    <p:sldId id="258" r:id="rId4"/>
-    <p:sldId id="263" r:id="rId5"/>
-    <p:sldId id="259" r:id="rId6"/>
-    <p:sldId id="260" r:id="rId7"/>
-    <p:sldId id="261" r:id="rId8"/>
-    <p:sldId id="262" r:id="rId9"/>
-    <p:sldId id="264" r:id="rId10"/>
-    <p:sldId id="265" r:id="rId11"/>
-    <p:sldId id="266" r:id="rId12"/>
-    <p:sldId id="269" r:id="rId13"/>
-    <p:sldId id="272" r:id="rId14"/>
-    <p:sldId id="270" r:id="rId15"/>
-    <p:sldId id="271" r:id="rId16"/>
-    <p:sldId id="267" r:id="rId17"/>
-    <p:sldId id="268" r:id="rId18"/>
+    <p:sldId id="274" r:id="rId3"/>
+    <p:sldId id="257" r:id="rId4"/>
+    <p:sldId id="258" r:id="rId5"/>
+    <p:sldId id="263" r:id="rId6"/>
+    <p:sldId id="259" r:id="rId7"/>
+    <p:sldId id="260" r:id="rId8"/>
+    <p:sldId id="261" r:id="rId9"/>
+    <p:sldId id="262" r:id="rId10"/>
+    <p:sldId id="264" r:id="rId11"/>
+    <p:sldId id="265" r:id="rId12"/>
+    <p:sldId id="266" r:id="rId13"/>
+    <p:sldId id="273" r:id="rId14"/>
+    <p:sldId id="269" r:id="rId15"/>
+    <p:sldId id="272" r:id="rId16"/>
+    <p:sldId id="270" r:id="rId17"/>
+    <p:sldId id="271" r:id="rId18"/>
+    <p:sldId id="267" r:id="rId19"/>
+    <p:sldId id="268" r:id="rId20"/>
   </p:sldIdLst>
   <p:sldSz cx="12192000" cy="6858000"/>
   <p:notesSz cx="6858000" cy="9144000"/>
@@ -3367,6 +3369,48 @@
           </a:prstGeom>
         </p:spPr>
       </p:pic>
+      <p:sp>
+        <p:nvSpPr>
+          <p:cNvPr id="6" name="TextBox 5">
+            <a:extLst>
+              <a:ext uri="{FF2B5EF4-FFF2-40B4-BE49-F238E27FC236}">
+                <a16:creationId xmlns:a16="http://schemas.microsoft.com/office/drawing/2014/main" id="{7BD8567B-0FC7-FA0A-38EC-A4E9C0DD040F}"/>
+              </a:ext>
+            </a:extLst>
+          </p:cNvPr>
+          <p:cNvSpPr txBox="1"/>
+          <p:nvPr/>
+        </p:nvSpPr>
+        <p:spPr>
+          <a:xfrm>
+            <a:off x="3139148" y="5377934"/>
+            <a:ext cx="6096000" cy="369332"/>
+          </a:xfrm>
+          <a:prstGeom prst="rect">
+            <a:avLst/>
+          </a:prstGeom>
+          <a:noFill/>
+        </p:spPr>
+        <p:txBody>
+          <a:bodyPr wrap="square">
+            <a:spAutoFit/>
+          </a:bodyPr>
+          <a:lstStyle/>
+          <a:p>
+            <a:r>
+              <a:rPr lang="en-US" b="0" i="0" u="none" strike="noStrike" dirty="0">
+                <a:solidFill>
+                  <a:srgbClr val="000000"/>
+                </a:solidFill>
+                <a:effectLst/>
+                <a:latin typeface="Georgia" panose="02040502050405020303" pitchFamily="18" charset="0"/>
+              </a:rPr>
+              <a:t>Proceedings of the VLDB Endowment (PVLDB) 2025</a:t>
+            </a:r>
+            <a:endParaRPr lang="en-US" dirty="0"/>
+          </a:p>
+        </p:txBody>
+      </p:sp>
     </p:spTree>
     <p:extLst>
       <p:ext uri="{BB962C8B-B14F-4D97-AF65-F5344CB8AC3E}">
@@ -3381,6 +3425,589 @@
 </file>
 
 <file path=ppt/slides/slide10.xml><?xml version="1.0" encoding="utf-8"?>
+<p:sld xmlns:a="http://schemas.openxmlformats.org/drawingml/2006/main" xmlns:r="http://schemas.openxmlformats.org/officeDocument/2006/relationships" xmlns:p="http://schemas.openxmlformats.org/presentationml/2006/main">
+  <p:cSld>
+    <p:spTree>
+      <p:nvGrpSpPr>
+        <p:cNvPr id="1" name=""/>
+        <p:cNvGrpSpPr/>
+        <p:nvPr/>
+      </p:nvGrpSpPr>
+      <p:grpSpPr>
+        <a:xfrm>
+          <a:off x="0" y="0"/>
+          <a:ext cx="0" cy="0"/>
+          <a:chOff x="0" y="0"/>
+          <a:chExt cx="0" cy="0"/>
+        </a:xfrm>
+      </p:grpSpPr>
+      <p:sp>
+        <p:nvSpPr>
+          <p:cNvPr id="2" name="Title 1">
+            <a:extLst>
+              <a:ext uri="{FF2B5EF4-FFF2-40B4-BE49-F238E27FC236}">
+                <a16:creationId xmlns:a16="http://schemas.microsoft.com/office/drawing/2014/main" id="{0CEB873E-2F14-1451-4EC2-26F6DA7BDDB5}"/>
+              </a:ext>
+            </a:extLst>
+          </p:cNvPr>
+          <p:cNvSpPr>
+            <a:spLocks noGrp="1"/>
+          </p:cNvSpPr>
+          <p:nvPr>
+            <p:ph type="title"/>
+          </p:nvPr>
+        </p:nvSpPr>
+        <p:spPr/>
+        <p:txBody>
+          <a:bodyPr/>
+          <a:lstStyle/>
+          <a:p>
+            <a:r>
+              <a:rPr lang="en-US" dirty="0"/>
+              <a:t>Partitioning C</a:t>
+            </a:r>
+          </a:p>
+        </p:txBody>
+      </p:sp>
+      <p:pic>
+        <p:nvPicPr>
+          <p:cNvPr id="5" name="Picture 4" descr="A math equations and formulas&#10;&#10;AI-generated content may be incorrect.">
+            <a:extLst>
+              <a:ext uri="{FF2B5EF4-FFF2-40B4-BE49-F238E27FC236}">
+                <a16:creationId xmlns:a16="http://schemas.microsoft.com/office/drawing/2014/main" id="{2232B48E-A566-6A93-648B-38A64661D578}"/>
+              </a:ext>
+            </a:extLst>
+          </p:cNvPr>
+          <p:cNvPicPr>
+            <a:picLocks noChangeAspect="1"/>
+          </p:cNvPicPr>
+          <p:nvPr/>
+        </p:nvPicPr>
+        <p:blipFill>
+          <a:blip r:embed="rId2"/>
+          <a:stretch>
+            <a:fillRect/>
+          </a:stretch>
+        </p:blipFill>
+        <p:spPr>
+          <a:xfrm>
+            <a:off x="2901320" y="1302100"/>
+            <a:ext cx="5608092" cy="3316510"/>
+          </a:xfrm>
+          <a:prstGeom prst="rect">
+            <a:avLst/>
+          </a:prstGeom>
+        </p:spPr>
+      </p:pic>
+      <p:sp>
+        <p:nvSpPr>
+          <p:cNvPr id="7" name="Rectangle 6">
+            <a:extLst>
+              <a:ext uri="{FF2B5EF4-FFF2-40B4-BE49-F238E27FC236}">
+                <a16:creationId xmlns:a16="http://schemas.microsoft.com/office/drawing/2014/main" id="{E79BF739-87C7-31D7-D8BC-98401CE590FA}"/>
+              </a:ext>
+            </a:extLst>
+          </p:cNvPr>
+          <p:cNvSpPr/>
+          <p:nvPr/>
+        </p:nvSpPr>
+        <p:spPr>
+          <a:xfrm>
+            <a:off x="4695058" y="5306966"/>
+            <a:ext cx="4382814" cy="830318"/>
+          </a:xfrm>
+          <a:prstGeom prst="rect">
+            <a:avLst/>
+          </a:prstGeom>
+        </p:spPr>
+        <p:style>
+          <a:lnRef idx="2">
+            <a:schemeClr val="dk1"/>
+          </a:lnRef>
+          <a:fillRef idx="1">
+            <a:schemeClr val="lt1"/>
+          </a:fillRef>
+          <a:effectRef idx="0">
+            <a:schemeClr val="dk1"/>
+          </a:effectRef>
+          <a:fontRef idx="minor">
+            <a:schemeClr val="dk1"/>
+          </a:fontRef>
+        </p:style>
+        <p:txBody>
+          <a:bodyPr rtlCol="0" anchor="ctr"/>
+          <a:lstStyle/>
+          <a:p>
+            <a:pPr algn="ctr"/>
+            <a:endParaRPr lang="en-US" dirty="0"/>
+          </a:p>
+        </p:txBody>
+      </p:sp>
+      <p:sp>
+        <p:nvSpPr>
+          <p:cNvPr id="8" name="Rectangle 7">
+            <a:extLst>
+              <a:ext uri="{FF2B5EF4-FFF2-40B4-BE49-F238E27FC236}">
+                <a16:creationId xmlns:a16="http://schemas.microsoft.com/office/drawing/2014/main" id="{D929F2D1-3C67-7703-9C91-CB998BBAF2BF}"/>
+              </a:ext>
+            </a:extLst>
+          </p:cNvPr>
+          <p:cNvSpPr/>
+          <p:nvPr/>
+        </p:nvSpPr>
+        <p:spPr>
+          <a:xfrm>
+            <a:off x="2901320" y="5302526"/>
+            <a:ext cx="819860" cy="830318"/>
+          </a:xfrm>
+          <a:prstGeom prst="rect">
+            <a:avLst/>
+          </a:prstGeom>
+        </p:spPr>
+        <p:style>
+          <a:lnRef idx="2">
+            <a:schemeClr val="dk1"/>
+          </a:lnRef>
+          <a:fillRef idx="1">
+            <a:schemeClr val="lt1"/>
+          </a:fillRef>
+          <a:effectRef idx="0">
+            <a:schemeClr val="dk1"/>
+          </a:effectRef>
+          <a:fontRef idx="minor">
+            <a:schemeClr val="dk1"/>
+          </a:fontRef>
+        </p:style>
+        <p:txBody>
+          <a:bodyPr rtlCol="0" anchor="ctr"/>
+          <a:lstStyle/>
+          <a:p>
+            <a:pPr algn="ctr"/>
+            <a:r>
+              <a:rPr lang="en-US" dirty="0"/>
+              <a:t>S</a:t>
+            </a:r>
+            <a:r>
+              <a:rPr lang="en-US" baseline="-25000" dirty="0"/>
+              <a:t>L</a:t>
+            </a:r>
+          </a:p>
+        </p:txBody>
+      </p:sp>
+      <p:sp>
+        <p:nvSpPr>
+          <p:cNvPr id="9" name="TextBox 8">
+            <a:extLst>
+              <a:ext uri="{FF2B5EF4-FFF2-40B4-BE49-F238E27FC236}">
+                <a16:creationId xmlns:a16="http://schemas.microsoft.com/office/drawing/2014/main" id="{7C9FC705-CCC5-9C5A-01F5-5A8B014A071B}"/>
+              </a:ext>
+            </a:extLst>
+          </p:cNvPr>
+          <p:cNvSpPr txBox="1"/>
+          <p:nvPr/>
+        </p:nvSpPr>
+        <p:spPr>
+          <a:xfrm>
+            <a:off x="6434521" y="4958649"/>
+            <a:ext cx="903890" cy="369332"/>
+          </a:xfrm>
+          <a:prstGeom prst="rect">
+            <a:avLst/>
+          </a:prstGeom>
+          <a:noFill/>
+        </p:spPr>
+        <p:txBody>
+          <a:bodyPr wrap="square">
+            <a:spAutoFit/>
+          </a:bodyPr>
+          <a:lstStyle/>
+          <a:p>
+            <a:pPr algn="ctr"/>
+            <a:r>
+              <a:rPr lang="en-US" dirty="0"/>
+              <a:t>C</a:t>
+            </a:r>
+          </a:p>
+        </p:txBody>
+      </p:sp>
+      <p:sp>
+        <p:nvSpPr>
+          <p:cNvPr id="10" name="Rectangle 9">
+            <a:extLst>
+              <a:ext uri="{FF2B5EF4-FFF2-40B4-BE49-F238E27FC236}">
+                <a16:creationId xmlns:a16="http://schemas.microsoft.com/office/drawing/2014/main" id="{FB2B165B-44CD-E0B8-7849-367304BB0EA3}"/>
+              </a:ext>
+            </a:extLst>
+          </p:cNvPr>
+          <p:cNvSpPr/>
+          <p:nvPr/>
+        </p:nvSpPr>
+        <p:spPr>
+          <a:xfrm>
+            <a:off x="4702941" y="5305488"/>
+            <a:ext cx="1907628" cy="830318"/>
+          </a:xfrm>
+          <a:prstGeom prst="rect">
+            <a:avLst/>
+          </a:prstGeom>
+        </p:spPr>
+        <p:style>
+          <a:lnRef idx="2">
+            <a:schemeClr val="dk1"/>
+          </a:lnRef>
+          <a:fillRef idx="1">
+            <a:schemeClr val="lt1"/>
+          </a:fillRef>
+          <a:effectRef idx="0">
+            <a:schemeClr val="dk1"/>
+          </a:effectRef>
+          <a:fontRef idx="minor">
+            <a:schemeClr val="dk1"/>
+          </a:fontRef>
+        </p:style>
+        <p:txBody>
+          <a:bodyPr rtlCol="0" anchor="ctr"/>
+          <a:lstStyle/>
+          <a:p>
+            <a:pPr algn="ctr"/>
+            <a:r>
+              <a:rPr lang="en-US" dirty="0"/>
+              <a:t>C</a:t>
+            </a:r>
+            <a:r>
+              <a:rPr lang="en-US" baseline="-25000" dirty="0"/>
+              <a:t>L</a:t>
+            </a:r>
+          </a:p>
+        </p:txBody>
+      </p:sp>
+      <p:sp>
+        <p:nvSpPr>
+          <p:cNvPr id="11" name="TextBox 10">
+            <a:extLst>
+              <a:ext uri="{FF2B5EF4-FFF2-40B4-BE49-F238E27FC236}">
+                <a16:creationId xmlns:a16="http://schemas.microsoft.com/office/drawing/2014/main" id="{3D72A905-9DEC-0022-9FBA-8BE31E2C7CCA}"/>
+              </a:ext>
+            </a:extLst>
+          </p:cNvPr>
+          <p:cNvSpPr txBox="1"/>
+          <p:nvPr/>
+        </p:nvSpPr>
+        <p:spPr>
+          <a:xfrm>
+            <a:off x="7435578" y="5535981"/>
+            <a:ext cx="914400" cy="369332"/>
+          </a:xfrm>
+          <a:prstGeom prst="rect">
+            <a:avLst/>
+          </a:prstGeom>
+          <a:noFill/>
+        </p:spPr>
+        <p:txBody>
+          <a:bodyPr wrap="square">
+            <a:spAutoFit/>
+          </a:bodyPr>
+          <a:lstStyle/>
+          <a:p>
+            <a:pPr algn="ctr"/>
+            <a:r>
+              <a:rPr lang="en-US" dirty="0"/>
+              <a:t>C</a:t>
+            </a:r>
+            <a:r>
+              <a:rPr lang="en-US" baseline="-25000" dirty="0"/>
+              <a:t>R</a:t>
+            </a:r>
+          </a:p>
+        </p:txBody>
+      </p:sp>
+      <p:sp>
+        <p:nvSpPr>
+          <p:cNvPr id="15" name="Rectangle 14">
+            <a:extLst>
+              <a:ext uri="{FF2B5EF4-FFF2-40B4-BE49-F238E27FC236}">
+                <a16:creationId xmlns:a16="http://schemas.microsoft.com/office/drawing/2014/main" id="{7146F59B-3EF8-AD00-A087-25795EF10175}"/>
+              </a:ext>
+            </a:extLst>
+          </p:cNvPr>
+          <p:cNvSpPr/>
+          <p:nvPr/>
+        </p:nvSpPr>
+        <p:spPr>
+          <a:xfrm>
+            <a:off x="3752578" y="5305488"/>
+            <a:ext cx="819860" cy="830318"/>
+          </a:xfrm>
+          <a:prstGeom prst="rect">
+            <a:avLst/>
+          </a:prstGeom>
+        </p:spPr>
+        <p:style>
+          <a:lnRef idx="2">
+            <a:schemeClr val="dk1"/>
+          </a:lnRef>
+          <a:fillRef idx="1">
+            <a:schemeClr val="lt1"/>
+          </a:fillRef>
+          <a:effectRef idx="0">
+            <a:schemeClr val="dk1"/>
+          </a:effectRef>
+          <a:fontRef idx="minor">
+            <a:schemeClr val="dk1"/>
+          </a:fontRef>
+        </p:style>
+        <p:txBody>
+          <a:bodyPr rtlCol="0" anchor="ctr"/>
+          <a:lstStyle/>
+          <a:p>
+            <a:pPr algn="ctr"/>
+            <a:r>
+              <a:rPr lang="en-US" dirty="0"/>
+              <a:t>S</a:t>
+            </a:r>
+            <a:r>
+              <a:rPr lang="en-US" baseline="-25000" dirty="0"/>
+              <a:t>R</a:t>
+            </a:r>
+          </a:p>
+        </p:txBody>
+      </p:sp>
+      <p:sp>
+        <p:nvSpPr>
+          <p:cNvPr id="16" name="TextBox 15">
+            <a:extLst>
+              <a:ext uri="{FF2B5EF4-FFF2-40B4-BE49-F238E27FC236}">
+                <a16:creationId xmlns:a16="http://schemas.microsoft.com/office/drawing/2014/main" id="{A2EF9470-9D43-04C2-C02A-EFD979F89212}"/>
+              </a:ext>
+            </a:extLst>
+          </p:cNvPr>
+          <p:cNvSpPr txBox="1"/>
+          <p:nvPr/>
+        </p:nvSpPr>
+        <p:spPr>
+          <a:xfrm>
+            <a:off x="3277118" y="4983898"/>
+            <a:ext cx="903890" cy="369332"/>
+          </a:xfrm>
+          <a:prstGeom prst="rect">
+            <a:avLst/>
+          </a:prstGeom>
+          <a:noFill/>
+        </p:spPr>
+        <p:txBody>
+          <a:bodyPr wrap="square">
+            <a:spAutoFit/>
+          </a:bodyPr>
+          <a:lstStyle/>
+          <a:p>
+            <a:pPr algn="ctr"/>
+            <a:r>
+              <a:rPr lang="en-US" dirty="0"/>
+              <a:t>S</a:t>
+            </a:r>
+          </a:p>
+        </p:txBody>
+      </p:sp>
+      <p:sp>
+        <p:nvSpPr>
+          <p:cNvPr id="17" name="Rectangle 16">
+            <a:extLst>
+              <a:ext uri="{FF2B5EF4-FFF2-40B4-BE49-F238E27FC236}">
+                <a16:creationId xmlns:a16="http://schemas.microsoft.com/office/drawing/2014/main" id="{CBA68DC8-8D42-FF7B-245D-98F4852C5C20}"/>
+              </a:ext>
+            </a:extLst>
+          </p:cNvPr>
+          <p:cNvSpPr/>
+          <p:nvPr/>
+        </p:nvSpPr>
+        <p:spPr>
+          <a:xfrm>
+            <a:off x="3951890" y="2722179"/>
+            <a:ext cx="3226676" cy="325821"/>
+          </a:xfrm>
+          <a:prstGeom prst="rect">
+            <a:avLst/>
+          </a:prstGeom>
+          <a:noFill/>
+          <a:ln w="38100" cap="flat" cmpd="sng" algn="ctr">
+            <a:solidFill>
+              <a:srgbClr val="C00000"/>
+            </a:solidFill>
+            <a:prstDash val="solid"/>
+            <a:round/>
+            <a:headEnd type="none" w="med" len="med"/>
+            <a:tailEnd type="none" w="med" len="med"/>
+          </a:ln>
+        </p:spPr>
+        <p:style>
+          <a:lnRef idx="0">
+            <a:scrgbClr r="0" g="0" b="0"/>
+          </a:lnRef>
+          <a:fillRef idx="0">
+            <a:scrgbClr r="0" g="0" b="0"/>
+          </a:fillRef>
+          <a:effectRef idx="0">
+            <a:scrgbClr r="0" g="0" b="0"/>
+          </a:effectRef>
+          <a:fontRef idx="minor">
+            <a:schemeClr val="accent2"/>
+          </a:fontRef>
+        </p:style>
+        <p:txBody>
+          <a:bodyPr rtlCol="0" anchor="ctr"/>
+          <a:lstStyle/>
+          <a:p>
+            <a:pPr algn="ctr"/>
+            <a:endParaRPr lang="en-US"/>
+          </a:p>
+        </p:txBody>
+      </p:sp>
+      <p:cxnSp>
+        <p:nvCxnSpPr>
+          <p:cNvPr id="19" name="Straight Arrow Connector 18">
+            <a:extLst>
+              <a:ext uri="{FF2B5EF4-FFF2-40B4-BE49-F238E27FC236}">
+                <a16:creationId xmlns:a16="http://schemas.microsoft.com/office/drawing/2014/main" id="{FF8A2A37-9AFF-F14E-139E-CC3A1CAADCE5}"/>
+              </a:ext>
+            </a:extLst>
+          </p:cNvPr>
+          <p:cNvCxnSpPr>
+            <a:stCxn id="17" idx="2"/>
+            <a:endCxn id="8" idx="0"/>
+          </p:cNvCxnSpPr>
+          <p:nvPr/>
+        </p:nvCxnSpPr>
+        <p:spPr>
+          <a:xfrm flipH="1">
+            <a:off x="3311250" y="3048000"/>
+            <a:ext cx="2253978" cy="2254526"/>
+          </a:xfrm>
+          <a:prstGeom prst="straightConnector1">
+            <a:avLst/>
+          </a:prstGeom>
+          <a:ln>
+            <a:tailEnd type="triangle"/>
+          </a:ln>
+        </p:spPr>
+        <p:style>
+          <a:lnRef idx="2">
+            <a:schemeClr val="accent1"/>
+          </a:lnRef>
+          <a:fillRef idx="0">
+            <a:schemeClr val="accent1"/>
+          </a:fillRef>
+          <a:effectRef idx="1">
+            <a:schemeClr val="accent1"/>
+          </a:effectRef>
+          <a:fontRef idx="minor">
+            <a:schemeClr val="tx1"/>
+          </a:fontRef>
+        </p:style>
+      </p:cxnSp>
+      <p:sp>
+        <p:nvSpPr>
+          <p:cNvPr id="20" name="TextBox 19">
+            <a:extLst>
+              <a:ext uri="{FF2B5EF4-FFF2-40B4-BE49-F238E27FC236}">
+                <a16:creationId xmlns:a16="http://schemas.microsoft.com/office/drawing/2014/main" id="{C934BD4E-9668-8AA1-7B76-2B4C5A4F8318}"/>
+              </a:ext>
+            </a:extLst>
+          </p:cNvPr>
+          <p:cNvSpPr txBox="1"/>
+          <p:nvPr/>
+        </p:nvSpPr>
+        <p:spPr>
+          <a:xfrm>
+            <a:off x="2004245" y="4682821"/>
+            <a:ext cx="1744717" cy="738664"/>
+          </a:xfrm>
+          <a:prstGeom prst="rect">
+            <a:avLst/>
+          </a:prstGeom>
+          <a:noFill/>
+        </p:spPr>
+        <p:txBody>
+          <a:bodyPr wrap="square" rtlCol="0">
+            <a:spAutoFit/>
+          </a:bodyPr>
+          <a:lstStyle/>
+          <a:p>
+            <a:r>
+              <a:rPr lang="en-US" sz="1400" dirty="0">
+                <a:solidFill>
+                  <a:srgbClr val="C00000"/>
+                </a:solidFill>
+              </a:rPr>
+              <a:t>v in S</a:t>
+            </a:r>
+            <a:r>
+              <a:rPr lang="en-US" sz="1400" baseline="-25000" dirty="0">
+                <a:solidFill>
+                  <a:srgbClr val="C00000"/>
+                </a:solidFill>
+              </a:rPr>
+              <a:t>L</a:t>
+            </a:r>
+            <a:r>
+              <a:rPr lang="en-US" sz="1400" dirty="0">
+                <a:solidFill>
+                  <a:srgbClr val="C00000"/>
+                </a:solidFill>
+              </a:rPr>
+              <a:t> has More non-neighbors than support</a:t>
+            </a:r>
+          </a:p>
+        </p:txBody>
+      </p:sp>
+      <p:sp>
+        <p:nvSpPr>
+          <p:cNvPr id="21" name="TextBox 20">
+            <a:extLst>
+              <a:ext uri="{FF2B5EF4-FFF2-40B4-BE49-F238E27FC236}">
+                <a16:creationId xmlns:a16="http://schemas.microsoft.com/office/drawing/2014/main" id="{5E19F494-2340-15D0-9E5B-CC689C56EBA8}"/>
+              </a:ext>
+            </a:extLst>
+          </p:cNvPr>
+          <p:cNvSpPr txBox="1"/>
+          <p:nvPr/>
+        </p:nvSpPr>
+        <p:spPr>
+          <a:xfrm>
+            <a:off x="4816621" y="6129123"/>
+            <a:ext cx="1354858" cy="307777"/>
+          </a:xfrm>
+          <a:prstGeom prst="rect">
+            <a:avLst/>
+          </a:prstGeom>
+          <a:noFill/>
+        </p:spPr>
+        <p:txBody>
+          <a:bodyPr wrap="none" rtlCol="0">
+            <a:spAutoFit/>
+          </a:bodyPr>
+          <a:lstStyle/>
+          <a:p>
+            <a:r>
+              <a:rPr lang="en-US" sz="1400" dirty="0"/>
+              <a:t>Non-neigh. of v</a:t>
+            </a:r>
+          </a:p>
+        </p:txBody>
+      </p:sp>
+    </p:spTree>
+    <p:extLst>
+      <p:ext uri="{BB962C8B-B14F-4D97-AF65-F5344CB8AC3E}">
+        <p14:creationId xmlns:p14="http://schemas.microsoft.com/office/powerpoint/2010/main" val="3671441119"/>
+      </p:ext>
+    </p:extLst>
+  </p:cSld>
+  <p:clrMapOvr>
+    <a:masterClrMapping/>
+  </p:clrMapOvr>
+</p:sld>
+</file>
+
+<file path=ppt/slides/slide11.xml><?xml version="1.0" encoding="utf-8"?>
 <p:sld xmlns:a="http://schemas.openxmlformats.org/drawingml/2006/main" xmlns:r="http://schemas.openxmlformats.org/officeDocument/2006/relationships" xmlns:p="http://schemas.openxmlformats.org/presentationml/2006/main">
   <p:cSld>
     <p:spTree>
@@ -3657,100 +4284,6 @@
 </p:sld>
 </file>
 
-<file path=ppt/slides/slide11.xml><?xml version="1.0" encoding="utf-8"?>
-<p:sld xmlns:a="http://schemas.openxmlformats.org/drawingml/2006/main" xmlns:r="http://schemas.openxmlformats.org/officeDocument/2006/relationships" xmlns:p="http://schemas.openxmlformats.org/presentationml/2006/main">
-  <p:cSld>
-    <p:spTree>
-      <p:nvGrpSpPr>
-        <p:cNvPr id="1" name=""/>
-        <p:cNvGrpSpPr/>
-        <p:nvPr/>
-      </p:nvGrpSpPr>
-      <p:grpSpPr>
-        <a:xfrm>
-          <a:off x="0" y="0"/>
-          <a:ext cx="0" cy="0"/>
-          <a:chOff x="0" y="0"/>
-          <a:chExt cx="0" cy="0"/>
-        </a:xfrm>
-      </p:grpSpPr>
-      <p:sp>
-        <p:nvSpPr>
-          <p:cNvPr id="2" name="Title 1">
-            <a:extLst>
-              <a:ext uri="{FF2B5EF4-FFF2-40B4-BE49-F238E27FC236}">
-                <a16:creationId xmlns:a16="http://schemas.microsoft.com/office/drawing/2014/main" id="{0E0246DC-2350-2F55-4605-47E51D785407}"/>
-              </a:ext>
-            </a:extLst>
-          </p:cNvPr>
-          <p:cNvSpPr>
-            <a:spLocks noGrp="1"/>
-          </p:cNvSpPr>
-          <p:nvPr>
-            <p:ph type="title"/>
-          </p:nvPr>
-        </p:nvSpPr>
-        <p:spPr/>
-        <p:txBody>
-          <a:bodyPr/>
-          <a:lstStyle/>
-          <a:p>
-            <a:r>
-              <a:rPr lang="en-US" dirty="0" err="1"/>
-              <a:t>Reducation</a:t>
-            </a:r>
-            <a:r>
-              <a:rPr lang="en-US" dirty="0"/>
-              <a:t> Rules</a:t>
-            </a:r>
-          </a:p>
-        </p:txBody>
-      </p:sp>
-      <p:pic>
-        <p:nvPicPr>
-          <p:cNvPr id="4" name="Content Placeholder 3" descr="A math equations on a white background&#10;&#10;AI-generated content may be incorrect.">
-            <a:extLst>
-              <a:ext uri="{FF2B5EF4-FFF2-40B4-BE49-F238E27FC236}">
-                <a16:creationId xmlns:a16="http://schemas.microsoft.com/office/drawing/2014/main" id="{B680D596-129F-588E-B300-F9C975342D9D}"/>
-              </a:ext>
-            </a:extLst>
-          </p:cNvPr>
-          <p:cNvPicPr>
-            <a:picLocks noGrp="1" noChangeAspect="1"/>
-          </p:cNvPicPr>
-          <p:nvPr>
-            <p:ph idx="1"/>
-          </p:nvPr>
-        </p:nvPicPr>
-        <p:blipFill>
-          <a:blip r:embed="rId2"/>
-          <a:stretch>
-            <a:fillRect/>
-          </a:stretch>
-        </p:blipFill>
-        <p:spPr>
-          <a:xfrm>
-            <a:off x="2540000" y="1969294"/>
-            <a:ext cx="7112000" cy="4064000"/>
-          </a:xfrm>
-          <a:prstGeom prst="rect">
-            <a:avLst/>
-          </a:prstGeom>
-        </p:spPr>
-      </p:pic>
-    </p:spTree>
-    <p:extLst>
-      <p:ext uri="{BB962C8B-B14F-4D97-AF65-F5344CB8AC3E}">
-        <p14:creationId xmlns:p14="http://schemas.microsoft.com/office/powerpoint/2010/main" val="376432301"/>
-      </p:ext>
-    </p:extLst>
-  </p:cSld>
-  <p:clrMapOvr>
-    <a:masterClrMapping/>
-  </p:clrMapOvr>
-</p:sld>
-</file>
-
 <file path=ppt/slides/slide12.xml><?xml version="1.0" encoding="utf-8"?>
 <p:sld xmlns:a="http://schemas.openxmlformats.org/drawingml/2006/main" xmlns:r="http://schemas.openxmlformats.org/officeDocument/2006/relationships" xmlns:p="http://schemas.openxmlformats.org/presentationml/2006/main">
   <p:cSld>
@@ -3773,7 +4306,7 @@
           <p:cNvPr id="2" name="Title 1">
             <a:extLst>
               <a:ext uri="{FF2B5EF4-FFF2-40B4-BE49-F238E27FC236}">
-                <a16:creationId xmlns:a16="http://schemas.microsoft.com/office/drawing/2014/main" id="{0E303B69-84CB-211E-BF4E-91E6A9283A4E}"/>
+                <a16:creationId xmlns:a16="http://schemas.microsoft.com/office/drawing/2014/main" id="{0E0246DC-2350-2F55-4605-47E51D785407}"/>
               </a:ext>
             </a:extLst>
           </p:cNvPr>
@@ -3790,30 +4323,31 @@
           <a:lstStyle/>
           <a:p>
             <a:r>
+              <a:rPr lang="en-US" dirty="0" err="1"/>
+              <a:t>Reducation</a:t>
+            </a:r>
+            <a:r>
               <a:rPr lang="en-US" dirty="0"/>
-              <a:t>Extending </a:t>
-            </a:r>
-            <a:r>
-              <a:rPr lang="en-US" dirty="0" err="1"/>
-              <a:t>UMkP</a:t>
-            </a:r>
-            <a:endParaRPr lang="en-US" dirty="0"/>
+              <a:t> Rules</a:t>
+            </a:r>
           </a:p>
         </p:txBody>
       </p:sp>
       <p:pic>
         <p:nvPicPr>
-          <p:cNvPr id="9" name="Picture 8">
-            <a:extLst>
-              <a:ext uri="{FF2B5EF4-FFF2-40B4-BE49-F238E27FC236}">
-                <a16:creationId xmlns:a16="http://schemas.microsoft.com/office/drawing/2014/main" id="{1BF42983-4E11-601F-4448-BC58812BD9E0}"/>
+          <p:cNvPr id="4" name="Content Placeholder 3" descr="A math equations on a white background&#10;&#10;AI-generated content may be incorrect.">
+            <a:extLst>
+              <a:ext uri="{FF2B5EF4-FFF2-40B4-BE49-F238E27FC236}">
+                <a16:creationId xmlns:a16="http://schemas.microsoft.com/office/drawing/2014/main" id="{B680D596-129F-588E-B300-F9C975342D9D}"/>
               </a:ext>
             </a:extLst>
           </p:cNvPr>
           <p:cNvPicPr>
-            <a:picLocks noChangeAspect="1"/>
+            <a:picLocks noGrp="1" noChangeAspect="1"/>
           </p:cNvPicPr>
-          <p:nvPr/>
+          <p:nvPr>
+            <p:ph idx="1"/>
+          </p:nvPr>
         </p:nvPicPr>
         <p:blipFill>
           <a:blip r:embed="rId2"/>
@@ -3823,8 +4357,8 @@
         </p:blipFill>
         <p:spPr>
           <a:xfrm>
-            <a:off x="722436" y="1690688"/>
-            <a:ext cx="10631364" cy="3891218"/>
+            <a:off x="2540000" y="1969294"/>
+            <a:ext cx="7112000" cy="4064000"/>
           </a:xfrm>
           <a:prstGeom prst="rect">
             <a:avLst/>
@@ -3834,7 +4368,7 @@
     </p:spTree>
     <p:extLst>
       <p:ext uri="{BB962C8B-B14F-4D97-AF65-F5344CB8AC3E}">
-        <p14:creationId xmlns:p14="http://schemas.microsoft.com/office/powerpoint/2010/main" val="3122562894"/>
+        <p14:creationId xmlns:p14="http://schemas.microsoft.com/office/powerpoint/2010/main" val="376432301"/>
       </p:ext>
     </p:extLst>
   </p:cSld>
@@ -3863,6 +4397,187 @@
       </p:grpSpPr>
       <p:sp>
         <p:nvSpPr>
+          <p:cNvPr id="2" name="Title 1">
+            <a:extLst>
+              <a:ext uri="{FF2B5EF4-FFF2-40B4-BE49-F238E27FC236}">
+                <a16:creationId xmlns:a16="http://schemas.microsoft.com/office/drawing/2014/main" id="{AD2339B7-4EC5-76BC-A1BE-F4C9174FD909}"/>
+              </a:ext>
+            </a:extLst>
+          </p:cNvPr>
+          <p:cNvSpPr>
+            <a:spLocks noGrp="1"/>
+          </p:cNvSpPr>
+          <p:nvPr>
+            <p:ph type="title"/>
+          </p:nvPr>
+        </p:nvSpPr>
+        <p:spPr/>
+        <p:txBody>
+          <a:bodyPr/>
+          <a:lstStyle/>
+          <a:p>
+            <a:r>
+              <a:rPr lang="en-US" dirty="0"/>
+              <a:t>Experiments – Datasets </a:t>
+            </a:r>
+          </a:p>
+        </p:txBody>
+      </p:sp>
+      <p:pic>
+        <p:nvPicPr>
+          <p:cNvPr id="5" name="Picture 4">
+            <a:extLst>
+              <a:ext uri="{FF2B5EF4-FFF2-40B4-BE49-F238E27FC236}">
+                <a16:creationId xmlns:a16="http://schemas.microsoft.com/office/drawing/2014/main" id="{369A773E-13A3-9693-7C0E-BE24F126E4EE}"/>
+              </a:ext>
+            </a:extLst>
+          </p:cNvPr>
+          <p:cNvPicPr>
+            <a:picLocks noChangeAspect="1"/>
+          </p:cNvPicPr>
+          <p:nvPr/>
+        </p:nvPicPr>
+        <p:blipFill>
+          <a:blip r:embed="rId2"/>
+          <a:stretch>
+            <a:fillRect/>
+          </a:stretch>
+        </p:blipFill>
+        <p:spPr>
+          <a:xfrm>
+            <a:off x="3265990" y="1690688"/>
+            <a:ext cx="5660020" cy="4574165"/>
+          </a:xfrm>
+          <a:prstGeom prst="rect">
+            <a:avLst/>
+          </a:prstGeom>
+        </p:spPr>
+      </p:pic>
+    </p:spTree>
+    <p:extLst>
+      <p:ext uri="{BB962C8B-B14F-4D97-AF65-F5344CB8AC3E}">
+        <p14:creationId xmlns:p14="http://schemas.microsoft.com/office/powerpoint/2010/main" val="2828047670"/>
+      </p:ext>
+    </p:extLst>
+  </p:cSld>
+  <p:clrMapOvr>
+    <a:masterClrMapping/>
+  </p:clrMapOvr>
+</p:sld>
+</file>
+
+<file path=ppt/slides/slide14.xml><?xml version="1.0" encoding="utf-8"?>
+<p:sld xmlns:a="http://schemas.openxmlformats.org/drawingml/2006/main" xmlns:r="http://schemas.openxmlformats.org/officeDocument/2006/relationships" xmlns:p="http://schemas.openxmlformats.org/presentationml/2006/main">
+  <p:cSld>
+    <p:spTree>
+      <p:nvGrpSpPr>
+        <p:cNvPr id="1" name=""/>
+        <p:cNvGrpSpPr/>
+        <p:nvPr/>
+      </p:nvGrpSpPr>
+      <p:grpSpPr>
+        <a:xfrm>
+          <a:off x="0" y="0"/>
+          <a:ext cx="0" cy="0"/>
+          <a:chOff x="0" y="0"/>
+          <a:chExt cx="0" cy="0"/>
+        </a:xfrm>
+      </p:grpSpPr>
+      <p:sp>
+        <p:nvSpPr>
+          <p:cNvPr id="2" name="Title 1">
+            <a:extLst>
+              <a:ext uri="{FF2B5EF4-FFF2-40B4-BE49-F238E27FC236}">
+                <a16:creationId xmlns:a16="http://schemas.microsoft.com/office/drawing/2014/main" id="{0E303B69-84CB-211E-BF4E-91E6A9283A4E}"/>
+              </a:ext>
+            </a:extLst>
+          </p:cNvPr>
+          <p:cNvSpPr>
+            <a:spLocks noGrp="1"/>
+          </p:cNvSpPr>
+          <p:nvPr>
+            <p:ph type="title"/>
+          </p:nvPr>
+        </p:nvSpPr>
+        <p:spPr/>
+        <p:txBody>
+          <a:bodyPr/>
+          <a:lstStyle/>
+          <a:p>
+            <a:r>
+              <a:rPr lang="en-US" dirty="0"/>
+              <a:t>Extending </a:t>
+            </a:r>
+            <a:r>
+              <a:rPr lang="en-US" dirty="0" err="1"/>
+              <a:t>UMkP</a:t>
+            </a:r>
+            <a:endParaRPr lang="en-US" dirty="0"/>
+          </a:p>
+        </p:txBody>
+      </p:sp>
+      <p:pic>
+        <p:nvPicPr>
+          <p:cNvPr id="9" name="Picture 8">
+            <a:extLst>
+              <a:ext uri="{FF2B5EF4-FFF2-40B4-BE49-F238E27FC236}">
+                <a16:creationId xmlns:a16="http://schemas.microsoft.com/office/drawing/2014/main" id="{1BF42983-4E11-601F-4448-BC58812BD9E0}"/>
+              </a:ext>
+            </a:extLst>
+          </p:cNvPr>
+          <p:cNvPicPr>
+            <a:picLocks noChangeAspect="1"/>
+          </p:cNvPicPr>
+          <p:nvPr/>
+        </p:nvPicPr>
+        <p:blipFill>
+          <a:blip r:embed="rId2"/>
+          <a:stretch>
+            <a:fillRect/>
+          </a:stretch>
+        </p:blipFill>
+        <p:spPr>
+          <a:xfrm>
+            <a:off x="722436" y="1690688"/>
+            <a:ext cx="10631364" cy="3891218"/>
+          </a:xfrm>
+          <a:prstGeom prst="rect">
+            <a:avLst/>
+          </a:prstGeom>
+        </p:spPr>
+      </p:pic>
+    </p:spTree>
+    <p:extLst>
+      <p:ext uri="{BB962C8B-B14F-4D97-AF65-F5344CB8AC3E}">
+        <p14:creationId xmlns:p14="http://schemas.microsoft.com/office/powerpoint/2010/main" val="3122562894"/>
+      </p:ext>
+    </p:extLst>
+  </p:cSld>
+  <p:clrMapOvr>
+    <a:masterClrMapping/>
+  </p:clrMapOvr>
+</p:sld>
+</file>
+
+<file path=ppt/slides/slide15.xml><?xml version="1.0" encoding="utf-8"?>
+<p:sld xmlns:a="http://schemas.openxmlformats.org/drawingml/2006/main" xmlns:r="http://schemas.openxmlformats.org/officeDocument/2006/relationships" xmlns:p="http://schemas.openxmlformats.org/presentationml/2006/main">
+  <p:cSld>
+    <p:spTree>
+      <p:nvGrpSpPr>
+        <p:cNvPr id="1" name=""/>
+        <p:cNvGrpSpPr/>
+        <p:nvPr/>
+      </p:nvGrpSpPr>
+      <p:grpSpPr>
+        <a:xfrm>
+          <a:off x="0" y="0"/>
+          <a:ext cx="0" cy="0"/>
+          <a:chOff x="0" y="0"/>
+          <a:chExt cx="0" cy="0"/>
+        </a:xfrm>
+      </p:grpSpPr>
+      <p:sp>
+        <p:nvSpPr>
           <p:cNvPr id="8" name="Title 1">
             <a:extLst>
               <a:ext uri="{FF2B5EF4-FFF2-40B4-BE49-F238E27FC236}">
@@ -3942,7 +4657,7 @@
 </p:sld>
 </file>
 
-<file path=ppt/slides/slide14.xml><?xml version="1.0" encoding="utf-8"?>
+<file path=ppt/slides/slide16.xml><?xml version="1.0" encoding="utf-8"?>
 <p:sld xmlns:a="http://schemas.openxmlformats.org/drawingml/2006/main" xmlns:r="http://schemas.openxmlformats.org/officeDocument/2006/relationships" xmlns:p="http://schemas.openxmlformats.org/presentationml/2006/main">
   <p:cSld>
     <p:spTree>
@@ -4770,7 +5485,7 @@
 </p:sld>
 </file>
 
-<file path=ppt/slides/slide15.xml><?xml version="1.0" encoding="utf-8"?>
+<file path=ppt/slides/slide17.xml><?xml version="1.0" encoding="utf-8"?>
 <p:sld xmlns:a="http://schemas.openxmlformats.org/drawingml/2006/main" xmlns:r="http://schemas.openxmlformats.org/officeDocument/2006/relationships" xmlns:p="http://schemas.openxmlformats.org/presentationml/2006/main">
   <p:cSld>
     <p:spTree>
@@ -4906,7 +5621,7 @@
 </p:sld>
 </file>
 
-<file path=ppt/slides/slide16.xml><?xml version="1.0" encoding="utf-8"?>
+<file path=ppt/slides/slide18.xml><?xml version="1.0" encoding="utf-8"?>
 <p:sld xmlns:a="http://schemas.openxmlformats.org/drawingml/2006/main" xmlns:r="http://schemas.openxmlformats.org/officeDocument/2006/relationships" xmlns:p="http://schemas.openxmlformats.org/presentationml/2006/main">
   <p:cSld>
     <p:spTree>
@@ -4999,7 +5714,7 @@
 </p:sld>
 </file>
 
-<file path=ppt/slides/slide17.xml><?xml version="1.0" encoding="utf-8"?>
+<file path=ppt/slides/slide19.xml><?xml version="1.0" encoding="utf-8"?>
 <p:sld xmlns:a="http://schemas.openxmlformats.org/drawingml/2006/main" xmlns:r="http://schemas.openxmlformats.org/officeDocument/2006/relationships" xmlns:p="http://schemas.openxmlformats.org/presentationml/2006/main">
   <p:cSld>
     <p:spTree>
@@ -5109,6 +5824,172 @@
           <a:chExt cx="0" cy="0"/>
         </a:xfrm>
       </p:grpSpPr>
+      <p:pic>
+        <p:nvPicPr>
+          <p:cNvPr id="2" name="Picture 1" descr="A screenshot of a computer program&#10;&#10;AI-generated content may be incorrect.">
+            <a:extLst>
+              <a:ext uri="{FF2B5EF4-FFF2-40B4-BE49-F238E27FC236}">
+                <a16:creationId xmlns:a16="http://schemas.microsoft.com/office/drawing/2014/main" id="{6F5A82ED-48E5-43A4-9018-5C7F7ED52D9A}"/>
+              </a:ext>
+            </a:extLst>
+          </p:cNvPr>
+          <p:cNvPicPr>
+            <a:picLocks noChangeAspect="1"/>
+          </p:cNvPicPr>
+          <p:nvPr/>
+        </p:nvPicPr>
+        <p:blipFill>
+          <a:blip r:embed="rId2"/>
+          <a:stretch>
+            <a:fillRect/>
+          </a:stretch>
+        </p:blipFill>
+        <p:spPr>
+          <a:xfrm>
+            <a:off x="3029329" y="0"/>
+            <a:ext cx="6133342" cy="6858000"/>
+          </a:xfrm>
+          <a:prstGeom prst="rect">
+            <a:avLst/>
+          </a:prstGeom>
+        </p:spPr>
+      </p:pic>
+      <p:sp>
+        <p:nvSpPr>
+          <p:cNvPr id="3" name="Rectangle 2">
+            <a:extLst>
+              <a:ext uri="{FF2B5EF4-FFF2-40B4-BE49-F238E27FC236}">
+                <a16:creationId xmlns:a16="http://schemas.microsoft.com/office/drawing/2014/main" id="{9826A14F-85BB-CB04-F0B7-90C1D4DF96EF}"/>
+              </a:ext>
+            </a:extLst>
+          </p:cNvPr>
+          <p:cNvSpPr/>
+          <p:nvPr/>
+        </p:nvSpPr>
+        <p:spPr>
+          <a:xfrm>
+            <a:off x="3570514" y="4855029"/>
+            <a:ext cx="3156857" cy="315685"/>
+          </a:xfrm>
+          <a:prstGeom prst="rect">
+            <a:avLst/>
+          </a:prstGeom>
+          <a:noFill/>
+          <a:ln w="38100">
+            <a:solidFill>
+              <a:srgbClr val="C00000"/>
+            </a:solidFill>
+          </a:ln>
+        </p:spPr>
+        <p:style>
+          <a:lnRef idx="2">
+            <a:schemeClr val="accent1">
+              <a:shade val="15000"/>
+            </a:schemeClr>
+          </a:lnRef>
+          <a:fillRef idx="1">
+            <a:schemeClr val="accent1"/>
+          </a:fillRef>
+          <a:effectRef idx="0">
+            <a:schemeClr val="accent1"/>
+          </a:effectRef>
+          <a:fontRef idx="minor">
+            <a:schemeClr val="lt1"/>
+          </a:fontRef>
+        </p:style>
+        <p:txBody>
+          <a:bodyPr rtlCol="0" anchor="ctr"/>
+          <a:lstStyle/>
+          <a:p>
+            <a:pPr algn="ctr"/>
+            <a:endParaRPr lang="en-US"/>
+          </a:p>
+        </p:txBody>
+      </p:sp>
+      <p:sp>
+        <p:nvSpPr>
+          <p:cNvPr id="5" name="Rectangle 4">
+            <a:extLst>
+              <a:ext uri="{FF2B5EF4-FFF2-40B4-BE49-F238E27FC236}">
+                <a16:creationId xmlns:a16="http://schemas.microsoft.com/office/drawing/2014/main" id="{B5B6C0A8-D67C-B010-F618-33AE8D4FF6BE}"/>
+              </a:ext>
+            </a:extLst>
+          </p:cNvPr>
+          <p:cNvSpPr/>
+          <p:nvPr/>
+        </p:nvSpPr>
+        <p:spPr>
+          <a:xfrm>
+            <a:off x="3325585" y="1034144"/>
+            <a:ext cx="5540829" cy="865414"/>
+          </a:xfrm>
+          <a:prstGeom prst="rect">
+            <a:avLst/>
+          </a:prstGeom>
+          <a:noFill/>
+          <a:ln w="9525" cap="flat" cmpd="sng" algn="ctr">
+            <a:solidFill>
+              <a:schemeClr val="accent5"/>
+            </a:solidFill>
+            <a:prstDash val="solid"/>
+            <a:round/>
+            <a:headEnd type="none" w="med" len="med"/>
+            <a:tailEnd type="none" w="med" len="med"/>
+          </a:ln>
+        </p:spPr>
+        <p:style>
+          <a:lnRef idx="0">
+            <a:scrgbClr r="0" g="0" b="0"/>
+          </a:lnRef>
+          <a:fillRef idx="0">
+            <a:scrgbClr r="0" g="0" b="0"/>
+          </a:fillRef>
+          <a:effectRef idx="0">
+            <a:scrgbClr r="0" g="0" b="0"/>
+          </a:effectRef>
+          <a:fontRef idx="minor">
+            <a:schemeClr val="accent5"/>
+          </a:fontRef>
+        </p:style>
+        <p:txBody>
+          <a:bodyPr rtlCol="0" anchor="ctr"/>
+          <a:lstStyle/>
+          <a:p>
+            <a:pPr algn="ctr"/>
+            <a:endParaRPr lang="en-US"/>
+          </a:p>
+        </p:txBody>
+      </p:sp>
+    </p:spTree>
+    <p:extLst>
+      <p:ext uri="{BB962C8B-B14F-4D97-AF65-F5344CB8AC3E}">
+        <p14:creationId xmlns:p14="http://schemas.microsoft.com/office/powerpoint/2010/main" val="2025244347"/>
+      </p:ext>
+    </p:extLst>
+  </p:cSld>
+  <p:clrMapOvr>
+    <a:masterClrMapping/>
+  </p:clrMapOvr>
+</p:sld>
+</file>
+
+<file path=ppt/slides/slide3.xml><?xml version="1.0" encoding="utf-8"?>
+<p:sld xmlns:a="http://schemas.openxmlformats.org/drawingml/2006/main" xmlns:r="http://schemas.openxmlformats.org/officeDocument/2006/relationships" xmlns:p="http://schemas.openxmlformats.org/presentationml/2006/main">
+  <p:cSld>
+    <p:spTree>
+      <p:nvGrpSpPr>
+        <p:cNvPr id="1" name=""/>
+        <p:cNvGrpSpPr/>
+        <p:nvPr/>
+      </p:nvGrpSpPr>
+      <p:grpSpPr>
+        <a:xfrm>
+          <a:off x="0" y="0"/>
+          <a:ext cx="0" cy="0"/>
+          <a:chOff x="0" y="0"/>
+          <a:chExt cx="0" cy="0"/>
+        </a:xfrm>
+      </p:grpSpPr>
       <p:sp>
         <p:nvSpPr>
           <p:cNvPr id="2" name="Title 1">
@@ -5586,7 +6467,7 @@
 </p:sld>
 </file>
 
-<file path=ppt/slides/slide3.xml><?xml version="1.0" encoding="utf-8"?>
+<file path=ppt/slides/slide4.xml><?xml version="1.0" encoding="utf-8"?>
 <p:sld xmlns:a="http://schemas.openxmlformats.org/drawingml/2006/main" xmlns:r="http://schemas.openxmlformats.org/officeDocument/2006/relationships" xmlns:p="http://schemas.openxmlformats.org/presentationml/2006/main">
   <p:cSld>
     <p:spTree>
@@ -6309,7 +7190,7 @@
 </p:sld>
 </file>
 
-<file path=ppt/slides/slide4.xml><?xml version="1.0" encoding="utf-8"?>
+<file path=ppt/slides/slide5.xml><?xml version="1.0" encoding="utf-8"?>
 <p:sld xmlns:a="http://schemas.openxmlformats.org/drawingml/2006/main" xmlns:r="http://schemas.openxmlformats.org/officeDocument/2006/relationships" xmlns:p="http://schemas.openxmlformats.org/presentationml/2006/main">
   <p:cSld>
     <p:spTree>
@@ -7062,7 +7943,7 @@
 </p:sld>
 </file>
 
-<file path=ppt/slides/slide5.xml><?xml version="1.0" encoding="utf-8"?>
+<file path=ppt/slides/slide6.xml><?xml version="1.0" encoding="utf-8"?>
 <p:sld xmlns:a="http://schemas.openxmlformats.org/drawingml/2006/main" xmlns:r="http://schemas.openxmlformats.org/officeDocument/2006/relationships" xmlns:p="http://schemas.openxmlformats.org/presentationml/2006/main">
   <p:cSld>
     <p:spTree>
@@ -7859,7 +8740,7 @@
 </p:sld>
 </file>
 
-<file path=ppt/slides/slide6.xml><?xml version="1.0" encoding="utf-8"?>
+<file path=ppt/slides/slide7.xml><?xml version="1.0" encoding="utf-8"?>
 <p:sld xmlns:a="http://schemas.openxmlformats.org/drawingml/2006/main" xmlns:r="http://schemas.openxmlformats.org/officeDocument/2006/relationships" xmlns:p="http://schemas.openxmlformats.org/presentationml/2006/main">
   <p:cSld>
     <p:spTree>
@@ -8612,7 +9493,7 @@
 </p:sld>
 </file>
 
-<file path=ppt/slides/slide7.xml><?xml version="1.0" encoding="utf-8"?>
+<file path=ppt/slides/slide8.xml><?xml version="1.0" encoding="utf-8"?>
 <p:sld xmlns:a="http://schemas.openxmlformats.org/drawingml/2006/main" xmlns:r="http://schemas.openxmlformats.org/officeDocument/2006/relationships" xmlns:p="http://schemas.openxmlformats.org/presentationml/2006/main">
   <p:cSld>
     <p:spTree>
@@ -9409,7 +10290,7 @@
 </p:sld>
 </file>
 
-<file path=ppt/slides/slide8.xml><?xml version="1.0" encoding="utf-8"?>
+<file path=ppt/slides/slide9.xml><?xml version="1.0" encoding="utf-8"?>
 <p:sld xmlns:a="http://schemas.openxmlformats.org/drawingml/2006/main" xmlns:r="http://schemas.openxmlformats.org/officeDocument/2006/relationships" xmlns:p="http://schemas.openxmlformats.org/presentationml/2006/main">
   <p:cSld>
     <p:spTree>
@@ -10334,589 +11215,6 @@
 </p:sld>
 </file>
 
-<file path=ppt/slides/slide9.xml><?xml version="1.0" encoding="utf-8"?>
-<p:sld xmlns:a="http://schemas.openxmlformats.org/drawingml/2006/main" xmlns:r="http://schemas.openxmlformats.org/officeDocument/2006/relationships" xmlns:p="http://schemas.openxmlformats.org/presentationml/2006/main">
-  <p:cSld>
-    <p:spTree>
-      <p:nvGrpSpPr>
-        <p:cNvPr id="1" name=""/>
-        <p:cNvGrpSpPr/>
-        <p:nvPr/>
-      </p:nvGrpSpPr>
-      <p:grpSpPr>
-        <a:xfrm>
-          <a:off x="0" y="0"/>
-          <a:ext cx="0" cy="0"/>
-          <a:chOff x="0" y="0"/>
-          <a:chExt cx="0" cy="0"/>
-        </a:xfrm>
-      </p:grpSpPr>
-      <p:sp>
-        <p:nvSpPr>
-          <p:cNvPr id="2" name="Title 1">
-            <a:extLst>
-              <a:ext uri="{FF2B5EF4-FFF2-40B4-BE49-F238E27FC236}">
-                <a16:creationId xmlns:a16="http://schemas.microsoft.com/office/drawing/2014/main" id="{0CEB873E-2F14-1451-4EC2-26F6DA7BDDB5}"/>
-              </a:ext>
-            </a:extLst>
-          </p:cNvPr>
-          <p:cNvSpPr>
-            <a:spLocks noGrp="1"/>
-          </p:cNvSpPr>
-          <p:nvPr>
-            <p:ph type="title"/>
-          </p:nvPr>
-        </p:nvSpPr>
-        <p:spPr/>
-        <p:txBody>
-          <a:bodyPr/>
-          <a:lstStyle/>
-          <a:p>
-            <a:r>
-              <a:rPr lang="en-US" dirty="0"/>
-              <a:t>Partitioning C</a:t>
-            </a:r>
-          </a:p>
-        </p:txBody>
-      </p:sp>
-      <p:pic>
-        <p:nvPicPr>
-          <p:cNvPr id="5" name="Picture 4" descr="A math equations and formulas&#10;&#10;AI-generated content may be incorrect.">
-            <a:extLst>
-              <a:ext uri="{FF2B5EF4-FFF2-40B4-BE49-F238E27FC236}">
-                <a16:creationId xmlns:a16="http://schemas.microsoft.com/office/drawing/2014/main" id="{2232B48E-A566-6A93-648B-38A64661D578}"/>
-              </a:ext>
-            </a:extLst>
-          </p:cNvPr>
-          <p:cNvPicPr>
-            <a:picLocks noChangeAspect="1"/>
-          </p:cNvPicPr>
-          <p:nvPr/>
-        </p:nvPicPr>
-        <p:blipFill>
-          <a:blip r:embed="rId2"/>
-          <a:stretch>
-            <a:fillRect/>
-          </a:stretch>
-        </p:blipFill>
-        <p:spPr>
-          <a:xfrm>
-            <a:off x="2901320" y="1302100"/>
-            <a:ext cx="5608092" cy="3316510"/>
-          </a:xfrm>
-          <a:prstGeom prst="rect">
-            <a:avLst/>
-          </a:prstGeom>
-        </p:spPr>
-      </p:pic>
-      <p:sp>
-        <p:nvSpPr>
-          <p:cNvPr id="7" name="Rectangle 6">
-            <a:extLst>
-              <a:ext uri="{FF2B5EF4-FFF2-40B4-BE49-F238E27FC236}">
-                <a16:creationId xmlns:a16="http://schemas.microsoft.com/office/drawing/2014/main" id="{E79BF739-87C7-31D7-D8BC-98401CE590FA}"/>
-              </a:ext>
-            </a:extLst>
-          </p:cNvPr>
-          <p:cNvSpPr/>
-          <p:nvPr/>
-        </p:nvSpPr>
-        <p:spPr>
-          <a:xfrm>
-            <a:off x="4695058" y="5306966"/>
-            <a:ext cx="4382814" cy="830318"/>
-          </a:xfrm>
-          <a:prstGeom prst="rect">
-            <a:avLst/>
-          </a:prstGeom>
-        </p:spPr>
-        <p:style>
-          <a:lnRef idx="2">
-            <a:schemeClr val="dk1"/>
-          </a:lnRef>
-          <a:fillRef idx="1">
-            <a:schemeClr val="lt1"/>
-          </a:fillRef>
-          <a:effectRef idx="0">
-            <a:schemeClr val="dk1"/>
-          </a:effectRef>
-          <a:fontRef idx="minor">
-            <a:schemeClr val="dk1"/>
-          </a:fontRef>
-        </p:style>
-        <p:txBody>
-          <a:bodyPr rtlCol="0" anchor="ctr"/>
-          <a:lstStyle/>
-          <a:p>
-            <a:pPr algn="ctr"/>
-            <a:endParaRPr lang="en-US" dirty="0"/>
-          </a:p>
-        </p:txBody>
-      </p:sp>
-      <p:sp>
-        <p:nvSpPr>
-          <p:cNvPr id="8" name="Rectangle 7">
-            <a:extLst>
-              <a:ext uri="{FF2B5EF4-FFF2-40B4-BE49-F238E27FC236}">
-                <a16:creationId xmlns:a16="http://schemas.microsoft.com/office/drawing/2014/main" id="{D929F2D1-3C67-7703-9C91-CB998BBAF2BF}"/>
-              </a:ext>
-            </a:extLst>
-          </p:cNvPr>
-          <p:cNvSpPr/>
-          <p:nvPr/>
-        </p:nvSpPr>
-        <p:spPr>
-          <a:xfrm>
-            <a:off x="2901320" y="5302526"/>
-            <a:ext cx="819860" cy="830318"/>
-          </a:xfrm>
-          <a:prstGeom prst="rect">
-            <a:avLst/>
-          </a:prstGeom>
-        </p:spPr>
-        <p:style>
-          <a:lnRef idx="2">
-            <a:schemeClr val="dk1"/>
-          </a:lnRef>
-          <a:fillRef idx="1">
-            <a:schemeClr val="lt1"/>
-          </a:fillRef>
-          <a:effectRef idx="0">
-            <a:schemeClr val="dk1"/>
-          </a:effectRef>
-          <a:fontRef idx="minor">
-            <a:schemeClr val="dk1"/>
-          </a:fontRef>
-        </p:style>
-        <p:txBody>
-          <a:bodyPr rtlCol="0" anchor="ctr"/>
-          <a:lstStyle/>
-          <a:p>
-            <a:pPr algn="ctr"/>
-            <a:r>
-              <a:rPr lang="en-US" dirty="0"/>
-              <a:t>S</a:t>
-            </a:r>
-            <a:r>
-              <a:rPr lang="en-US" baseline="-25000" dirty="0"/>
-              <a:t>L</a:t>
-            </a:r>
-          </a:p>
-        </p:txBody>
-      </p:sp>
-      <p:sp>
-        <p:nvSpPr>
-          <p:cNvPr id="9" name="TextBox 8">
-            <a:extLst>
-              <a:ext uri="{FF2B5EF4-FFF2-40B4-BE49-F238E27FC236}">
-                <a16:creationId xmlns:a16="http://schemas.microsoft.com/office/drawing/2014/main" id="{7C9FC705-CCC5-9C5A-01F5-5A8B014A071B}"/>
-              </a:ext>
-            </a:extLst>
-          </p:cNvPr>
-          <p:cNvSpPr txBox="1"/>
-          <p:nvPr/>
-        </p:nvSpPr>
-        <p:spPr>
-          <a:xfrm>
-            <a:off x="6434521" y="4958649"/>
-            <a:ext cx="903890" cy="369332"/>
-          </a:xfrm>
-          <a:prstGeom prst="rect">
-            <a:avLst/>
-          </a:prstGeom>
-          <a:noFill/>
-        </p:spPr>
-        <p:txBody>
-          <a:bodyPr wrap="square">
-            <a:spAutoFit/>
-          </a:bodyPr>
-          <a:lstStyle/>
-          <a:p>
-            <a:pPr algn="ctr"/>
-            <a:r>
-              <a:rPr lang="en-US" dirty="0"/>
-              <a:t>C</a:t>
-            </a:r>
-          </a:p>
-        </p:txBody>
-      </p:sp>
-      <p:sp>
-        <p:nvSpPr>
-          <p:cNvPr id="10" name="Rectangle 9">
-            <a:extLst>
-              <a:ext uri="{FF2B5EF4-FFF2-40B4-BE49-F238E27FC236}">
-                <a16:creationId xmlns:a16="http://schemas.microsoft.com/office/drawing/2014/main" id="{FB2B165B-44CD-E0B8-7849-367304BB0EA3}"/>
-              </a:ext>
-            </a:extLst>
-          </p:cNvPr>
-          <p:cNvSpPr/>
-          <p:nvPr/>
-        </p:nvSpPr>
-        <p:spPr>
-          <a:xfrm>
-            <a:off x="4702941" y="5305488"/>
-            <a:ext cx="1907628" cy="830318"/>
-          </a:xfrm>
-          <a:prstGeom prst="rect">
-            <a:avLst/>
-          </a:prstGeom>
-        </p:spPr>
-        <p:style>
-          <a:lnRef idx="2">
-            <a:schemeClr val="dk1"/>
-          </a:lnRef>
-          <a:fillRef idx="1">
-            <a:schemeClr val="lt1"/>
-          </a:fillRef>
-          <a:effectRef idx="0">
-            <a:schemeClr val="dk1"/>
-          </a:effectRef>
-          <a:fontRef idx="minor">
-            <a:schemeClr val="dk1"/>
-          </a:fontRef>
-        </p:style>
-        <p:txBody>
-          <a:bodyPr rtlCol="0" anchor="ctr"/>
-          <a:lstStyle/>
-          <a:p>
-            <a:pPr algn="ctr"/>
-            <a:r>
-              <a:rPr lang="en-US" dirty="0"/>
-              <a:t>C</a:t>
-            </a:r>
-            <a:r>
-              <a:rPr lang="en-US" baseline="-25000" dirty="0"/>
-              <a:t>L</a:t>
-            </a:r>
-          </a:p>
-        </p:txBody>
-      </p:sp>
-      <p:sp>
-        <p:nvSpPr>
-          <p:cNvPr id="11" name="TextBox 10">
-            <a:extLst>
-              <a:ext uri="{FF2B5EF4-FFF2-40B4-BE49-F238E27FC236}">
-                <a16:creationId xmlns:a16="http://schemas.microsoft.com/office/drawing/2014/main" id="{3D72A905-9DEC-0022-9FBA-8BE31E2C7CCA}"/>
-              </a:ext>
-            </a:extLst>
-          </p:cNvPr>
-          <p:cNvSpPr txBox="1"/>
-          <p:nvPr/>
-        </p:nvSpPr>
-        <p:spPr>
-          <a:xfrm>
-            <a:off x="7435578" y="5535981"/>
-            <a:ext cx="914400" cy="369332"/>
-          </a:xfrm>
-          <a:prstGeom prst="rect">
-            <a:avLst/>
-          </a:prstGeom>
-          <a:noFill/>
-        </p:spPr>
-        <p:txBody>
-          <a:bodyPr wrap="square">
-            <a:spAutoFit/>
-          </a:bodyPr>
-          <a:lstStyle/>
-          <a:p>
-            <a:pPr algn="ctr"/>
-            <a:r>
-              <a:rPr lang="en-US" dirty="0"/>
-              <a:t>C</a:t>
-            </a:r>
-            <a:r>
-              <a:rPr lang="en-US" baseline="-25000" dirty="0"/>
-              <a:t>R</a:t>
-            </a:r>
-          </a:p>
-        </p:txBody>
-      </p:sp>
-      <p:sp>
-        <p:nvSpPr>
-          <p:cNvPr id="15" name="Rectangle 14">
-            <a:extLst>
-              <a:ext uri="{FF2B5EF4-FFF2-40B4-BE49-F238E27FC236}">
-                <a16:creationId xmlns:a16="http://schemas.microsoft.com/office/drawing/2014/main" id="{7146F59B-3EF8-AD00-A087-25795EF10175}"/>
-              </a:ext>
-            </a:extLst>
-          </p:cNvPr>
-          <p:cNvSpPr/>
-          <p:nvPr/>
-        </p:nvSpPr>
-        <p:spPr>
-          <a:xfrm>
-            <a:off x="3752578" y="5305488"/>
-            <a:ext cx="819860" cy="830318"/>
-          </a:xfrm>
-          <a:prstGeom prst="rect">
-            <a:avLst/>
-          </a:prstGeom>
-        </p:spPr>
-        <p:style>
-          <a:lnRef idx="2">
-            <a:schemeClr val="dk1"/>
-          </a:lnRef>
-          <a:fillRef idx="1">
-            <a:schemeClr val="lt1"/>
-          </a:fillRef>
-          <a:effectRef idx="0">
-            <a:schemeClr val="dk1"/>
-          </a:effectRef>
-          <a:fontRef idx="minor">
-            <a:schemeClr val="dk1"/>
-          </a:fontRef>
-        </p:style>
-        <p:txBody>
-          <a:bodyPr rtlCol="0" anchor="ctr"/>
-          <a:lstStyle/>
-          <a:p>
-            <a:pPr algn="ctr"/>
-            <a:r>
-              <a:rPr lang="en-US" dirty="0"/>
-              <a:t>S</a:t>
-            </a:r>
-            <a:r>
-              <a:rPr lang="en-US" baseline="-25000" dirty="0"/>
-              <a:t>R</a:t>
-            </a:r>
-          </a:p>
-        </p:txBody>
-      </p:sp>
-      <p:sp>
-        <p:nvSpPr>
-          <p:cNvPr id="16" name="TextBox 15">
-            <a:extLst>
-              <a:ext uri="{FF2B5EF4-FFF2-40B4-BE49-F238E27FC236}">
-                <a16:creationId xmlns:a16="http://schemas.microsoft.com/office/drawing/2014/main" id="{A2EF9470-9D43-04C2-C02A-EFD979F89212}"/>
-              </a:ext>
-            </a:extLst>
-          </p:cNvPr>
-          <p:cNvSpPr txBox="1"/>
-          <p:nvPr/>
-        </p:nvSpPr>
-        <p:spPr>
-          <a:xfrm>
-            <a:off x="3277118" y="4983898"/>
-            <a:ext cx="903890" cy="369332"/>
-          </a:xfrm>
-          <a:prstGeom prst="rect">
-            <a:avLst/>
-          </a:prstGeom>
-          <a:noFill/>
-        </p:spPr>
-        <p:txBody>
-          <a:bodyPr wrap="square">
-            <a:spAutoFit/>
-          </a:bodyPr>
-          <a:lstStyle/>
-          <a:p>
-            <a:pPr algn="ctr"/>
-            <a:r>
-              <a:rPr lang="en-US" dirty="0"/>
-              <a:t>S</a:t>
-            </a:r>
-          </a:p>
-        </p:txBody>
-      </p:sp>
-      <p:sp>
-        <p:nvSpPr>
-          <p:cNvPr id="17" name="Rectangle 16">
-            <a:extLst>
-              <a:ext uri="{FF2B5EF4-FFF2-40B4-BE49-F238E27FC236}">
-                <a16:creationId xmlns:a16="http://schemas.microsoft.com/office/drawing/2014/main" id="{CBA68DC8-8D42-FF7B-245D-98F4852C5C20}"/>
-              </a:ext>
-            </a:extLst>
-          </p:cNvPr>
-          <p:cNvSpPr/>
-          <p:nvPr/>
-        </p:nvSpPr>
-        <p:spPr>
-          <a:xfrm>
-            <a:off x="3951890" y="2722179"/>
-            <a:ext cx="3226676" cy="325821"/>
-          </a:xfrm>
-          <a:prstGeom prst="rect">
-            <a:avLst/>
-          </a:prstGeom>
-          <a:noFill/>
-          <a:ln w="38100" cap="flat" cmpd="sng" algn="ctr">
-            <a:solidFill>
-              <a:srgbClr val="C00000"/>
-            </a:solidFill>
-            <a:prstDash val="solid"/>
-            <a:round/>
-            <a:headEnd type="none" w="med" len="med"/>
-            <a:tailEnd type="none" w="med" len="med"/>
-          </a:ln>
-        </p:spPr>
-        <p:style>
-          <a:lnRef idx="0">
-            <a:scrgbClr r="0" g="0" b="0"/>
-          </a:lnRef>
-          <a:fillRef idx="0">
-            <a:scrgbClr r="0" g="0" b="0"/>
-          </a:fillRef>
-          <a:effectRef idx="0">
-            <a:scrgbClr r="0" g="0" b="0"/>
-          </a:effectRef>
-          <a:fontRef idx="minor">
-            <a:schemeClr val="accent2"/>
-          </a:fontRef>
-        </p:style>
-        <p:txBody>
-          <a:bodyPr rtlCol="0" anchor="ctr"/>
-          <a:lstStyle/>
-          <a:p>
-            <a:pPr algn="ctr"/>
-            <a:endParaRPr lang="en-US"/>
-          </a:p>
-        </p:txBody>
-      </p:sp>
-      <p:cxnSp>
-        <p:nvCxnSpPr>
-          <p:cNvPr id="19" name="Straight Arrow Connector 18">
-            <a:extLst>
-              <a:ext uri="{FF2B5EF4-FFF2-40B4-BE49-F238E27FC236}">
-                <a16:creationId xmlns:a16="http://schemas.microsoft.com/office/drawing/2014/main" id="{FF8A2A37-9AFF-F14E-139E-CC3A1CAADCE5}"/>
-              </a:ext>
-            </a:extLst>
-          </p:cNvPr>
-          <p:cNvCxnSpPr>
-            <a:stCxn id="17" idx="2"/>
-            <a:endCxn id="8" idx="0"/>
-          </p:cNvCxnSpPr>
-          <p:nvPr/>
-        </p:nvCxnSpPr>
-        <p:spPr>
-          <a:xfrm flipH="1">
-            <a:off x="3311250" y="3048000"/>
-            <a:ext cx="2253978" cy="2254526"/>
-          </a:xfrm>
-          <a:prstGeom prst="straightConnector1">
-            <a:avLst/>
-          </a:prstGeom>
-          <a:ln>
-            <a:tailEnd type="triangle"/>
-          </a:ln>
-        </p:spPr>
-        <p:style>
-          <a:lnRef idx="2">
-            <a:schemeClr val="accent1"/>
-          </a:lnRef>
-          <a:fillRef idx="0">
-            <a:schemeClr val="accent1"/>
-          </a:fillRef>
-          <a:effectRef idx="1">
-            <a:schemeClr val="accent1"/>
-          </a:effectRef>
-          <a:fontRef idx="minor">
-            <a:schemeClr val="tx1"/>
-          </a:fontRef>
-        </p:style>
-      </p:cxnSp>
-      <p:sp>
-        <p:nvSpPr>
-          <p:cNvPr id="20" name="TextBox 19">
-            <a:extLst>
-              <a:ext uri="{FF2B5EF4-FFF2-40B4-BE49-F238E27FC236}">
-                <a16:creationId xmlns:a16="http://schemas.microsoft.com/office/drawing/2014/main" id="{C934BD4E-9668-8AA1-7B76-2B4C5A4F8318}"/>
-              </a:ext>
-            </a:extLst>
-          </p:cNvPr>
-          <p:cNvSpPr txBox="1"/>
-          <p:nvPr/>
-        </p:nvSpPr>
-        <p:spPr>
-          <a:xfrm>
-            <a:off x="2004245" y="4682821"/>
-            <a:ext cx="1744717" cy="738664"/>
-          </a:xfrm>
-          <a:prstGeom prst="rect">
-            <a:avLst/>
-          </a:prstGeom>
-          <a:noFill/>
-        </p:spPr>
-        <p:txBody>
-          <a:bodyPr wrap="square" rtlCol="0">
-            <a:spAutoFit/>
-          </a:bodyPr>
-          <a:lstStyle/>
-          <a:p>
-            <a:r>
-              <a:rPr lang="en-US" sz="1400" dirty="0">
-                <a:solidFill>
-                  <a:srgbClr val="C00000"/>
-                </a:solidFill>
-              </a:rPr>
-              <a:t>v in S</a:t>
-            </a:r>
-            <a:r>
-              <a:rPr lang="en-US" sz="1400" baseline="-25000" dirty="0">
-                <a:solidFill>
-                  <a:srgbClr val="C00000"/>
-                </a:solidFill>
-              </a:rPr>
-              <a:t>L</a:t>
-            </a:r>
-            <a:r>
-              <a:rPr lang="en-US" sz="1400" dirty="0">
-                <a:solidFill>
-                  <a:srgbClr val="C00000"/>
-                </a:solidFill>
-              </a:rPr>
-              <a:t> has More non-neighbors than support</a:t>
-            </a:r>
-          </a:p>
-        </p:txBody>
-      </p:sp>
-      <p:sp>
-        <p:nvSpPr>
-          <p:cNvPr id="21" name="TextBox 20">
-            <a:extLst>
-              <a:ext uri="{FF2B5EF4-FFF2-40B4-BE49-F238E27FC236}">
-                <a16:creationId xmlns:a16="http://schemas.microsoft.com/office/drawing/2014/main" id="{5E19F494-2340-15D0-9E5B-CC689C56EBA8}"/>
-              </a:ext>
-            </a:extLst>
-          </p:cNvPr>
-          <p:cNvSpPr txBox="1"/>
-          <p:nvPr/>
-        </p:nvSpPr>
-        <p:spPr>
-          <a:xfrm>
-            <a:off x="4816621" y="6129123"/>
-            <a:ext cx="1354858" cy="307777"/>
-          </a:xfrm>
-          <a:prstGeom prst="rect">
-            <a:avLst/>
-          </a:prstGeom>
-          <a:noFill/>
-        </p:spPr>
-        <p:txBody>
-          <a:bodyPr wrap="none" rtlCol="0">
-            <a:spAutoFit/>
-          </a:bodyPr>
-          <a:lstStyle/>
-          <a:p>
-            <a:r>
-              <a:rPr lang="en-US" sz="1400" dirty="0"/>
-              <a:t>Non-neigh. of v</a:t>
-            </a:r>
-          </a:p>
-        </p:txBody>
-      </p:sp>
-    </p:spTree>
-    <p:extLst>
-      <p:ext uri="{BB962C8B-B14F-4D97-AF65-F5344CB8AC3E}">
-        <p14:creationId xmlns:p14="http://schemas.microsoft.com/office/powerpoint/2010/main" val="3671441119"/>
-      </p:ext>
-    </p:extLst>
-  </p:cSld>
-  <p:clrMapOvr>
-    <a:masterClrMapping/>
-  </p:clrMapOvr>
-</p:sld>
-</file>
-
 <file path=ppt/theme/theme1.xml><?xml version="1.0" encoding="utf-8"?>
 <a:theme xmlns:a="http://schemas.openxmlformats.org/drawingml/2006/main" name="Office Theme">
   <a:themeElements>

--- a/kPEX/kPEX_extension.pptx
+++ b/kPEX/kPEX_extension.pptx
@@ -24,6 +24,9 @@
     <p:sldId id="271" r:id="rId18"/>
     <p:sldId id="267" r:id="rId19"/>
     <p:sldId id="268" r:id="rId20"/>
+    <p:sldId id="275" r:id="rId21"/>
+    <p:sldId id="277" r:id="rId22"/>
+    <p:sldId id="276" r:id="rId23"/>
   </p:sldIdLst>
   <p:sldSz cx="12192000" cy="6858000"/>
   <p:notesSz cx="6858000" cy="9144000"/>
@@ -5973,6 +5976,2521 @@
 </p:sld>
 </file>
 
+<file path=ppt/slides/slide20.xml><?xml version="1.0" encoding="utf-8"?>
+<p:sld xmlns:a="http://schemas.openxmlformats.org/drawingml/2006/main" xmlns:r="http://schemas.openxmlformats.org/officeDocument/2006/relationships" xmlns:p="http://schemas.openxmlformats.org/presentationml/2006/main">
+  <p:cSld>
+    <p:spTree>
+      <p:nvGrpSpPr>
+        <p:cNvPr id="1" name=""/>
+        <p:cNvGrpSpPr/>
+        <p:nvPr/>
+      </p:nvGrpSpPr>
+      <p:grpSpPr>
+        <a:xfrm>
+          <a:off x="0" y="0"/>
+          <a:ext cx="0" cy="0"/>
+          <a:chOff x="0" y="0"/>
+          <a:chExt cx="0" cy="0"/>
+        </a:xfrm>
+      </p:grpSpPr>
+      <p:sp>
+        <p:nvSpPr>
+          <p:cNvPr id="2" name="Title 1">
+            <a:extLst>
+              <a:ext uri="{FF2B5EF4-FFF2-40B4-BE49-F238E27FC236}">
+                <a16:creationId xmlns:a16="http://schemas.microsoft.com/office/drawing/2014/main" id="{CAF54137-3106-B6DB-656D-5DC6F6A21DBB}"/>
+              </a:ext>
+            </a:extLst>
+          </p:cNvPr>
+          <p:cNvSpPr>
+            <a:spLocks noGrp="1"/>
+          </p:cNvSpPr>
+          <p:nvPr>
+            <p:ph type="title"/>
+          </p:nvPr>
+        </p:nvSpPr>
+        <p:spPr/>
+        <p:txBody>
+          <a:bodyPr/>
+          <a:lstStyle/>
+          <a:p>
+            <a:r>
+              <a:rPr lang="en-US" dirty="0"/>
+              <a:t>Proofs</a:t>
+            </a:r>
+          </a:p>
+        </p:txBody>
+      </p:sp>
+      <p:pic>
+        <p:nvPicPr>
+          <p:cNvPr id="5" name="Content Placeholder 4" descr="A black text on a white background&#10;&#10;AI-generated content may be incorrect.">
+            <a:extLst>
+              <a:ext uri="{FF2B5EF4-FFF2-40B4-BE49-F238E27FC236}">
+                <a16:creationId xmlns:a16="http://schemas.microsoft.com/office/drawing/2014/main" id="{020827ED-6A74-60E4-4A56-14A204728616}"/>
+              </a:ext>
+            </a:extLst>
+          </p:cNvPr>
+          <p:cNvPicPr>
+            <a:picLocks noGrp="1" noChangeAspect="1"/>
+          </p:cNvPicPr>
+          <p:nvPr>
+            <p:ph idx="1"/>
+          </p:nvPr>
+        </p:nvPicPr>
+        <p:blipFill>
+          <a:blip r:embed="rId2"/>
+          <a:stretch>
+            <a:fillRect/>
+          </a:stretch>
+        </p:blipFill>
+        <p:spPr>
+          <a:xfrm>
+            <a:off x="6847867" y="1364706"/>
+            <a:ext cx="4974771" cy="1173295"/>
+          </a:xfrm>
+        </p:spPr>
+      </p:pic>
+      <p:sp>
+        <p:nvSpPr>
+          <p:cNvPr id="13" name="Rectangle 12">
+            <a:extLst>
+              <a:ext uri="{FF2B5EF4-FFF2-40B4-BE49-F238E27FC236}">
+                <a16:creationId xmlns:a16="http://schemas.microsoft.com/office/drawing/2014/main" id="{E0944094-41CC-AB3F-6391-19F2DC384AD5}"/>
+              </a:ext>
+            </a:extLst>
+          </p:cNvPr>
+          <p:cNvSpPr/>
+          <p:nvPr/>
+        </p:nvSpPr>
+        <p:spPr>
+          <a:xfrm>
+            <a:off x="2700783" y="2549643"/>
+            <a:ext cx="4382814" cy="830318"/>
+          </a:xfrm>
+          <a:prstGeom prst="rect">
+            <a:avLst/>
+          </a:prstGeom>
+        </p:spPr>
+        <p:style>
+          <a:lnRef idx="2">
+            <a:schemeClr val="dk1"/>
+          </a:lnRef>
+          <a:fillRef idx="1">
+            <a:schemeClr val="lt1"/>
+          </a:fillRef>
+          <a:effectRef idx="0">
+            <a:schemeClr val="dk1"/>
+          </a:effectRef>
+          <a:fontRef idx="minor">
+            <a:schemeClr val="dk1"/>
+          </a:fontRef>
+        </p:style>
+        <p:txBody>
+          <a:bodyPr rtlCol="0" anchor="ctr"/>
+          <a:lstStyle/>
+          <a:p>
+            <a:pPr algn="ctr"/>
+            <a:endParaRPr lang="en-US" dirty="0"/>
+          </a:p>
+        </p:txBody>
+      </p:sp>
+      <p:sp>
+        <p:nvSpPr>
+          <p:cNvPr id="14" name="Rectangle 13">
+            <a:extLst>
+              <a:ext uri="{FF2B5EF4-FFF2-40B4-BE49-F238E27FC236}">
+                <a16:creationId xmlns:a16="http://schemas.microsoft.com/office/drawing/2014/main" id="{C8623CD8-0A5D-022E-C9CC-0E61C6C98D87}"/>
+              </a:ext>
+            </a:extLst>
+          </p:cNvPr>
+          <p:cNvSpPr/>
+          <p:nvPr/>
+        </p:nvSpPr>
+        <p:spPr>
+          <a:xfrm>
+            <a:off x="1055914" y="2549643"/>
+            <a:ext cx="1534510" cy="830318"/>
+          </a:xfrm>
+          <a:prstGeom prst="rect">
+            <a:avLst/>
+          </a:prstGeom>
+        </p:spPr>
+        <p:style>
+          <a:lnRef idx="2">
+            <a:schemeClr val="dk1"/>
+          </a:lnRef>
+          <a:fillRef idx="1">
+            <a:schemeClr val="lt1"/>
+          </a:fillRef>
+          <a:effectRef idx="0">
+            <a:schemeClr val="dk1"/>
+          </a:effectRef>
+          <a:fontRef idx="minor">
+            <a:schemeClr val="dk1"/>
+          </a:fontRef>
+        </p:style>
+        <p:txBody>
+          <a:bodyPr rtlCol="0" anchor="ctr"/>
+          <a:lstStyle/>
+          <a:p>
+            <a:pPr algn="ctr"/>
+            <a:r>
+              <a:rPr lang="en-US" dirty="0"/>
+              <a:t>S</a:t>
+            </a:r>
+          </a:p>
+        </p:txBody>
+      </p:sp>
+      <p:sp>
+        <p:nvSpPr>
+          <p:cNvPr id="15" name="TextBox 14">
+            <a:extLst>
+              <a:ext uri="{FF2B5EF4-FFF2-40B4-BE49-F238E27FC236}">
+                <a16:creationId xmlns:a16="http://schemas.microsoft.com/office/drawing/2014/main" id="{4C9DAB60-7B6E-9226-8A68-A770BCF0E3C9}"/>
+              </a:ext>
+            </a:extLst>
+          </p:cNvPr>
+          <p:cNvSpPr txBox="1"/>
+          <p:nvPr/>
+        </p:nvSpPr>
+        <p:spPr>
+          <a:xfrm>
+            <a:off x="4440245" y="2201326"/>
+            <a:ext cx="903890" cy="369332"/>
+          </a:xfrm>
+          <a:prstGeom prst="rect">
+            <a:avLst/>
+          </a:prstGeom>
+          <a:noFill/>
+        </p:spPr>
+        <p:txBody>
+          <a:bodyPr wrap="square">
+            <a:spAutoFit/>
+          </a:bodyPr>
+          <a:lstStyle/>
+          <a:p>
+            <a:pPr algn="ctr"/>
+            <a:r>
+              <a:rPr lang="en-US" dirty="0"/>
+              <a:t>C</a:t>
+            </a:r>
+          </a:p>
+        </p:txBody>
+      </p:sp>
+      <p:sp>
+        <p:nvSpPr>
+          <p:cNvPr id="16" name="Rectangle 15">
+            <a:extLst>
+              <a:ext uri="{FF2B5EF4-FFF2-40B4-BE49-F238E27FC236}">
+                <a16:creationId xmlns:a16="http://schemas.microsoft.com/office/drawing/2014/main" id="{3AAEF857-9993-A249-DA2D-917AAB96C6E3}"/>
+              </a:ext>
+            </a:extLst>
+          </p:cNvPr>
+          <p:cNvSpPr/>
+          <p:nvPr/>
+        </p:nvSpPr>
+        <p:spPr>
+          <a:xfrm>
+            <a:off x="2708666" y="2548165"/>
+            <a:ext cx="1907628" cy="830318"/>
+          </a:xfrm>
+          <a:prstGeom prst="rect">
+            <a:avLst/>
+          </a:prstGeom>
+        </p:spPr>
+        <p:style>
+          <a:lnRef idx="2">
+            <a:schemeClr val="dk1"/>
+          </a:lnRef>
+          <a:fillRef idx="1">
+            <a:schemeClr val="lt1"/>
+          </a:fillRef>
+          <a:effectRef idx="0">
+            <a:schemeClr val="dk1"/>
+          </a:effectRef>
+          <a:fontRef idx="minor">
+            <a:schemeClr val="dk1"/>
+          </a:fontRef>
+        </p:style>
+        <p:txBody>
+          <a:bodyPr rtlCol="0" anchor="ctr"/>
+          <a:lstStyle/>
+          <a:p>
+            <a:pPr algn="ctr"/>
+            <a:r>
+              <a:rPr lang="en-US" dirty="0"/>
+              <a:t>C</a:t>
+            </a:r>
+            <a:r>
+              <a:rPr lang="en-US" baseline="-25000" dirty="0"/>
+              <a:t>L</a:t>
+            </a:r>
+          </a:p>
+        </p:txBody>
+      </p:sp>
+      <p:sp>
+        <p:nvSpPr>
+          <p:cNvPr id="17" name="TextBox 16">
+            <a:extLst>
+              <a:ext uri="{FF2B5EF4-FFF2-40B4-BE49-F238E27FC236}">
+                <a16:creationId xmlns:a16="http://schemas.microsoft.com/office/drawing/2014/main" id="{5AC4D103-DFE6-8C06-2C4F-24A4BB90D8E7}"/>
+              </a:ext>
+            </a:extLst>
+          </p:cNvPr>
+          <p:cNvSpPr txBox="1"/>
+          <p:nvPr/>
+        </p:nvSpPr>
+        <p:spPr>
+          <a:xfrm>
+            <a:off x="5441303" y="2778658"/>
+            <a:ext cx="914400" cy="369332"/>
+          </a:xfrm>
+          <a:prstGeom prst="rect">
+            <a:avLst/>
+          </a:prstGeom>
+          <a:noFill/>
+        </p:spPr>
+        <p:txBody>
+          <a:bodyPr wrap="square">
+            <a:spAutoFit/>
+          </a:bodyPr>
+          <a:lstStyle/>
+          <a:p>
+            <a:pPr algn="ctr"/>
+            <a:r>
+              <a:rPr lang="en-US" dirty="0"/>
+              <a:t>C</a:t>
+            </a:r>
+            <a:r>
+              <a:rPr lang="en-US" baseline="-25000" dirty="0"/>
+              <a:t>R</a:t>
+            </a:r>
+          </a:p>
+        </p:txBody>
+      </p:sp>
+      <p:sp>
+        <p:nvSpPr>
+          <p:cNvPr id="18" name="TextBox 17">
+            <a:extLst>
+              <a:ext uri="{FF2B5EF4-FFF2-40B4-BE49-F238E27FC236}">
+                <a16:creationId xmlns:a16="http://schemas.microsoft.com/office/drawing/2014/main" id="{3939806D-827D-CE09-3CDB-36BF67E7B05A}"/>
+              </a:ext>
+            </a:extLst>
+          </p:cNvPr>
+          <p:cNvSpPr txBox="1"/>
+          <p:nvPr/>
+        </p:nvSpPr>
+        <p:spPr>
+          <a:xfrm>
+            <a:off x="5035066" y="3435583"/>
+            <a:ext cx="1727966" cy="523220"/>
+          </a:xfrm>
+          <a:prstGeom prst="rect">
+            <a:avLst/>
+          </a:prstGeom>
+          <a:noFill/>
+        </p:spPr>
+        <p:txBody>
+          <a:bodyPr wrap="square" rtlCol="0">
+            <a:spAutoFit/>
+          </a:bodyPr>
+          <a:lstStyle/>
+          <a:p>
+            <a:r>
+              <a:rPr lang="en-US" sz="1400" b="1" dirty="0">
+                <a:solidFill>
+                  <a:schemeClr val="tx2"/>
+                </a:solidFill>
+              </a:rPr>
+              <a:t>Up to UB</a:t>
+            </a:r>
+            <a:r>
+              <a:rPr lang="en-US" sz="1400" b="1" baseline="-25000" dirty="0">
+                <a:solidFill>
+                  <a:schemeClr val="tx2"/>
+                </a:solidFill>
+              </a:rPr>
+              <a:t>R</a:t>
+            </a:r>
+            <a:r>
+              <a:rPr lang="en-US" sz="1400" b="1" dirty="0">
+                <a:solidFill>
+                  <a:schemeClr val="tx2"/>
+                </a:solidFill>
+              </a:rPr>
+              <a:t> vertices can come from C</a:t>
+            </a:r>
+            <a:r>
+              <a:rPr lang="en-US" sz="1400" b="1" baseline="-25000" dirty="0">
+                <a:solidFill>
+                  <a:schemeClr val="tx2"/>
+                </a:solidFill>
+              </a:rPr>
+              <a:t>R</a:t>
+            </a:r>
+          </a:p>
+        </p:txBody>
+      </p:sp>
+      <p:sp>
+        <p:nvSpPr>
+          <p:cNvPr id="19" name="TextBox 18">
+            <a:extLst>
+              <a:ext uri="{FF2B5EF4-FFF2-40B4-BE49-F238E27FC236}">
+                <a16:creationId xmlns:a16="http://schemas.microsoft.com/office/drawing/2014/main" id="{95F9FA88-A981-75F8-5A22-9B8BE1C0BDED}"/>
+              </a:ext>
+            </a:extLst>
+          </p:cNvPr>
+          <p:cNvSpPr txBox="1"/>
+          <p:nvPr/>
+        </p:nvSpPr>
+        <p:spPr>
+          <a:xfrm>
+            <a:off x="1317339" y="3495743"/>
+            <a:ext cx="857927" cy="369332"/>
+          </a:xfrm>
+          <a:prstGeom prst="rect">
+            <a:avLst/>
+          </a:prstGeom>
+          <a:noFill/>
+        </p:spPr>
+        <p:txBody>
+          <a:bodyPr wrap="none" rtlCol="0">
+            <a:spAutoFit/>
+          </a:bodyPr>
+          <a:lstStyle/>
+          <a:p>
+            <a:r>
+              <a:rPr lang="en-US" dirty="0"/>
+              <a:t>All of S</a:t>
+            </a:r>
+          </a:p>
+        </p:txBody>
+      </p:sp>
+      <p:sp>
+        <p:nvSpPr>
+          <p:cNvPr id="20" name="TextBox 19">
+            <a:extLst>
+              <a:ext uri="{FF2B5EF4-FFF2-40B4-BE49-F238E27FC236}">
+                <a16:creationId xmlns:a16="http://schemas.microsoft.com/office/drawing/2014/main" id="{28D73220-5B8D-B9D0-CEE7-E627CB3C4012}"/>
+              </a:ext>
+            </a:extLst>
+          </p:cNvPr>
+          <p:cNvSpPr txBox="1"/>
+          <p:nvPr/>
+        </p:nvSpPr>
+        <p:spPr>
+          <a:xfrm>
+            <a:off x="2300335" y="3477635"/>
+            <a:ext cx="2555969" cy="523220"/>
+          </a:xfrm>
+          <a:prstGeom prst="rect">
+            <a:avLst/>
+          </a:prstGeom>
+          <a:noFill/>
+        </p:spPr>
+        <p:txBody>
+          <a:bodyPr wrap="square" rtlCol="0">
+            <a:spAutoFit/>
+          </a:bodyPr>
+          <a:lstStyle/>
+          <a:p>
+            <a:r>
+              <a:rPr lang="en-US" sz="1400" b="1" dirty="0">
+                <a:solidFill>
+                  <a:srgbClr val="C00000"/>
+                </a:solidFill>
+              </a:rPr>
+              <a:t>At least LB</a:t>
+            </a:r>
+            <a:r>
+              <a:rPr lang="en-US" sz="1400" b="1" baseline="-25000" dirty="0">
+                <a:solidFill>
+                  <a:srgbClr val="C00000"/>
+                </a:solidFill>
+              </a:rPr>
+              <a:t>L</a:t>
+            </a:r>
+            <a:r>
+              <a:rPr lang="en-US" sz="1400" b="1" dirty="0">
+                <a:solidFill>
+                  <a:srgbClr val="C00000"/>
+                </a:solidFill>
+              </a:rPr>
+              <a:t>=|S*|+1-|S|-UB</a:t>
+            </a:r>
+            <a:r>
+              <a:rPr lang="en-US" sz="1400" b="1" baseline="-25000" dirty="0">
+                <a:solidFill>
+                  <a:srgbClr val="C00000"/>
+                </a:solidFill>
+              </a:rPr>
+              <a:t>R</a:t>
+            </a:r>
+            <a:r>
+              <a:rPr lang="en-US" sz="1400" b="1" dirty="0">
+                <a:solidFill>
+                  <a:srgbClr val="C00000"/>
+                </a:solidFill>
+              </a:rPr>
+              <a:t> vertices must come from C</a:t>
+            </a:r>
+            <a:r>
+              <a:rPr lang="en-US" sz="1400" b="1" baseline="-25000" dirty="0">
+                <a:solidFill>
+                  <a:srgbClr val="C00000"/>
+                </a:solidFill>
+              </a:rPr>
+              <a:t>L</a:t>
+            </a:r>
+          </a:p>
+        </p:txBody>
+      </p:sp>
+      <p:sp>
+        <p:nvSpPr>
+          <p:cNvPr id="21" name="Rectangle 20">
+            <a:extLst>
+              <a:ext uri="{FF2B5EF4-FFF2-40B4-BE49-F238E27FC236}">
+                <a16:creationId xmlns:a16="http://schemas.microsoft.com/office/drawing/2014/main" id="{478B0CB0-CC39-212C-A425-C910E1C2ED7B}"/>
+              </a:ext>
+            </a:extLst>
+          </p:cNvPr>
+          <p:cNvSpPr/>
+          <p:nvPr/>
+        </p:nvSpPr>
+        <p:spPr>
+          <a:xfrm>
+            <a:off x="7083597" y="1563896"/>
+            <a:ext cx="4739041" cy="276867"/>
+          </a:xfrm>
+          <a:prstGeom prst="rect">
+            <a:avLst/>
+          </a:prstGeom>
+          <a:noFill/>
+          <a:ln>
+            <a:solidFill>
+              <a:srgbClr val="C00000"/>
+            </a:solidFill>
+          </a:ln>
+        </p:spPr>
+        <p:style>
+          <a:lnRef idx="2">
+            <a:schemeClr val="dk1"/>
+          </a:lnRef>
+          <a:fillRef idx="1">
+            <a:schemeClr val="lt1"/>
+          </a:fillRef>
+          <a:effectRef idx="0">
+            <a:schemeClr val="dk1"/>
+          </a:effectRef>
+          <a:fontRef idx="minor">
+            <a:schemeClr val="dk1"/>
+          </a:fontRef>
+        </p:style>
+        <p:txBody>
+          <a:bodyPr rtlCol="0" anchor="ctr"/>
+          <a:lstStyle/>
+          <a:p>
+            <a:pPr algn="ctr"/>
+            <a:endParaRPr lang="en-US" dirty="0"/>
+          </a:p>
+        </p:txBody>
+      </p:sp>
+      <p:sp>
+        <p:nvSpPr>
+          <p:cNvPr id="22" name="Oval 21">
+            <a:extLst>
+              <a:ext uri="{FF2B5EF4-FFF2-40B4-BE49-F238E27FC236}">
+                <a16:creationId xmlns:a16="http://schemas.microsoft.com/office/drawing/2014/main" id="{5CDC482A-463B-436D-E1D1-B00F2A4F008F}"/>
+              </a:ext>
+            </a:extLst>
+          </p:cNvPr>
+          <p:cNvSpPr/>
+          <p:nvPr/>
+        </p:nvSpPr>
+        <p:spPr>
+          <a:xfrm>
+            <a:off x="4102788" y="2615341"/>
+            <a:ext cx="337457" cy="359229"/>
+          </a:xfrm>
+          <a:prstGeom prst="ellipse">
+            <a:avLst/>
+          </a:prstGeom>
+        </p:spPr>
+        <p:style>
+          <a:lnRef idx="2">
+            <a:schemeClr val="accent1">
+              <a:shade val="15000"/>
+            </a:schemeClr>
+          </a:lnRef>
+          <a:fillRef idx="1">
+            <a:schemeClr val="accent1"/>
+          </a:fillRef>
+          <a:effectRef idx="0">
+            <a:schemeClr val="accent1"/>
+          </a:effectRef>
+          <a:fontRef idx="minor">
+            <a:schemeClr val="lt1"/>
+          </a:fontRef>
+        </p:style>
+        <p:txBody>
+          <a:bodyPr rtlCol="0" anchor="ctr"/>
+          <a:lstStyle/>
+          <a:p>
+            <a:pPr algn="ctr"/>
+            <a:r>
+              <a:rPr lang="en-US" dirty="0"/>
+              <a:t>v</a:t>
+            </a:r>
+          </a:p>
+        </p:txBody>
+      </p:sp>
+      <mc:AlternateContent xmlns:mc="http://schemas.openxmlformats.org/markup-compatibility/2006">
+        <mc:Choice xmlns:a14="http://schemas.microsoft.com/office/drawing/2010/main" Requires="a14">
+          <p:sp>
+            <p:nvSpPr>
+              <p:cNvPr id="23" name="TextBox 22">
+                <a:extLst>
+                  <a:ext uri="{FF2B5EF4-FFF2-40B4-BE49-F238E27FC236}">
+                    <a16:creationId xmlns:a16="http://schemas.microsoft.com/office/drawing/2014/main" id="{78947408-A9DD-3BE7-82A9-70184ECB283A}"/>
+                  </a:ext>
+                </a:extLst>
+              </p:cNvPr>
+              <p:cNvSpPr txBox="1"/>
+              <p:nvPr/>
+            </p:nvSpPr>
+            <p:spPr>
+              <a:xfrm>
+                <a:off x="1251857" y="4463143"/>
+                <a:ext cx="10211065" cy="369332"/>
+              </a:xfrm>
+              <a:prstGeom prst="rect">
+                <a:avLst/>
+              </a:prstGeom>
+              <a:noFill/>
+            </p:spPr>
+            <p:txBody>
+              <a:bodyPr wrap="none" rtlCol="0">
+                <a:spAutoFit/>
+              </a:bodyPr>
+              <a:lstStyle/>
+              <a:p>
+                <a:r>
+                  <a:rPr lang="en-US" b="1" dirty="0"/>
+                  <a:t>Proof by contradiction</a:t>
+                </a:r>
+                <a:r>
+                  <a:rPr lang="en-US" dirty="0"/>
+                  <a:t>: Assume a larger k-plex can be found when </a:t>
+                </a:r>
+                <a14:m>
+                  <m:oMath xmlns:m="http://schemas.openxmlformats.org/officeDocument/2006/math">
+                    <m:r>
+                      <a:rPr lang="en-US" b="0" i="0" smtClean="0">
+                        <a:latin typeface="Cambria Math" panose="02040503050406030204" pitchFamily="18" charset="0"/>
+                      </a:rPr>
+                      <m:t>|</m:t>
+                    </m:r>
+                    <m:r>
+                      <a:rPr lang="en-US" b="0" i="1" smtClean="0">
+                        <a:latin typeface="Cambria Math" panose="02040503050406030204" pitchFamily="18" charset="0"/>
+                      </a:rPr>
+                      <m:t>𝑁</m:t>
+                    </m:r>
+                    <m:d>
+                      <m:dPr>
+                        <m:ctrlPr>
+                          <a:rPr lang="en-US" b="0" i="1" smtClean="0">
+                            <a:latin typeface="Cambria Math" panose="02040503050406030204" pitchFamily="18" charset="0"/>
+                          </a:rPr>
+                        </m:ctrlPr>
+                      </m:dPr>
+                      <m:e>
+                        <m:r>
+                          <a:rPr lang="en-US" b="0" i="1" smtClean="0">
+                            <a:latin typeface="Cambria Math" panose="02040503050406030204" pitchFamily="18" charset="0"/>
+                          </a:rPr>
+                          <m:t>𝑣</m:t>
+                        </m:r>
+                        <m:r>
+                          <a:rPr lang="en-US" b="0" i="1" smtClean="0">
+                            <a:latin typeface="Cambria Math" panose="02040503050406030204" pitchFamily="18" charset="0"/>
+                          </a:rPr>
+                          <m:t>, </m:t>
+                        </m:r>
+                        <m:r>
+                          <a:rPr lang="en-US" b="0" i="1" smtClean="0">
+                            <a:latin typeface="Cambria Math" panose="02040503050406030204" pitchFamily="18" charset="0"/>
+                          </a:rPr>
+                          <m:t>𝑆</m:t>
+                        </m:r>
+                        <m:r>
+                          <a:rPr lang="en-US" b="0" i="1" smtClean="0">
+                            <a:latin typeface="Cambria Math" panose="02040503050406030204" pitchFamily="18" charset="0"/>
+                          </a:rPr>
+                          <m:t>∪</m:t>
+                        </m:r>
+                        <m:sSub>
+                          <m:sSubPr>
+                            <m:ctrlPr>
+                              <a:rPr lang="en-US" b="0" i="1" smtClean="0">
+                                <a:latin typeface="Cambria Math" panose="02040503050406030204" pitchFamily="18" charset="0"/>
+                              </a:rPr>
+                            </m:ctrlPr>
+                          </m:sSubPr>
+                          <m:e>
+                            <m:r>
+                              <a:rPr lang="en-US" b="0" i="1" smtClean="0">
+                                <a:latin typeface="Cambria Math" panose="02040503050406030204" pitchFamily="18" charset="0"/>
+                              </a:rPr>
+                              <m:t>𝐶</m:t>
+                            </m:r>
+                          </m:e>
+                          <m:sub>
+                            <m:r>
+                              <a:rPr lang="en-US" b="0" i="1" smtClean="0">
+                                <a:latin typeface="Cambria Math" panose="02040503050406030204" pitchFamily="18" charset="0"/>
+                              </a:rPr>
+                              <m:t>𝐿</m:t>
+                            </m:r>
+                          </m:sub>
+                        </m:sSub>
+                      </m:e>
+                    </m:d>
+                    <m:r>
+                      <a:rPr lang="en-US" b="0" i="1" smtClean="0">
+                        <a:latin typeface="Cambria Math" panose="02040503050406030204" pitchFamily="18" charset="0"/>
+                      </a:rPr>
+                      <m:t>|≤</m:t>
+                    </m:r>
+                    <m:r>
+                      <a:rPr lang="en-US" b="0" i="1" smtClean="0">
+                        <a:latin typeface="Cambria Math" panose="02040503050406030204" pitchFamily="18" charset="0"/>
+                      </a:rPr>
+                      <m:t>𝐿</m:t>
+                    </m:r>
+                    <m:sSub>
+                      <m:sSubPr>
+                        <m:ctrlPr>
+                          <a:rPr lang="en-US" b="0" i="1" smtClean="0">
+                            <a:latin typeface="Cambria Math" panose="02040503050406030204" pitchFamily="18" charset="0"/>
+                          </a:rPr>
+                        </m:ctrlPr>
+                      </m:sSubPr>
+                      <m:e>
+                        <m:r>
+                          <a:rPr lang="en-US" b="0" i="1" smtClean="0">
+                            <a:latin typeface="Cambria Math" panose="02040503050406030204" pitchFamily="18" charset="0"/>
+                          </a:rPr>
+                          <m:t>𝐵</m:t>
+                        </m:r>
+                      </m:e>
+                      <m:sub>
+                        <m:r>
+                          <a:rPr lang="en-US" b="0" i="1" smtClean="0">
+                            <a:latin typeface="Cambria Math" panose="02040503050406030204" pitchFamily="18" charset="0"/>
+                          </a:rPr>
+                          <m:t>𝐿</m:t>
+                        </m:r>
+                      </m:sub>
+                    </m:sSub>
+                    <m:r>
+                      <a:rPr lang="en-US" b="0" i="1" smtClean="0">
+                        <a:latin typeface="Cambria Math" panose="02040503050406030204" pitchFamily="18" charset="0"/>
+                      </a:rPr>
+                      <m:t>+</m:t>
+                    </m:r>
+                    <m:d>
+                      <m:dPr>
+                        <m:begChr m:val="|"/>
+                        <m:endChr m:val="|"/>
+                        <m:ctrlPr>
+                          <a:rPr lang="en-US" b="0" i="1" smtClean="0">
+                            <a:latin typeface="Cambria Math" panose="02040503050406030204" pitchFamily="18" charset="0"/>
+                          </a:rPr>
+                        </m:ctrlPr>
+                      </m:dPr>
+                      <m:e>
+                        <m:r>
+                          <a:rPr lang="en-US" b="0" i="1" smtClean="0">
+                            <a:latin typeface="Cambria Math" panose="02040503050406030204" pitchFamily="18" charset="0"/>
+                          </a:rPr>
+                          <m:t>𝑆</m:t>
+                        </m:r>
+                      </m:e>
+                    </m:d>
+                    <m:r>
+                      <a:rPr lang="en-US" b="0" i="1" smtClean="0">
+                        <a:latin typeface="Cambria Math" panose="02040503050406030204" pitchFamily="18" charset="0"/>
+                      </a:rPr>
+                      <m:t>−</m:t>
+                    </m:r>
+                    <m:r>
+                      <a:rPr lang="en-US" b="0" i="1" smtClean="0">
+                        <a:latin typeface="Cambria Math" panose="02040503050406030204" pitchFamily="18" charset="0"/>
+                      </a:rPr>
+                      <m:t>𝑘</m:t>
+                    </m:r>
+                    <m:r>
+                      <a:rPr lang="en-US" b="0" i="1" smtClean="0">
+                        <a:latin typeface="Cambria Math" panose="02040503050406030204" pitchFamily="18" charset="0"/>
+                      </a:rPr>
+                      <m:t>−1</m:t>
+                    </m:r>
+                  </m:oMath>
+                </a14:m>
+                <a:endParaRPr lang="en-US" dirty="0"/>
+              </a:p>
+            </p:txBody>
+          </p:sp>
+        </mc:Choice>
+        <mc:Fallback>
+          <p:sp>
+            <p:nvSpPr>
+              <p:cNvPr id="23" name="TextBox 22">
+                <a:extLst>
+                  <a:ext uri="{FF2B5EF4-FFF2-40B4-BE49-F238E27FC236}">
+                    <a16:creationId xmlns:a16="http://schemas.microsoft.com/office/drawing/2014/main" id="{78947408-A9DD-3BE7-82A9-70184ECB283A}"/>
+                  </a:ext>
+                </a:extLst>
+              </p:cNvPr>
+              <p:cNvSpPr txBox="1">
+                <a:spLocks noRot="1" noChangeAspect="1" noMove="1" noResize="1" noEditPoints="1" noAdjustHandles="1" noChangeArrowheads="1" noChangeShapeType="1" noTextEdit="1"/>
+              </p:cNvSpPr>
+              <p:nvPr/>
+            </p:nvSpPr>
+            <p:spPr>
+              <a:xfrm>
+                <a:off x="1251857" y="4463143"/>
+                <a:ext cx="10211065" cy="369332"/>
+              </a:xfrm>
+              <a:prstGeom prst="rect">
+                <a:avLst/>
+              </a:prstGeom>
+              <a:blipFill>
+                <a:blip r:embed="rId3"/>
+                <a:stretch>
+                  <a:fillRect l="-497" t="-6667" b="-26667"/>
+                </a:stretch>
+              </a:blipFill>
+            </p:spPr>
+            <p:txBody>
+              <a:bodyPr/>
+              <a:lstStyle/>
+              <a:p>
+                <a:r>
+                  <a:rPr lang="en-US">
+                    <a:noFill/>
+                  </a:rPr>
+                  <a:t> </a:t>
+                </a:r>
+              </a:p>
+            </p:txBody>
+          </p:sp>
+        </mc:Fallback>
+      </mc:AlternateContent>
+      <mc:AlternateContent xmlns:mc="http://schemas.openxmlformats.org/markup-compatibility/2006">
+        <mc:Choice xmlns:a14="http://schemas.microsoft.com/office/drawing/2010/main" Requires="a14">
+          <p:sp>
+            <p:nvSpPr>
+              <p:cNvPr id="24" name="TextBox 23">
+                <a:extLst>
+                  <a:ext uri="{FF2B5EF4-FFF2-40B4-BE49-F238E27FC236}">
+                    <a16:creationId xmlns:a16="http://schemas.microsoft.com/office/drawing/2014/main" id="{D083795C-EB21-A8D6-D7FD-6B269F25E010}"/>
+                  </a:ext>
+                </a:extLst>
+              </p:cNvPr>
+              <p:cNvSpPr txBox="1"/>
+              <p:nvPr/>
+            </p:nvSpPr>
+            <p:spPr>
+              <a:xfrm>
+                <a:off x="1719943" y="5094514"/>
+                <a:ext cx="5215659" cy="1512978"/>
+              </a:xfrm>
+              <a:prstGeom prst="rect">
+                <a:avLst/>
+              </a:prstGeom>
+              <a:noFill/>
+            </p:spPr>
+            <p:txBody>
+              <a:bodyPr wrap="none" rtlCol="0">
+                <a:spAutoFit/>
+              </a:bodyPr>
+              <a:lstStyle/>
+              <a:p>
+                <a14:m>
+                  <m:oMathPara xmlns:m="http://schemas.openxmlformats.org/officeDocument/2006/math">
+                    <m:oMathParaPr>
+                      <m:jc m:val="centerGroup"/>
+                    </m:oMathParaPr>
+                    <m:oMath xmlns:m="http://schemas.openxmlformats.org/officeDocument/2006/math">
+                      <m:r>
+                        <a:rPr lang="en-US" b="0" i="1" smtClean="0">
+                          <a:latin typeface="Cambria Math" panose="02040503050406030204" pitchFamily="18" charset="0"/>
+                        </a:rPr>
+                        <m:t>|</m:t>
+                      </m:r>
+                      <m:r>
+                        <a:rPr lang="en-US" b="0" i="1" smtClean="0">
+                          <a:latin typeface="Cambria Math" panose="02040503050406030204" pitchFamily="18" charset="0"/>
+                        </a:rPr>
+                        <m:t>𝑁</m:t>
+                      </m:r>
+                      <m:d>
+                        <m:dPr>
+                          <m:ctrlPr>
+                            <a:rPr lang="en-US" b="0" i="1" smtClean="0">
+                              <a:latin typeface="Cambria Math" panose="02040503050406030204" pitchFamily="18" charset="0"/>
+                            </a:rPr>
+                          </m:ctrlPr>
+                        </m:dPr>
+                        <m:e>
+                          <m:r>
+                            <a:rPr lang="en-US" b="0" i="1" smtClean="0">
+                              <a:latin typeface="Cambria Math" panose="02040503050406030204" pitchFamily="18" charset="0"/>
+                            </a:rPr>
+                            <m:t>𝑣</m:t>
+                          </m:r>
+                          <m:r>
+                            <a:rPr lang="en-US" b="0" i="1" smtClean="0">
+                              <a:latin typeface="Cambria Math" panose="02040503050406030204" pitchFamily="18" charset="0"/>
+                            </a:rPr>
+                            <m:t>, </m:t>
+                          </m:r>
+                          <m:r>
+                            <a:rPr lang="en-US" b="0" i="1" smtClean="0">
+                              <a:latin typeface="Cambria Math" panose="02040503050406030204" pitchFamily="18" charset="0"/>
+                            </a:rPr>
+                            <m:t>𝐻</m:t>
+                          </m:r>
+                        </m:e>
+                      </m:d>
+                      <m:r>
+                        <a:rPr lang="en-US" b="0" i="1" smtClean="0">
+                          <a:latin typeface="Cambria Math" panose="02040503050406030204" pitchFamily="18" charset="0"/>
+                        </a:rPr>
+                        <m:t>|=|</m:t>
+                      </m:r>
+                      <m:r>
+                        <a:rPr lang="en-US" b="0" i="1" smtClean="0">
+                          <a:latin typeface="Cambria Math" panose="02040503050406030204" pitchFamily="18" charset="0"/>
+                        </a:rPr>
+                        <m:t>𝑁</m:t>
+                      </m:r>
+                      <m:d>
+                        <m:dPr>
+                          <m:ctrlPr>
+                            <a:rPr lang="en-US" b="0" i="1" smtClean="0">
+                              <a:latin typeface="Cambria Math" panose="02040503050406030204" pitchFamily="18" charset="0"/>
+                            </a:rPr>
+                          </m:ctrlPr>
+                        </m:dPr>
+                        <m:e>
+                          <m:r>
+                            <a:rPr lang="en-US" b="0" i="1" smtClean="0">
+                              <a:latin typeface="Cambria Math" panose="02040503050406030204" pitchFamily="18" charset="0"/>
+                            </a:rPr>
+                            <m:t>𝑣</m:t>
+                          </m:r>
+                          <m:r>
+                            <a:rPr lang="en-US" b="0" i="1" smtClean="0">
+                              <a:latin typeface="Cambria Math" panose="02040503050406030204" pitchFamily="18" charset="0"/>
+                            </a:rPr>
+                            <m:t>, </m:t>
+                          </m:r>
+                          <m:d>
+                            <m:dPr>
+                              <m:ctrlPr>
+                                <a:rPr lang="en-US" b="0" i="1" smtClean="0">
+                                  <a:latin typeface="Cambria Math" panose="02040503050406030204" pitchFamily="18" charset="0"/>
+                                </a:rPr>
+                              </m:ctrlPr>
+                            </m:dPr>
+                            <m:e>
+                              <m:r>
+                                <a:rPr lang="en-US" b="0" i="1" smtClean="0">
+                                  <a:latin typeface="Cambria Math" panose="02040503050406030204" pitchFamily="18" charset="0"/>
+                                </a:rPr>
+                                <m:t>𝐻</m:t>
+                              </m:r>
+                              <m:r>
+                                <a:rPr lang="en-US" b="0" i="1" smtClean="0">
+                                  <a:latin typeface="Cambria Math" panose="02040503050406030204" pitchFamily="18" charset="0"/>
+                                </a:rPr>
+                                <m:t>∩</m:t>
+                              </m:r>
+                              <m:sSub>
+                                <m:sSubPr>
+                                  <m:ctrlPr>
+                                    <a:rPr lang="en-US" b="0" i="1" smtClean="0">
+                                      <a:latin typeface="Cambria Math" panose="02040503050406030204" pitchFamily="18" charset="0"/>
+                                    </a:rPr>
+                                  </m:ctrlPr>
+                                </m:sSubPr>
+                                <m:e>
+                                  <m:r>
+                                    <a:rPr lang="en-US" b="0" i="1" smtClean="0">
+                                      <a:latin typeface="Cambria Math" panose="02040503050406030204" pitchFamily="18" charset="0"/>
+                                    </a:rPr>
+                                    <m:t>(</m:t>
+                                  </m:r>
+                                  <m:r>
+                                    <a:rPr lang="en-US" b="0" i="1" smtClean="0">
+                                      <a:latin typeface="Cambria Math" panose="02040503050406030204" pitchFamily="18" charset="0"/>
+                                    </a:rPr>
+                                    <m:t>𝑆</m:t>
+                                  </m:r>
+                                  <m:r>
+                                    <a:rPr lang="en-US" b="0" i="1" smtClean="0">
+                                      <a:latin typeface="Cambria Math" panose="02040503050406030204" pitchFamily="18" charset="0"/>
+                                    </a:rPr>
+                                    <m:t>∪</m:t>
+                                  </m:r>
+                                  <m:r>
+                                    <a:rPr lang="en-US" b="0" i="1" smtClean="0">
+                                      <a:latin typeface="Cambria Math" panose="02040503050406030204" pitchFamily="18" charset="0"/>
+                                    </a:rPr>
+                                    <m:t>𝐶</m:t>
+                                  </m:r>
+                                </m:e>
+                                <m:sub>
+                                  <m:r>
+                                    <a:rPr lang="en-US" b="0" i="1" smtClean="0">
+                                      <a:latin typeface="Cambria Math" panose="02040503050406030204" pitchFamily="18" charset="0"/>
+                                    </a:rPr>
+                                    <m:t>𝐿</m:t>
+                                  </m:r>
+                                </m:sub>
+                              </m:sSub>
+                            </m:e>
+                          </m:d>
+                        </m:e>
+                      </m:d>
+                      <m:r>
+                        <a:rPr lang="en-US" b="0" i="1" smtClean="0">
+                          <a:latin typeface="Cambria Math" panose="02040503050406030204" pitchFamily="18" charset="0"/>
+                        </a:rPr>
+                        <m:t>|+|</m:t>
+                      </m:r>
+                      <m:r>
+                        <a:rPr lang="en-US" b="0" i="1" smtClean="0">
+                          <a:latin typeface="Cambria Math" panose="02040503050406030204" pitchFamily="18" charset="0"/>
+                        </a:rPr>
+                        <m:t>𝑁</m:t>
+                      </m:r>
+                      <m:d>
+                        <m:dPr>
+                          <m:ctrlPr>
+                            <a:rPr lang="en-US" b="0" i="1" smtClean="0">
+                              <a:latin typeface="Cambria Math" panose="02040503050406030204" pitchFamily="18" charset="0"/>
+                            </a:rPr>
+                          </m:ctrlPr>
+                        </m:dPr>
+                        <m:e>
+                          <m:r>
+                            <a:rPr lang="en-US" b="0" i="1" smtClean="0">
+                              <a:latin typeface="Cambria Math" panose="02040503050406030204" pitchFamily="18" charset="0"/>
+                            </a:rPr>
+                            <m:t>𝑣</m:t>
+                          </m:r>
+                          <m:r>
+                            <a:rPr lang="en-US" b="0" i="1" smtClean="0">
+                              <a:latin typeface="Cambria Math" panose="02040503050406030204" pitchFamily="18" charset="0"/>
+                            </a:rPr>
+                            <m:t>, </m:t>
+                          </m:r>
+                          <m:r>
+                            <a:rPr lang="en-US" b="0" i="1" smtClean="0">
+                              <a:latin typeface="Cambria Math" panose="02040503050406030204" pitchFamily="18" charset="0"/>
+                            </a:rPr>
+                            <m:t>𝐻</m:t>
+                          </m:r>
+                          <m:r>
+                            <a:rPr lang="en-US" b="0" i="1" smtClean="0">
+                              <a:latin typeface="Cambria Math" panose="02040503050406030204" pitchFamily="18" charset="0"/>
+                            </a:rPr>
+                            <m:t>∩</m:t>
+                          </m:r>
+                          <m:sSub>
+                            <m:sSubPr>
+                              <m:ctrlPr>
+                                <a:rPr lang="en-US" b="0" i="1" smtClean="0">
+                                  <a:latin typeface="Cambria Math" panose="02040503050406030204" pitchFamily="18" charset="0"/>
+                                </a:rPr>
+                              </m:ctrlPr>
+                            </m:sSubPr>
+                            <m:e>
+                              <m:r>
+                                <a:rPr lang="en-US" b="0" i="1" smtClean="0">
+                                  <a:latin typeface="Cambria Math" panose="02040503050406030204" pitchFamily="18" charset="0"/>
+                                </a:rPr>
+                                <m:t>𝐶</m:t>
+                              </m:r>
+                            </m:e>
+                            <m:sub>
+                              <m:r>
+                                <a:rPr lang="en-US" b="0" i="1" smtClean="0">
+                                  <a:latin typeface="Cambria Math" panose="02040503050406030204" pitchFamily="18" charset="0"/>
+                                </a:rPr>
+                                <m:t>𝑅</m:t>
+                              </m:r>
+                            </m:sub>
+                          </m:sSub>
+                        </m:e>
+                      </m:d>
+                      <m:r>
+                        <a:rPr lang="en-US" b="0" i="1" smtClean="0">
+                          <a:latin typeface="Cambria Math" panose="02040503050406030204" pitchFamily="18" charset="0"/>
+                        </a:rPr>
+                        <m:t>|</m:t>
+                      </m:r>
+                    </m:oMath>
+                  </m:oMathPara>
+                </a14:m>
+                <a:endParaRPr lang="en-US" dirty="0"/>
+              </a:p>
+              <a:p>
+                <a:r>
+                  <a:rPr lang="en-US" b="0" dirty="0"/>
+                  <a:t> 	</a:t>
+                </a:r>
+                <a14:m>
+                  <m:oMath xmlns:m="http://schemas.openxmlformats.org/officeDocument/2006/math">
+                    <m:r>
+                      <a:rPr lang="en-US" b="0" i="1" smtClean="0">
+                        <a:latin typeface="Cambria Math" panose="02040503050406030204" pitchFamily="18" charset="0"/>
+                      </a:rPr>
+                      <m:t>≤|</m:t>
+                    </m:r>
+                    <m:r>
+                      <a:rPr lang="en-US" b="0" i="1" smtClean="0">
+                        <a:latin typeface="Cambria Math" panose="02040503050406030204" pitchFamily="18" charset="0"/>
+                      </a:rPr>
+                      <m:t>𝑁</m:t>
+                    </m:r>
+                    <m:r>
+                      <a:rPr lang="en-US" b="0" i="1" smtClean="0">
+                        <a:latin typeface="Cambria Math" panose="02040503050406030204" pitchFamily="18" charset="0"/>
+                      </a:rPr>
+                      <m:t>(</m:t>
+                    </m:r>
+                    <m:r>
+                      <a:rPr lang="en-US" b="0" i="1" smtClean="0">
+                        <a:latin typeface="Cambria Math" panose="02040503050406030204" pitchFamily="18" charset="0"/>
+                      </a:rPr>
+                      <m:t>𝑣</m:t>
+                    </m:r>
+                    <m:r>
+                      <a:rPr lang="en-US" b="0" i="1" smtClean="0">
+                        <a:latin typeface="Cambria Math" panose="02040503050406030204" pitchFamily="18" charset="0"/>
+                      </a:rPr>
+                      <m:t>, </m:t>
+                    </m:r>
+                    <m:r>
+                      <a:rPr lang="en-US" b="0" i="1" smtClean="0">
+                        <a:latin typeface="Cambria Math" panose="02040503050406030204" pitchFamily="18" charset="0"/>
+                      </a:rPr>
+                      <m:t>𝑆</m:t>
+                    </m:r>
+                    <m:r>
+                      <a:rPr lang="en-US" b="0" i="1" smtClean="0">
+                        <a:latin typeface="Cambria Math" panose="02040503050406030204" pitchFamily="18" charset="0"/>
+                      </a:rPr>
+                      <m:t>∪</m:t>
+                    </m:r>
+                    <m:sSub>
+                      <m:sSubPr>
+                        <m:ctrlPr>
+                          <a:rPr lang="en-US" b="0" i="1" smtClean="0">
+                            <a:latin typeface="Cambria Math" panose="02040503050406030204" pitchFamily="18" charset="0"/>
+                          </a:rPr>
+                        </m:ctrlPr>
+                      </m:sSubPr>
+                      <m:e>
+                        <m:r>
+                          <a:rPr lang="en-US" b="0" i="1" smtClean="0">
+                            <a:latin typeface="Cambria Math" panose="02040503050406030204" pitchFamily="18" charset="0"/>
+                          </a:rPr>
+                          <m:t>𝐶</m:t>
+                        </m:r>
+                      </m:e>
+                      <m:sub>
+                        <m:r>
+                          <a:rPr lang="en-US" b="0" i="1" smtClean="0">
+                            <a:latin typeface="Cambria Math" panose="02040503050406030204" pitchFamily="18" charset="0"/>
+                          </a:rPr>
+                          <m:t>𝐿</m:t>
+                        </m:r>
+                      </m:sub>
+                    </m:sSub>
+                    <m:r>
+                      <a:rPr lang="en-US" b="0" i="1" smtClean="0">
+                        <a:latin typeface="Cambria Math" panose="02040503050406030204" pitchFamily="18" charset="0"/>
+                      </a:rPr>
+                      <m:t>)|</m:t>
+                    </m:r>
+                    <m:r>
+                      <a:rPr lang="en-US" b="0" i="1" smtClean="0">
+                        <a:latin typeface="Cambria Math" panose="02040503050406030204" pitchFamily="18" charset="0"/>
+                      </a:rPr>
+                      <m:t>+</m:t>
+                    </m:r>
+                    <m:r>
+                      <a:rPr lang="en-US" b="0" i="1" smtClean="0">
+                        <a:latin typeface="Cambria Math" panose="02040503050406030204" pitchFamily="18" charset="0"/>
+                      </a:rPr>
+                      <m:t>|</m:t>
+                    </m:r>
+                    <m:r>
+                      <a:rPr lang="en-US" b="0" i="1" smtClean="0">
+                        <a:latin typeface="Cambria Math" panose="02040503050406030204" pitchFamily="18" charset="0"/>
+                      </a:rPr>
+                      <m:t>𝐻</m:t>
+                    </m:r>
+                    <m:r>
+                      <a:rPr lang="en-US" b="0" i="1" smtClean="0">
+                        <a:latin typeface="Cambria Math" panose="02040503050406030204" pitchFamily="18" charset="0"/>
+                      </a:rPr>
+                      <m:t>∩</m:t>
+                    </m:r>
+                    <m:sSub>
+                      <m:sSubPr>
+                        <m:ctrlPr>
+                          <a:rPr lang="en-US" b="0" i="1" smtClean="0">
+                            <a:latin typeface="Cambria Math" panose="02040503050406030204" pitchFamily="18" charset="0"/>
+                          </a:rPr>
+                        </m:ctrlPr>
+                      </m:sSubPr>
+                      <m:e>
+                        <m:r>
+                          <a:rPr lang="en-US" b="0" i="1" smtClean="0">
+                            <a:latin typeface="Cambria Math" panose="02040503050406030204" pitchFamily="18" charset="0"/>
+                          </a:rPr>
+                          <m:t>𝐶</m:t>
+                        </m:r>
+                      </m:e>
+                      <m:sub>
+                        <m:r>
+                          <a:rPr lang="en-US" b="0" i="1" smtClean="0">
+                            <a:latin typeface="Cambria Math" panose="02040503050406030204" pitchFamily="18" charset="0"/>
+                          </a:rPr>
+                          <m:t>𝑅</m:t>
+                        </m:r>
+                      </m:sub>
+                    </m:sSub>
+                    <m:r>
+                      <a:rPr lang="en-US" b="0" i="1" smtClean="0">
+                        <a:latin typeface="Cambria Math" panose="02040503050406030204" pitchFamily="18" charset="0"/>
+                      </a:rPr>
+                      <m:t>|</m:t>
+                    </m:r>
+                  </m:oMath>
+                </a14:m>
+                <a:endParaRPr lang="en-US" dirty="0"/>
+              </a:p>
+              <a:p>
+                <a:r>
+                  <a:rPr lang="en-US" b="0" dirty="0"/>
+                  <a:t> 	</a:t>
+                </a:r>
+                <a14:m>
+                  <m:oMath xmlns:m="http://schemas.openxmlformats.org/officeDocument/2006/math">
+                    <m:r>
+                      <a:rPr lang="en-US" b="0" i="1" smtClean="0">
+                        <a:latin typeface="Cambria Math" panose="02040503050406030204" pitchFamily="18" charset="0"/>
+                      </a:rPr>
+                      <m:t>≤</m:t>
+                    </m:r>
+                    <m:r>
+                      <a:rPr lang="en-US" b="0" i="1" smtClean="0">
+                        <a:latin typeface="Cambria Math" panose="02040503050406030204" pitchFamily="18" charset="0"/>
+                      </a:rPr>
+                      <m:t>𝐿</m:t>
+                    </m:r>
+                    <m:sSub>
+                      <m:sSubPr>
+                        <m:ctrlPr>
+                          <a:rPr lang="en-US" b="0" i="1" smtClean="0">
+                            <a:latin typeface="Cambria Math" panose="02040503050406030204" pitchFamily="18" charset="0"/>
+                          </a:rPr>
+                        </m:ctrlPr>
+                      </m:sSubPr>
+                      <m:e>
+                        <m:r>
+                          <a:rPr lang="en-US" b="0" i="1" smtClean="0">
+                            <a:latin typeface="Cambria Math" panose="02040503050406030204" pitchFamily="18" charset="0"/>
+                          </a:rPr>
+                          <m:t>𝐵</m:t>
+                        </m:r>
+                      </m:e>
+                      <m:sub>
+                        <m:r>
+                          <a:rPr lang="en-US" b="0" i="1" smtClean="0">
+                            <a:latin typeface="Cambria Math" panose="02040503050406030204" pitchFamily="18" charset="0"/>
+                          </a:rPr>
+                          <m:t>𝐿</m:t>
+                        </m:r>
+                      </m:sub>
+                    </m:sSub>
+                    <m:r>
+                      <a:rPr lang="en-US" b="0" i="1" smtClean="0">
+                        <a:latin typeface="Cambria Math" panose="02040503050406030204" pitchFamily="18" charset="0"/>
+                      </a:rPr>
+                      <m:t>+</m:t>
+                    </m:r>
+                    <m:d>
+                      <m:dPr>
+                        <m:begChr m:val="|"/>
+                        <m:endChr m:val="|"/>
+                        <m:ctrlPr>
+                          <a:rPr lang="en-US" b="0" i="1" smtClean="0">
+                            <a:latin typeface="Cambria Math" panose="02040503050406030204" pitchFamily="18" charset="0"/>
+                          </a:rPr>
+                        </m:ctrlPr>
+                      </m:dPr>
+                      <m:e>
+                        <m:r>
+                          <a:rPr lang="en-US" b="0" i="1" smtClean="0">
+                            <a:latin typeface="Cambria Math" panose="02040503050406030204" pitchFamily="18" charset="0"/>
+                          </a:rPr>
+                          <m:t>𝑆</m:t>
+                        </m:r>
+                      </m:e>
+                    </m:d>
+                    <m:r>
+                      <a:rPr lang="en-US" b="0" i="1" smtClean="0">
+                        <a:latin typeface="Cambria Math" panose="02040503050406030204" pitchFamily="18" charset="0"/>
+                      </a:rPr>
+                      <m:t>−</m:t>
+                    </m:r>
+                    <m:r>
+                      <a:rPr lang="en-US" b="0" i="1" smtClean="0">
+                        <a:latin typeface="Cambria Math" panose="02040503050406030204" pitchFamily="18" charset="0"/>
+                      </a:rPr>
+                      <m:t>𝑘</m:t>
+                    </m:r>
+                    <m:r>
+                      <a:rPr lang="en-US" b="0" i="1" smtClean="0">
+                        <a:latin typeface="Cambria Math" panose="02040503050406030204" pitchFamily="18" charset="0"/>
+                      </a:rPr>
+                      <m:t>−1+|</m:t>
+                    </m:r>
+                    <m:r>
+                      <a:rPr lang="en-US" b="0" i="1" smtClean="0">
+                        <a:latin typeface="Cambria Math" panose="02040503050406030204" pitchFamily="18" charset="0"/>
+                      </a:rPr>
+                      <m:t>𝐻</m:t>
+                    </m:r>
+                    <m:r>
+                      <a:rPr lang="en-US" b="0" i="1" smtClean="0">
+                        <a:latin typeface="Cambria Math" panose="02040503050406030204" pitchFamily="18" charset="0"/>
+                      </a:rPr>
+                      <m:t>∩</m:t>
+                    </m:r>
+                    <m:sSub>
+                      <m:sSubPr>
+                        <m:ctrlPr>
+                          <a:rPr lang="en-US" b="0" i="1" smtClean="0">
+                            <a:latin typeface="Cambria Math" panose="02040503050406030204" pitchFamily="18" charset="0"/>
+                          </a:rPr>
+                        </m:ctrlPr>
+                      </m:sSubPr>
+                      <m:e>
+                        <m:r>
+                          <a:rPr lang="en-US" b="0" i="1" smtClean="0">
+                            <a:latin typeface="Cambria Math" panose="02040503050406030204" pitchFamily="18" charset="0"/>
+                          </a:rPr>
+                          <m:t>𝐶</m:t>
+                        </m:r>
+                      </m:e>
+                      <m:sub>
+                        <m:r>
+                          <a:rPr lang="en-US" b="0" i="1" smtClean="0">
+                            <a:latin typeface="Cambria Math" panose="02040503050406030204" pitchFamily="18" charset="0"/>
+                          </a:rPr>
+                          <m:t>𝑅</m:t>
+                        </m:r>
+                      </m:sub>
+                    </m:sSub>
+                    <m:r>
+                      <a:rPr lang="en-US" b="0" i="1" smtClean="0">
+                        <a:latin typeface="Cambria Math" panose="02040503050406030204" pitchFamily="18" charset="0"/>
+                      </a:rPr>
+                      <m:t>|</m:t>
+                    </m:r>
+                  </m:oMath>
+                </a14:m>
+                <a:endParaRPr lang="en-US" dirty="0"/>
+              </a:p>
+              <a:p>
+                <a:r>
+                  <a:rPr lang="en-US" b="0" dirty="0"/>
+                  <a:t>	</a:t>
+                </a:r>
+                <a14:m>
+                  <m:oMath xmlns:m="http://schemas.openxmlformats.org/officeDocument/2006/math">
+                    <m:r>
+                      <a:rPr lang="en-US" b="0" i="1" smtClean="0">
+                        <a:latin typeface="Cambria Math" panose="02040503050406030204" pitchFamily="18" charset="0"/>
+                      </a:rPr>
+                      <m:t>≤</m:t>
+                    </m:r>
+                    <m:d>
+                      <m:dPr>
+                        <m:begChr m:val="|"/>
+                        <m:endChr m:val="|"/>
+                        <m:ctrlPr>
+                          <a:rPr lang="en-US" b="0" i="1" smtClean="0">
+                            <a:latin typeface="Cambria Math" panose="02040503050406030204" pitchFamily="18" charset="0"/>
+                          </a:rPr>
+                        </m:ctrlPr>
+                      </m:dPr>
+                      <m:e>
+                        <m:r>
+                          <a:rPr lang="en-US" b="0" i="1" smtClean="0">
+                            <a:latin typeface="Cambria Math" panose="02040503050406030204" pitchFamily="18" charset="0"/>
+                          </a:rPr>
+                          <m:t>𝐻</m:t>
+                        </m:r>
+                        <m:r>
+                          <a:rPr lang="en-US" b="0" i="1" smtClean="0">
+                            <a:latin typeface="Cambria Math" panose="02040503050406030204" pitchFamily="18" charset="0"/>
+                          </a:rPr>
+                          <m:t>∩</m:t>
+                        </m:r>
+                        <m:sSub>
+                          <m:sSubPr>
+                            <m:ctrlPr>
+                              <a:rPr lang="en-US" b="0" i="1" smtClean="0">
+                                <a:latin typeface="Cambria Math" panose="02040503050406030204" pitchFamily="18" charset="0"/>
+                              </a:rPr>
+                            </m:ctrlPr>
+                          </m:sSubPr>
+                          <m:e>
+                            <m:r>
+                              <a:rPr lang="en-US" b="0" i="1" smtClean="0">
+                                <a:latin typeface="Cambria Math" panose="02040503050406030204" pitchFamily="18" charset="0"/>
+                              </a:rPr>
+                              <m:t>𝐶</m:t>
+                            </m:r>
+                          </m:e>
+                          <m:sub>
+                            <m:r>
+                              <a:rPr lang="en-US" b="0" i="1" smtClean="0">
+                                <a:latin typeface="Cambria Math" panose="02040503050406030204" pitchFamily="18" charset="0"/>
+                              </a:rPr>
+                              <m:t>𝐿</m:t>
+                            </m:r>
+                          </m:sub>
+                        </m:sSub>
+                      </m:e>
+                    </m:d>
+                    <m:r>
+                      <a:rPr lang="en-US" b="0" i="1" smtClean="0">
+                        <a:latin typeface="Cambria Math" panose="02040503050406030204" pitchFamily="18" charset="0"/>
+                      </a:rPr>
+                      <m:t>+</m:t>
+                    </m:r>
+                    <m:d>
+                      <m:dPr>
+                        <m:begChr m:val="|"/>
+                        <m:endChr m:val="|"/>
+                        <m:ctrlPr>
+                          <a:rPr lang="en-US" b="0" i="1" smtClean="0">
+                            <a:latin typeface="Cambria Math" panose="02040503050406030204" pitchFamily="18" charset="0"/>
+                          </a:rPr>
+                        </m:ctrlPr>
+                      </m:dPr>
+                      <m:e>
+                        <m:r>
+                          <a:rPr lang="en-US" b="0" i="1" smtClean="0">
+                            <a:latin typeface="Cambria Math" panose="02040503050406030204" pitchFamily="18" charset="0"/>
+                          </a:rPr>
+                          <m:t>𝑆</m:t>
+                        </m:r>
+                      </m:e>
+                    </m:d>
+                    <m:r>
+                      <a:rPr lang="en-US" b="0" i="1" smtClean="0">
+                        <a:latin typeface="Cambria Math" panose="02040503050406030204" pitchFamily="18" charset="0"/>
+                      </a:rPr>
+                      <m:t>−</m:t>
+                    </m:r>
+                    <m:r>
+                      <a:rPr lang="en-US" b="0" i="1" smtClean="0">
+                        <a:latin typeface="Cambria Math" panose="02040503050406030204" pitchFamily="18" charset="0"/>
+                      </a:rPr>
+                      <m:t>𝑘</m:t>
+                    </m:r>
+                    <m:r>
+                      <a:rPr lang="en-US" b="0" i="1" smtClean="0">
+                        <a:latin typeface="Cambria Math" panose="02040503050406030204" pitchFamily="18" charset="0"/>
+                      </a:rPr>
+                      <m:t>−1+|</m:t>
+                    </m:r>
+                    <m:r>
+                      <a:rPr lang="en-US" b="0" i="1" smtClean="0">
+                        <a:latin typeface="Cambria Math" panose="02040503050406030204" pitchFamily="18" charset="0"/>
+                      </a:rPr>
+                      <m:t>𝐻</m:t>
+                    </m:r>
+                    <m:r>
+                      <a:rPr lang="en-US" b="0" i="1" smtClean="0">
+                        <a:latin typeface="Cambria Math" panose="02040503050406030204" pitchFamily="18" charset="0"/>
+                      </a:rPr>
+                      <m:t>∩</m:t>
+                    </m:r>
+                    <m:sSub>
+                      <m:sSubPr>
+                        <m:ctrlPr>
+                          <a:rPr lang="en-US" b="0" i="1" smtClean="0">
+                            <a:latin typeface="Cambria Math" panose="02040503050406030204" pitchFamily="18" charset="0"/>
+                          </a:rPr>
+                        </m:ctrlPr>
+                      </m:sSubPr>
+                      <m:e>
+                        <m:r>
+                          <a:rPr lang="en-US" b="0" i="1" smtClean="0">
+                            <a:latin typeface="Cambria Math" panose="02040503050406030204" pitchFamily="18" charset="0"/>
+                          </a:rPr>
+                          <m:t>𝐶</m:t>
+                        </m:r>
+                      </m:e>
+                      <m:sub>
+                        <m:r>
+                          <a:rPr lang="en-US" b="0" i="1" smtClean="0">
+                            <a:latin typeface="Cambria Math" panose="02040503050406030204" pitchFamily="18" charset="0"/>
+                          </a:rPr>
+                          <m:t>𝑅</m:t>
+                        </m:r>
+                      </m:sub>
+                    </m:sSub>
+                    <m:r>
+                      <a:rPr lang="en-US" b="0" i="1" smtClean="0">
+                        <a:latin typeface="Cambria Math" panose="02040503050406030204" pitchFamily="18" charset="0"/>
+                      </a:rPr>
+                      <m:t>|</m:t>
+                    </m:r>
+                  </m:oMath>
+                </a14:m>
+                <a:endParaRPr lang="en-US" dirty="0"/>
+              </a:p>
+              <a:p>
+                <a:pPr/>
+                <a:r>
+                  <a:rPr lang="en-US" b="0" dirty="0"/>
+                  <a:t>	</a:t>
+                </a:r>
+                <a14:m>
+                  <m:oMath xmlns:m="http://schemas.openxmlformats.org/officeDocument/2006/math">
+                    <m:r>
+                      <a:rPr lang="en-US" b="0" i="1" smtClean="0">
+                        <a:latin typeface="Cambria Math" panose="02040503050406030204" pitchFamily="18" charset="0"/>
+                      </a:rPr>
+                      <m:t>≤</m:t>
+                    </m:r>
+                    <m:d>
+                      <m:dPr>
+                        <m:begChr m:val="|"/>
+                        <m:endChr m:val="|"/>
+                        <m:ctrlPr>
+                          <a:rPr lang="en-US" b="0" i="1" smtClean="0">
+                            <a:latin typeface="Cambria Math" panose="02040503050406030204" pitchFamily="18" charset="0"/>
+                          </a:rPr>
+                        </m:ctrlPr>
+                      </m:dPr>
+                      <m:e>
+                        <m:r>
+                          <a:rPr lang="en-US" b="0" i="1" smtClean="0">
+                            <a:latin typeface="Cambria Math" panose="02040503050406030204" pitchFamily="18" charset="0"/>
+                          </a:rPr>
+                          <m:t>𝐻</m:t>
+                        </m:r>
+                      </m:e>
+                    </m:d>
+                    <m:r>
+                      <a:rPr lang="en-US" b="0" i="1" smtClean="0">
+                        <a:latin typeface="Cambria Math" panose="02040503050406030204" pitchFamily="18" charset="0"/>
+                      </a:rPr>
+                      <m:t>−</m:t>
+                    </m:r>
+                    <m:r>
+                      <a:rPr lang="en-US" b="0" i="1" smtClean="0">
+                        <a:latin typeface="Cambria Math" panose="02040503050406030204" pitchFamily="18" charset="0"/>
+                      </a:rPr>
+                      <m:t>𝑘</m:t>
+                    </m:r>
+                    <m:r>
+                      <a:rPr lang="en-US" b="0" i="1" smtClean="0">
+                        <a:latin typeface="Cambria Math" panose="02040503050406030204" pitchFamily="18" charset="0"/>
+                      </a:rPr>
+                      <m:t>−1</m:t>
+                    </m:r>
+                  </m:oMath>
+                </a14:m>
+                <a:endParaRPr lang="en-US" dirty="0"/>
+              </a:p>
+            </p:txBody>
+          </p:sp>
+        </mc:Choice>
+        <mc:Fallback>
+          <p:sp>
+            <p:nvSpPr>
+              <p:cNvPr id="24" name="TextBox 23">
+                <a:extLst>
+                  <a:ext uri="{FF2B5EF4-FFF2-40B4-BE49-F238E27FC236}">
+                    <a16:creationId xmlns:a16="http://schemas.microsoft.com/office/drawing/2014/main" id="{D083795C-EB21-A8D6-D7FD-6B269F25E010}"/>
+                  </a:ext>
+                </a:extLst>
+              </p:cNvPr>
+              <p:cNvSpPr txBox="1">
+                <a:spLocks noRot="1" noChangeAspect="1" noMove="1" noResize="1" noEditPoints="1" noAdjustHandles="1" noChangeArrowheads="1" noChangeShapeType="1" noTextEdit="1"/>
+              </p:cNvSpPr>
+              <p:nvPr/>
+            </p:nvSpPr>
+            <p:spPr>
+              <a:xfrm>
+                <a:off x="1719943" y="5094514"/>
+                <a:ext cx="5215659" cy="1512978"/>
+              </a:xfrm>
+              <a:prstGeom prst="rect">
+                <a:avLst/>
+              </a:prstGeom>
+              <a:blipFill>
+                <a:blip r:embed="rId4"/>
+                <a:stretch>
+                  <a:fillRect/>
+                </a:stretch>
+              </a:blipFill>
+            </p:spPr>
+            <p:txBody>
+              <a:bodyPr/>
+              <a:lstStyle/>
+              <a:p>
+                <a:r>
+                  <a:rPr lang="en-US">
+                    <a:noFill/>
+                  </a:rPr>
+                  <a:t> </a:t>
+                </a:r>
+              </a:p>
+            </p:txBody>
+          </p:sp>
+        </mc:Fallback>
+      </mc:AlternateContent>
+      <p:sp>
+        <p:nvSpPr>
+          <p:cNvPr id="25" name="TextBox 24">
+            <a:extLst>
+              <a:ext uri="{FF2B5EF4-FFF2-40B4-BE49-F238E27FC236}">
+                <a16:creationId xmlns:a16="http://schemas.microsoft.com/office/drawing/2014/main" id="{49833E7D-9E09-4439-F765-1FC89A254D97}"/>
+              </a:ext>
+            </a:extLst>
+          </p:cNvPr>
+          <p:cNvSpPr txBox="1"/>
+          <p:nvPr/>
+        </p:nvSpPr>
+        <p:spPr>
+          <a:xfrm>
+            <a:off x="4518997" y="6308209"/>
+            <a:ext cx="3154005" cy="369332"/>
+          </a:xfrm>
+          <a:prstGeom prst="rect">
+            <a:avLst/>
+          </a:prstGeom>
+          <a:noFill/>
+        </p:spPr>
+        <p:txBody>
+          <a:bodyPr wrap="none" rtlCol="0">
+            <a:spAutoFit/>
+          </a:bodyPr>
+          <a:lstStyle/>
+          <a:p>
+            <a:r>
+              <a:rPr lang="en-US" dirty="0">
+                <a:solidFill>
+                  <a:srgbClr val="C00000"/>
+                </a:solidFill>
+              </a:rPr>
+              <a:t>Violates k-plex requirements!!</a:t>
+            </a:r>
+          </a:p>
+        </p:txBody>
+      </p:sp>
+    </p:spTree>
+    <p:extLst>
+      <p:ext uri="{BB962C8B-B14F-4D97-AF65-F5344CB8AC3E}">
+        <p14:creationId xmlns:p14="http://schemas.microsoft.com/office/powerpoint/2010/main" val="945330553"/>
+      </p:ext>
+    </p:extLst>
+  </p:cSld>
+  <p:clrMapOvr>
+    <a:masterClrMapping/>
+  </p:clrMapOvr>
+</p:sld>
+</file>
+
+<file path=ppt/slides/slide21.xml><?xml version="1.0" encoding="utf-8"?>
+<p:sld xmlns:a="http://schemas.openxmlformats.org/drawingml/2006/main" xmlns:r="http://schemas.openxmlformats.org/officeDocument/2006/relationships" xmlns:p="http://schemas.openxmlformats.org/presentationml/2006/main">
+  <p:cSld>
+    <p:spTree>
+      <p:nvGrpSpPr>
+        <p:cNvPr id="1" name=""/>
+        <p:cNvGrpSpPr/>
+        <p:nvPr/>
+      </p:nvGrpSpPr>
+      <p:grpSpPr>
+        <a:xfrm>
+          <a:off x="0" y="0"/>
+          <a:ext cx="0" cy="0"/>
+          <a:chOff x="0" y="0"/>
+          <a:chExt cx="0" cy="0"/>
+        </a:xfrm>
+      </p:grpSpPr>
+      <p:sp>
+        <p:nvSpPr>
+          <p:cNvPr id="2" name="Title 1">
+            <a:extLst>
+              <a:ext uri="{FF2B5EF4-FFF2-40B4-BE49-F238E27FC236}">
+                <a16:creationId xmlns:a16="http://schemas.microsoft.com/office/drawing/2014/main" id="{FCA0E995-12D4-CC17-FD6A-47A4A6005EE9}"/>
+              </a:ext>
+            </a:extLst>
+          </p:cNvPr>
+          <p:cNvSpPr>
+            <a:spLocks noGrp="1"/>
+          </p:cNvSpPr>
+          <p:nvPr>
+            <p:ph type="title"/>
+          </p:nvPr>
+        </p:nvSpPr>
+        <p:spPr/>
+        <p:txBody>
+          <a:bodyPr/>
+          <a:lstStyle/>
+          <a:p>
+            <a:r>
+              <a:rPr lang="en-US" dirty="0"/>
+              <a:t>Proof</a:t>
+            </a:r>
+          </a:p>
+        </p:txBody>
+      </p:sp>
+      <p:pic>
+        <p:nvPicPr>
+          <p:cNvPr id="5" name="Content Placeholder 4" descr="A black text on a white background&#10;&#10;AI-generated content may be incorrect.">
+            <a:extLst>
+              <a:ext uri="{FF2B5EF4-FFF2-40B4-BE49-F238E27FC236}">
+                <a16:creationId xmlns:a16="http://schemas.microsoft.com/office/drawing/2014/main" id="{E253357F-AD2B-4524-E743-227D6F00123C}"/>
+              </a:ext>
+            </a:extLst>
+          </p:cNvPr>
+          <p:cNvPicPr>
+            <a:picLocks noGrp="1" noChangeAspect="1"/>
+          </p:cNvPicPr>
+          <p:nvPr>
+            <p:ph idx="1"/>
+          </p:nvPr>
+        </p:nvPicPr>
+        <p:blipFill>
+          <a:blip r:embed="rId2"/>
+          <a:stretch>
+            <a:fillRect/>
+          </a:stretch>
+        </p:blipFill>
+        <p:spPr>
+          <a:xfrm>
+            <a:off x="6716485" y="1361508"/>
+            <a:ext cx="4727121" cy="1627009"/>
+          </a:xfrm>
+        </p:spPr>
+      </p:pic>
+      <p:sp>
+        <p:nvSpPr>
+          <p:cNvPr id="6" name="Rectangle 5">
+            <a:extLst>
+              <a:ext uri="{FF2B5EF4-FFF2-40B4-BE49-F238E27FC236}">
+                <a16:creationId xmlns:a16="http://schemas.microsoft.com/office/drawing/2014/main" id="{E06A7FCB-65ED-3B05-94F9-63D960DC553D}"/>
+              </a:ext>
+            </a:extLst>
+          </p:cNvPr>
+          <p:cNvSpPr/>
+          <p:nvPr/>
+        </p:nvSpPr>
+        <p:spPr>
+          <a:xfrm>
+            <a:off x="2613697" y="3039166"/>
+            <a:ext cx="4382814" cy="830318"/>
+          </a:xfrm>
+          <a:prstGeom prst="rect">
+            <a:avLst/>
+          </a:prstGeom>
+        </p:spPr>
+        <p:style>
+          <a:lnRef idx="2">
+            <a:schemeClr val="dk1"/>
+          </a:lnRef>
+          <a:fillRef idx="1">
+            <a:schemeClr val="lt1"/>
+          </a:fillRef>
+          <a:effectRef idx="0">
+            <a:schemeClr val="dk1"/>
+          </a:effectRef>
+          <a:fontRef idx="minor">
+            <a:schemeClr val="dk1"/>
+          </a:fontRef>
+        </p:style>
+        <p:txBody>
+          <a:bodyPr rtlCol="0" anchor="ctr"/>
+          <a:lstStyle/>
+          <a:p>
+            <a:pPr algn="ctr"/>
+            <a:endParaRPr lang="en-US" dirty="0"/>
+          </a:p>
+        </p:txBody>
+      </p:sp>
+      <p:sp>
+        <p:nvSpPr>
+          <p:cNvPr id="7" name="Rectangle 6">
+            <a:extLst>
+              <a:ext uri="{FF2B5EF4-FFF2-40B4-BE49-F238E27FC236}">
+                <a16:creationId xmlns:a16="http://schemas.microsoft.com/office/drawing/2014/main" id="{FC51B259-936E-D608-CCE3-539669250845}"/>
+              </a:ext>
+            </a:extLst>
+          </p:cNvPr>
+          <p:cNvSpPr/>
+          <p:nvPr/>
+        </p:nvSpPr>
+        <p:spPr>
+          <a:xfrm>
+            <a:off x="968828" y="3039166"/>
+            <a:ext cx="1534510" cy="830318"/>
+          </a:xfrm>
+          <a:prstGeom prst="rect">
+            <a:avLst/>
+          </a:prstGeom>
+        </p:spPr>
+        <p:style>
+          <a:lnRef idx="2">
+            <a:schemeClr val="dk1"/>
+          </a:lnRef>
+          <a:fillRef idx="1">
+            <a:schemeClr val="lt1"/>
+          </a:fillRef>
+          <a:effectRef idx="0">
+            <a:schemeClr val="dk1"/>
+          </a:effectRef>
+          <a:fontRef idx="minor">
+            <a:schemeClr val="dk1"/>
+          </a:fontRef>
+        </p:style>
+        <p:txBody>
+          <a:bodyPr rtlCol="0" anchor="ctr"/>
+          <a:lstStyle/>
+          <a:p>
+            <a:pPr algn="ctr"/>
+            <a:r>
+              <a:rPr lang="en-US" dirty="0"/>
+              <a:t>S</a:t>
+            </a:r>
+          </a:p>
+        </p:txBody>
+      </p:sp>
+      <p:sp>
+        <p:nvSpPr>
+          <p:cNvPr id="8" name="TextBox 7">
+            <a:extLst>
+              <a:ext uri="{FF2B5EF4-FFF2-40B4-BE49-F238E27FC236}">
+                <a16:creationId xmlns:a16="http://schemas.microsoft.com/office/drawing/2014/main" id="{B9DB109D-62AE-0314-9274-E822DF65CDA6}"/>
+              </a:ext>
+            </a:extLst>
+          </p:cNvPr>
+          <p:cNvSpPr txBox="1"/>
+          <p:nvPr/>
+        </p:nvSpPr>
+        <p:spPr>
+          <a:xfrm>
+            <a:off x="4353159" y="2690849"/>
+            <a:ext cx="903890" cy="369332"/>
+          </a:xfrm>
+          <a:prstGeom prst="rect">
+            <a:avLst/>
+          </a:prstGeom>
+          <a:noFill/>
+        </p:spPr>
+        <p:txBody>
+          <a:bodyPr wrap="square">
+            <a:spAutoFit/>
+          </a:bodyPr>
+          <a:lstStyle/>
+          <a:p>
+            <a:pPr algn="ctr"/>
+            <a:r>
+              <a:rPr lang="en-US" dirty="0"/>
+              <a:t>C</a:t>
+            </a:r>
+          </a:p>
+        </p:txBody>
+      </p:sp>
+      <p:sp>
+        <p:nvSpPr>
+          <p:cNvPr id="9" name="Rectangle 8">
+            <a:extLst>
+              <a:ext uri="{FF2B5EF4-FFF2-40B4-BE49-F238E27FC236}">
+                <a16:creationId xmlns:a16="http://schemas.microsoft.com/office/drawing/2014/main" id="{B69AABB1-B006-0112-5D42-0AA0C1407E00}"/>
+              </a:ext>
+            </a:extLst>
+          </p:cNvPr>
+          <p:cNvSpPr/>
+          <p:nvPr/>
+        </p:nvSpPr>
+        <p:spPr>
+          <a:xfrm>
+            <a:off x="2621580" y="3037688"/>
+            <a:ext cx="1907628" cy="830318"/>
+          </a:xfrm>
+          <a:prstGeom prst="rect">
+            <a:avLst/>
+          </a:prstGeom>
+        </p:spPr>
+        <p:style>
+          <a:lnRef idx="2">
+            <a:schemeClr val="dk1"/>
+          </a:lnRef>
+          <a:fillRef idx="1">
+            <a:schemeClr val="lt1"/>
+          </a:fillRef>
+          <a:effectRef idx="0">
+            <a:schemeClr val="dk1"/>
+          </a:effectRef>
+          <a:fontRef idx="minor">
+            <a:schemeClr val="dk1"/>
+          </a:fontRef>
+        </p:style>
+        <p:txBody>
+          <a:bodyPr rtlCol="0" anchor="ctr"/>
+          <a:lstStyle/>
+          <a:p>
+            <a:pPr algn="ctr"/>
+            <a:r>
+              <a:rPr lang="en-US" dirty="0"/>
+              <a:t>C</a:t>
+            </a:r>
+            <a:r>
+              <a:rPr lang="en-US" baseline="-25000" dirty="0"/>
+              <a:t>L</a:t>
+            </a:r>
+          </a:p>
+        </p:txBody>
+      </p:sp>
+      <p:sp>
+        <p:nvSpPr>
+          <p:cNvPr id="10" name="TextBox 9">
+            <a:extLst>
+              <a:ext uri="{FF2B5EF4-FFF2-40B4-BE49-F238E27FC236}">
+                <a16:creationId xmlns:a16="http://schemas.microsoft.com/office/drawing/2014/main" id="{34558700-5932-80BD-52FE-EBCDC3F07C4D}"/>
+              </a:ext>
+            </a:extLst>
+          </p:cNvPr>
+          <p:cNvSpPr txBox="1"/>
+          <p:nvPr/>
+        </p:nvSpPr>
+        <p:spPr>
+          <a:xfrm>
+            <a:off x="5354217" y="3268181"/>
+            <a:ext cx="914400" cy="369332"/>
+          </a:xfrm>
+          <a:prstGeom prst="rect">
+            <a:avLst/>
+          </a:prstGeom>
+          <a:noFill/>
+        </p:spPr>
+        <p:txBody>
+          <a:bodyPr wrap="square">
+            <a:spAutoFit/>
+          </a:bodyPr>
+          <a:lstStyle/>
+          <a:p>
+            <a:pPr algn="ctr"/>
+            <a:r>
+              <a:rPr lang="en-US" dirty="0"/>
+              <a:t>C</a:t>
+            </a:r>
+            <a:r>
+              <a:rPr lang="en-US" baseline="-25000" dirty="0"/>
+              <a:t>R</a:t>
+            </a:r>
+          </a:p>
+        </p:txBody>
+      </p:sp>
+      <p:sp>
+        <p:nvSpPr>
+          <p:cNvPr id="12" name="TextBox 11">
+            <a:extLst>
+              <a:ext uri="{FF2B5EF4-FFF2-40B4-BE49-F238E27FC236}">
+                <a16:creationId xmlns:a16="http://schemas.microsoft.com/office/drawing/2014/main" id="{FC55D380-718B-44AF-836C-1541C252D088}"/>
+              </a:ext>
+            </a:extLst>
+          </p:cNvPr>
+          <p:cNvSpPr txBox="1"/>
+          <p:nvPr/>
+        </p:nvSpPr>
+        <p:spPr>
+          <a:xfrm>
+            <a:off x="3526971" y="4060371"/>
+            <a:ext cx="558166" cy="369332"/>
+          </a:xfrm>
+          <a:prstGeom prst="rect">
+            <a:avLst/>
+          </a:prstGeom>
+          <a:noFill/>
+        </p:spPr>
+        <p:txBody>
+          <a:bodyPr wrap="none" rtlCol="0">
+            <a:spAutoFit/>
+          </a:bodyPr>
+          <a:lstStyle/>
+          <a:p>
+            <a:r>
+              <a:rPr lang="en-US" dirty="0"/>
+              <a:t>UB</a:t>
+            </a:r>
+            <a:r>
+              <a:rPr lang="en-US" baseline="-25000" dirty="0"/>
+              <a:t>L</a:t>
+            </a:r>
+          </a:p>
+        </p:txBody>
+      </p:sp>
+      <p:sp>
+        <p:nvSpPr>
+          <p:cNvPr id="13" name="TextBox 12">
+            <a:extLst>
+              <a:ext uri="{FF2B5EF4-FFF2-40B4-BE49-F238E27FC236}">
+                <a16:creationId xmlns:a16="http://schemas.microsoft.com/office/drawing/2014/main" id="{0F754D8B-C9E0-9EBB-F0C1-DD6DE03D25A4}"/>
+              </a:ext>
+            </a:extLst>
+          </p:cNvPr>
+          <p:cNvSpPr txBox="1"/>
+          <p:nvPr/>
+        </p:nvSpPr>
+        <p:spPr>
+          <a:xfrm>
+            <a:off x="5551714" y="4060371"/>
+            <a:ext cx="574196" cy="369332"/>
+          </a:xfrm>
+          <a:prstGeom prst="rect">
+            <a:avLst/>
+          </a:prstGeom>
+          <a:noFill/>
+        </p:spPr>
+        <p:txBody>
+          <a:bodyPr wrap="none" rtlCol="0">
+            <a:spAutoFit/>
+          </a:bodyPr>
+          <a:lstStyle/>
+          <a:p>
+            <a:r>
+              <a:rPr lang="en-US" dirty="0"/>
+              <a:t>UB</a:t>
+            </a:r>
+            <a:r>
+              <a:rPr lang="en-US" baseline="-25000" dirty="0"/>
+              <a:t>R</a:t>
+            </a:r>
+          </a:p>
+        </p:txBody>
+      </p:sp>
+      <p:sp>
+        <p:nvSpPr>
+          <p:cNvPr id="14" name="TextBox 13">
+            <a:extLst>
+              <a:ext uri="{FF2B5EF4-FFF2-40B4-BE49-F238E27FC236}">
+                <a16:creationId xmlns:a16="http://schemas.microsoft.com/office/drawing/2014/main" id="{4578A2A2-1C46-34A4-663F-AC60EF499D5E}"/>
+              </a:ext>
+            </a:extLst>
+          </p:cNvPr>
+          <p:cNvSpPr txBox="1"/>
+          <p:nvPr/>
+        </p:nvSpPr>
+        <p:spPr>
+          <a:xfrm>
+            <a:off x="1736083" y="4060371"/>
+            <a:ext cx="439544" cy="369332"/>
+          </a:xfrm>
+          <a:prstGeom prst="rect">
+            <a:avLst/>
+          </a:prstGeom>
+          <a:noFill/>
+        </p:spPr>
+        <p:txBody>
+          <a:bodyPr wrap="none" rtlCol="0">
+            <a:spAutoFit/>
+          </a:bodyPr>
+          <a:lstStyle/>
+          <a:p>
+            <a:r>
+              <a:rPr lang="en-US" dirty="0"/>
+              <a:t>|S|</a:t>
+            </a:r>
+          </a:p>
+        </p:txBody>
+      </p:sp>
+      <p:sp>
+        <p:nvSpPr>
+          <p:cNvPr id="15" name="TextBox 14">
+            <a:extLst>
+              <a:ext uri="{FF2B5EF4-FFF2-40B4-BE49-F238E27FC236}">
+                <a16:creationId xmlns:a16="http://schemas.microsoft.com/office/drawing/2014/main" id="{65D3FEBA-5752-402E-2FFE-E4DDA464264C}"/>
+              </a:ext>
+            </a:extLst>
+          </p:cNvPr>
+          <p:cNvSpPr txBox="1"/>
+          <p:nvPr/>
+        </p:nvSpPr>
+        <p:spPr>
+          <a:xfrm>
+            <a:off x="2819399" y="4071257"/>
+            <a:ext cx="308098" cy="369332"/>
+          </a:xfrm>
+          <a:prstGeom prst="rect">
+            <a:avLst/>
+          </a:prstGeom>
+          <a:noFill/>
+        </p:spPr>
+        <p:txBody>
+          <a:bodyPr wrap="none" rtlCol="0">
+            <a:spAutoFit/>
+          </a:bodyPr>
+          <a:lstStyle/>
+          <a:p>
+            <a:r>
+              <a:rPr lang="en-US" dirty="0"/>
+              <a:t>+</a:t>
+            </a:r>
+          </a:p>
+        </p:txBody>
+      </p:sp>
+      <p:sp>
+        <p:nvSpPr>
+          <p:cNvPr id="16" name="TextBox 15">
+            <a:extLst>
+              <a:ext uri="{FF2B5EF4-FFF2-40B4-BE49-F238E27FC236}">
+                <a16:creationId xmlns:a16="http://schemas.microsoft.com/office/drawing/2014/main" id="{6341CE0D-B359-7529-A961-E233C7ACD37E}"/>
+              </a:ext>
+            </a:extLst>
+          </p:cNvPr>
+          <p:cNvSpPr txBox="1"/>
+          <p:nvPr/>
+        </p:nvSpPr>
+        <p:spPr>
+          <a:xfrm>
+            <a:off x="4907056" y="4071257"/>
+            <a:ext cx="308098" cy="369332"/>
+          </a:xfrm>
+          <a:prstGeom prst="rect">
+            <a:avLst/>
+          </a:prstGeom>
+          <a:noFill/>
+        </p:spPr>
+        <p:txBody>
+          <a:bodyPr wrap="none" rtlCol="0">
+            <a:spAutoFit/>
+          </a:bodyPr>
+          <a:lstStyle/>
+          <a:p>
+            <a:r>
+              <a:rPr lang="en-US" dirty="0"/>
+              <a:t>+</a:t>
+            </a:r>
+          </a:p>
+        </p:txBody>
+      </p:sp>
+      <p:sp>
+        <p:nvSpPr>
+          <p:cNvPr id="17" name="TextBox 16">
+            <a:extLst>
+              <a:ext uri="{FF2B5EF4-FFF2-40B4-BE49-F238E27FC236}">
+                <a16:creationId xmlns:a16="http://schemas.microsoft.com/office/drawing/2014/main" id="{2B1AE972-A0E8-903F-2313-B0F640109488}"/>
+              </a:ext>
+            </a:extLst>
+          </p:cNvPr>
+          <p:cNvSpPr txBox="1"/>
+          <p:nvPr/>
+        </p:nvSpPr>
+        <p:spPr>
+          <a:xfrm>
+            <a:off x="6287141" y="4071257"/>
+            <a:ext cx="962123" cy="369332"/>
+          </a:xfrm>
+          <a:prstGeom prst="rect">
+            <a:avLst/>
+          </a:prstGeom>
+          <a:noFill/>
+        </p:spPr>
+        <p:txBody>
+          <a:bodyPr wrap="none" rtlCol="0">
+            <a:spAutoFit/>
+          </a:bodyPr>
+          <a:lstStyle/>
+          <a:p>
+            <a:r>
+              <a:rPr lang="en-US" dirty="0"/>
+              <a:t>= |S*|+1</a:t>
+            </a:r>
+          </a:p>
+        </p:txBody>
+      </p:sp>
+      <p:sp>
+        <p:nvSpPr>
+          <p:cNvPr id="19" name="TextBox 18">
+            <a:extLst>
+              <a:ext uri="{FF2B5EF4-FFF2-40B4-BE49-F238E27FC236}">
+                <a16:creationId xmlns:a16="http://schemas.microsoft.com/office/drawing/2014/main" id="{A2F62A7A-A401-8819-6348-1AAE4A03E41C}"/>
+              </a:ext>
+            </a:extLst>
+          </p:cNvPr>
+          <p:cNvSpPr txBox="1"/>
+          <p:nvPr/>
+        </p:nvSpPr>
+        <p:spPr>
+          <a:xfrm>
+            <a:off x="3575393" y="4845674"/>
+            <a:ext cx="4727121" cy="646331"/>
+          </a:xfrm>
+          <a:prstGeom prst="rect">
+            <a:avLst/>
+          </a:prstGeom>
+          <a:noFill/>
+        </p:spPr>
+        <p:txBody>
+          <a:bodyPr wrap="square" rtlCol="0">
+            <a:spAutoFit/>
+          </a:bodyPr>
+          <a:lstStyle/>
+          <a:p>
+            <a:r>
+              <a:rPr lang="en-US" dirty="0"/>
+              <a:t>|C</a:t>
+            </a:r>
+            <a:r>
+              <a:rPr lang="en-US" baseline="-25000" dirty="0"/>
+              <a:t>L</a:t>
+            </a:r>
+            <a:r>
+              <a:rPr lang="en-US" dirty="0"/>
+              <a:t>|=UB</a:t>
+            </a:r>
+            <a:r>
+              <a:rPr lang="en-US" baseline="-25000" dirty="0"/>
+              <a:t>L </a:t>
+            </a:r>
+            <a:r>
+              <a:rPr lang="en-US" dirty="0"/>
+              <a:t>implies all of C</a:t>
+            </a:r>
+            <a:r>
+              <a:rPr lang="en-US" baseline="-25000" dirty="0"/>
+              <a:t>L</a:t>
+            </a:r>
+            <a:r>
+              <a:rPr lang="en-US" dirty="0"/>
+              <a:t> should be part of H, otherwise H can’t be larger than </a:t>
+            </a:r>
+            <a:r>
+              <a:rPr lang="en-US"/>
+              <a:t>S*. </a:t>
+            </a:r>
+            <a:endParaRPr lang="en-US" baseline="-25000" dirty="0"/>
+          </a:p>
+        </p:txBody>
+      </p:sp>
+    </p:spTree>
+    <p:extLst>
+      <p:ext uri="{BB962C8B-B14F-4D97-AF65-F5344CB8AC3E}">
+        <p14:creationId xmlns:p14="http://schemas.microsoft.com/office/powerpoint/2010/main" val="2665012711"/>
+      </p:ext>
+    </p:extLst>
+  </p:cSld>
+  <p:clrMapOvr>
+    <a:masterClrMapping/>
+  </p:clrMapOvr>
+</p:sld>
+</file>
+
+<file path=ppt/slides/slide22.xml><?xml version="1.0" encoding="utf-8"?>
+<p:sld xmlns:a="http://schemas.openxmlformats.org/drawingml/2006/main" xmlns:r="http://schemas.openxmlformats.org/officeDocument/2006/relationships" xmlns:p="http://schemas.openxmlformats.org/presentationml/2006/main">
+  <p:cSld>
+    <p:spTree>
+      <p:nvGrpSpPr>
+        <p:cNvPr id="1" name=""/>
+        <p:cNvGrpSpPr/>
+        <p:nvPr/>
+      </p:nvGrpSpPr>
+      <p:grpSpPr>
+        <a:xfrm>
+          <a:off x="0" y="0"/>
+          <a:ext cx="0" cy="0"/>
+          <a:chOff x="0" y="0"/>
+          <a:chExt cx="0" cy="0"/>
+        </a:xfrm>
+      </p:grpSpPr>
+      <p:pic>
+        <p:nvPicPr>
+          <p:cNvPr id="5" name="Picture 4">
+            <a:extLst>
+              <a:ext uri="{FF2B5EF4-FFF2-40B4-BE49-F238E27FC236}">
+                <a16:creationId xmlns:a16="http://schemas.microsoft.com/office/drawing/2014/main" id="{D11AC494-5ECC-FF5E-CB4F-F2567A5A5259}"/>
+              </a:ext>
+            </a:extLst>
+          </p:cNvPr>
+          <p:cNvPicPr>
+            <a:picLocks noChangeAspect="1"/>
+          </p:cNvPicPr>
+          <p:nvPr/>
+        </p:nvPicPr>
+        <p:blipFill>
+          <a:blip r:embed="rId2"/>
+          <a:stretch>
+            <a:fillRect/>
+          </a:stretch>
+        </p:blipFill>
+        <p:spPr>
+          <a:xfrm>
+            <a:off x="838200" y="1959428"/>
+            <a:ext cx="7607300" cy="4279900"/>
+          </a:xfrm>
+          <a:prstGeom prst="rect">
+            <a:avLst/>
+          </a:prstGeom>
+        </p:spPr>
+      </p:pic>
+      <p:sp>
+        <p:nvSpPr>
+          <p:cNvPr id="6" name="TextBox 5">
+            <a:extLst>
+              <a:ext uri="{FF2B5EF4-FFF2-40B4-BE49-F238E27FC236}">
+                <a16:creationId xmlns:a16="http://schemas.microsoft.com/office/drawing/2014/main" id="{3E287B2A-D340-F34E-208D-C9219A7144B9}"/>
+              </a:ext>
+            </a:extLst>
+          </p:cNvPr>
+          <p:cNvSpPr txBox="1"/>
+          <p:nvPr/>
+        </p:nvSpPr>
+        <p:spPr>
+          <a:xfrm>
+            <a:off x="8643257" y="2460171"/>
+            <a:ext cx="3439886" cy="1477328"/>
+          </a:xfrm>
+          <a:prstGeom prst="rect">
+            <a:avLst/>
+          </a:prstGeom>
+          <a:noFill/>
+        </p:spPr>
+        <p:txBody>
+          <a:bodyPr wrap="square" rtlCol="0">
+            <a:spAutoFit/>
+          </a:bodyPr>
+          <a:lstStyle/>
+          <a:p>
+            <a:r>
+              <a:rPr lang="en-US" b="1" dirty="0" err="1"/>
+              <a:t>inc</a:t>
+            </a:r>
+            <a:r>
+              <a:rPr lang="en-US" b="1" dirty="0"/>
+              <a:t>: </a:t>
+            </a:r>
+            <a:r>
+              <a:rPr lang="en-US" dirty="0"/>
+              <a:t>increase in size in </a:t>
+            </a:r>
+            <a:r>
+              <a:rPr lang="en-US" dirty="0" err="1"/>
+              <a:t>bnb</a:t>
+            </a:r>
+            <a:endParaRPr lang="en-US" dirty="0"/>
+          </a:p>
+          <a:p>
+            <a:r>
+              <a:rPr lang="en-US" b="1" dirty="0"/>
+              <a:t>validation: </a:t>
+            </a:r>
+            <a:r>
+              <a:rPr lang="en-US" dirty="0"/>
+              <a:t>percentage of time spent in bn to make sure an even larger </a:t>
+            </a:r>
+            <a:r>
+              <a:rPr lang="en-US" dirty="0" err="1"/>
+              <a:t>kplex</a:t>
+            </a:r>
+            <a:r>
+              <a:rPr lang="en-US" dirty="0"/>
+              <a:t> is not found after finding </a:t>
+            </a:r>
+            <a:r>
+              <a:rPr lang="en-US" dirty="0" err="1"/>
+              <a:t>MkP</a:t>
+            </a:r>
+            <a:r>
+              <a:rPr lang="en-US" dirty="0"/>
+              <a:t> </a:t>
+            </a:r>
+          </a:p>
+        </p:txBody>
+      </p:sp>
+      <p:sp>
+        <p:nvSpPr>
+          <p:cNvPr id="7" name="TextBox 6">
+            <a:extLst>
+              <a:ext uri="{FF2B5EF4-FFF2-40B4-BE49-F238E27FC236}">
+                <a16:creationId xmlns:a16="http://schemas.microsoft.com/office/drawing/2014/main" id="{C557B87C-4223-8C4F-B1A2-3102BD452973}"/>
+              </a:ext>
+            </a:extLst>
+          </p:cNvPr>
+          <p:cNvSpPr txBox="1"/>
+          <p:nvPr/>
+        </p:nvSpPr>
+        <p:spPr>
+          <a:xfrm>
+            <a:off x="3015343" y="1640392"/>
+            <a:ext cx="543739" cy="369332"/>
+          </a:xfrm>
+          <a:prstGeom prst="rect">
+            <a:avLst/>
+          </a:prstGeom>
+          <a:noFill/>
+        </p:spPr>
+        <p:txBody>
+          <a:bodyPr wrap="none" rtlCol="0">
+            <a:spAutoFit/>
+          </a:bodyPr>
+          <a:lstStyle/>
+          <a:p>
+            <a:r>
+              <a:rPr lang="en-US" dirty="0"/>
+              <a:t>k=2</a:t>
+            </a:r>
+          </a:p>
+        </p:txBody>
+      </p:sp>
+      <p:sp>
+        <p:nvSpPr>
+          <p:cNvPr id="8" name="TextBox 7">
+            <a:extLst>
+              <a:ext uri="{FF2B5EF4-FFF2-40B4-BE49-F238E27FC236}">
+                <a16:creationId xmlns:a16="http://schemas.microsoft.com/office/drawing/2014/main" id="{D9AADF32-44F9-7C73-A086-E0F1E6D84957}"/>
+              </a:ext>
+            </a:extLst>
+          </p:cNvPr>
+          <p:cNvSpPr txBox="1"/>
+          <p:nvPr/>
+        </p:nvSpPr>
+        <p:spPr>
+          <a:xfrm>
+            <a:off x="4369980" y="1658812"/>
+            <a:ext cx="543739" cy="369332"/>
+          </a:xfrm>
+          <a:prstGeom prst="rect">
+            <a:avLst/>
+          </a:prstGeom>
+          <a:noFill/>
+        </p:spPr>
+        <p:txBody>
+          <a:bodyPr wrap="none" rtlCol="0">
+            <a:spAutoFit/>
+          </a:bodyPr>
+          <a:lstStyle/>
+          <a:p>
+            <a:r>
+              <a:rPr lang="en-US" dirty="0"/>
+              <a:t>k=3</a:t>
+            </a:r>
+          </a:p>
+        </p:txBody>
+      </p:sp>
+      <p:sp>
+        <p:nvSpPr>
+          <p:cNvPr id="10" name="TextBox 9">
+            <a:extLst>
+              <a:ext uri="{FF2B5EF4-FFF2-40B4-BE49-F238E27FC236}">
+                <a16:creationId xmlns:a16="http://schemas.microsoft.com/office/drawing/2014/main" id="{208CFCBE-6682-0E32-88BF-F45892B26122}"/>
+              </a:ext>
+            </a:extLst>
+          </p:cNvPr>
+          <p:cNvSpPr txBox="1"/>
+          <p:nvPr/>
+        </p:nvSpPr>
+        <p:spPr>
+          <a:xfrm>
+            <a:off x="5824130" y="1644575"/>
+            <a:ext cx="543739" cy="369332"/>
+          </a:xfrm>
+          <a:prstGeom prst="rect">
+            <a:avLst/>
+          </a:prstGeom>
+          <a:noFill/>
+        </p:spPr>
+        <p:txBody>
+          <a:bodyPr wrap="none" rtlCol="0">
+            <a:spAutoFit/>
+          </a:bodyPr>
+          <a:lstStyle/>
+          <a:p>
+            <a:r>
+              <a:rPr lang="en-US" dirty="0"/>
+              <a:t>k=4</a:t>
+            </a:r>
+          </a:p>
+        </p:txBody>
+      </p:sp>
+      <p:sp>
+        <p:nvSpPr>
+          <p:cNvPr id="11" name="TextBox 10">
+            <a:extLst>
+              <a:ext uri="{FF2B5EF4-FFF2-40B4-BE49-F238E27FC236}">
+                <a16:creationId xmlns:a16="http://schemas.microsoft.com/office/drawing/2014/main" id="{DC970D45-457A-D40A-461E-1F987C992334}"/>
+              </a:ext>
+            </a:extLst>
+          </p:cNvPr>
+          <p:cNvSpPr txBox="1"/>
+          <p:nvPr/>
+        </p:nvSpPr>
+        <p:spPr>
+          <a:xfrm>
+            <a:off x="7278280" y="1630338"/>
+            <a:ext cx="543739" cy="369332"/>
+          </a:xfrm>
+          <a:prstGeom prst="rect">
+            <a:avLst/>
+          </a:prstGeom>
+          <a:noFill/>
+        </p:spPr>
+        <p:txBody>
+          <a:bodyPr wrap="none" rtlCol="0">
+            <a:spAutoFit/>
+          </a:bodyPr>
+          <a:lstStyle/>
+          <a:p>
+            <a:r>
+              <a:rPr lang="en-US" dirty="0"/>
+              <a:t>k=5</a:t>
+            </a:r>
+          </a:p>
+        </p:txBody>
+      </p:sp>
+    </p:spTree>
+    <p:extLst>
+      <p:ext uri="{BB962C8B-B14F-4D97-AF65-F5344CB8AC3E}">
+        <p14:creationId xmlns:p14="http://schemas.microsoft.com/office/powerpoint/2010/main" val="4043254950"/>
+      </p:ext>
+    </p:extLst>
+  </p:cSld>
+  <p:clrMapOvr>
+    <a:masterClrMapping/>
+  </p:clrMapOvr>
+</p:sld>
+</file>
+
 <file path=ppt/slides/slide3.xml><?xml version="1.0" encoding="utf-8"?>
 <p:sld xmlns:a="http://schemas.openxmlformats.org/drawingml/2006/main" xmlns:r="http://schemas.openxmlformats.org/officeDocument/2006/relationships" xmlns:p="http://schemas.openxmlformats.org/presentationml/2006/main">
   <p:cSld>
@@ -6410,7 +8928,7 @@
         <p:spPr>
           <a:xfrm>
             <a:off x="3515710" y="5424815"/>
-            <a:ext cx="4293932" cy="646331"/>
+            <a:ext cx="4017895" cy="646331"/>
           </a:xfrm>
           <a:prstGeom prst="rect">
             <a:avLst/>
@@ -6425,21 +8943,7 @@
           <a:p>
             <a:r>
               <a:rPr lang="en-US" dirty="0"/>
-              <a:t>An imaginary k-plex to be found from S</a:t>
-            </a:r>
-            <a:r>
-              <a:rPr lang="en-US" b="0" i="0" u="none" strike="noStrike" dirty="0">
-                <a:solidFill>
-                  <a:srgbClr val="1F1F1F"/>
-                </a:solidFill>
-                <a:effectLst/>
-                <a:latin typeface="Google Sans"/>
-              </a:rPr>
-              <a:t>∪</a:t>
-            </a:r>
-            <a:r>
-              <a:rPr lang="en-US" dirty="0"/>
-              <a:t>C</a:t>
+              <a:t>An imaginary k-plex to be found</a:t>
             </a:r>
           </a:p>
           <a:p>
@@ -6454,6 +8958,125 @@
           </a:p>
         </p:txBody>
       </p:sp>
+      <mc:AlternateContent xmlns:mc="http://schemas.openxmlformats.org/markup-compatibility/2006">
+        <mc:Choice xmlns:a14="http://schemas.microsoft.com/office/drawing/2010/main" Requires="a14">
+          <p:sp>
+            <p:nvSpPr>
+              <p:cNvPr id="31" name="TextBox 30">
+                <a:extLst>
+                  <a:ext uri="{FF2B5EF4-FFF2-40B4-BE49-F238E27FC236}">
+                    <a16:creationId xmlns:a16="http://schemas.microsoft.com/office/drawing/2014/main" id="{F93AECC0-7FCD-D3B1-2F56-FC966167ACD3}"/>
+                  </a:ext>
+                </a:extLst>
+              </p:cNvPr>
+              <p:cNvSpPr txBox="1"/>
+              <p:nvPr/>
+            </p:nvSpPr>
+            <p:spPr>
+              <a:xfrm>
+                <a:off x="4855916" y="3536668"/>
+                <a:ext cx="728213" cy="246221"/>
+              </a:xfrm>
+              <a:prstGeom prst="rect">
+                <a:avLst/>
+              </a:prstGeom>
+              <a:noFill/>
+            </p:spPr>
+            <p:txBody>
+              <a:bodyPr wrap="none" lIns="0" tIns="0" rIns="0" bIns="0" rtlCol="0">
+                <a:spAutoFit/>
+              </a:bodyPr>
+              <a:lstStyle/>
+              <a:p>
+                <a14:m>
+                  <m:oMathPara xmlns:m="http://schemas.openxmlformats.org/officeDocument/2006/math">
+                    <m:oMathParaPr>
+                      <m:jc m:val="centerGroup"/>
+                    </m:oMathParaPr>
+                    <m:oMath xmlns:m="http://schemas.openxmlformats.org/officeDocument/2006/math">
+                      <m:r>
+                        <a:rPr lang="en-US" sz="1600" b="0" i="1" smtClean="0">
+                          <a:latin typeface="Cambria Math" panose="02040503050406030204" pitchFamily="18" charset="0"/>
+                        </a:rPr>
+                        <m:t>(</m:t>
+                      </m:r>
+                      <m:r>
+                        <a:rPr lang="en-US" sz="1600" b="0" i="1" smtClean="0">
+                          <a:latin typeface="Cambria Math" panose="02040503050406030204" pitchFamily="18" charset="0"/>
+                        </a:rPr>
+                        <m:t>𝐻</m:t>
+                      </m:r>
+                      <m:r>
+                        <a:rPr lang="en-US" sz="1600" b="0" i="1" smtClean="0">
+                          <a:latin typeface="Cambria Math" panose="02040503050406030204" pitchFamily="18" charset="0"/>
+                        </a:rPr>
+                        <m:t>∩</m:t>
+                      </m:r>
+                      <m:r>
+                        <a:rPr lang="en-US" sz="1600" b="0" i="1" smtClean="0">
+                          <a:latin typeface="Cambria Math" panose="02040503050406030204" pitchFamily="18" charset="0"/>
+                        </a:rPr>
+                        <m:t>𝐶</m:t>
+                      </m:r>
+                      <m:r>
+                        <a:rPr lang="en-US" sz="1600" b="0" i="1" smtClean="0">
+                          <a:latin typeface="Cambria Math" panose="02040503050406030204" pitchFamily="18" charset="0"/>
+                        </a:rPr>
+                        <m:t>)</m:t>
+                      </m:r>
+                    </m:oMath>
+                  </m:oMathPara>
+                </a14:m>
+                <a:endParaRPr lang="en-US" sz="1600" dirty="0"/>
+              </a:p>
+            </p:txBody>
+          </p:sp>
+        </mc:Choice>
+        <mc:Fallback>
+          <p:sp>
+            <p:nvSpPr>
+              <p:cNvPr id="31" name="TextBox 30">
+                <a:extLst>
+                  <a:ext uri="{FF2B5EF4-FFF2-40B4-BE49-F238E27FC236}">
+                    <a16:creationId xmlns:a16="http://schemas.microsoft.com/office/drawing/2014/main" id="{F93AECC0-7FCD-D3B1-2F56-FC966167ACD3}"/>
+                  </a:ext>
+                </a:extLst>
+              </p:cNvPr>
+              <p:cNvSpPr txBox="1">
+                <a:spLocks noRot="1" noChangeAspect="1" noMove="1" noResize="1" noEditPoints="1" noAdjustHandles="1" noChangeArrowheads="1" noChangeShapeType="1" noTextEdit="1"/>
+              </p:cNvSpPr>
+              <p:nvPr/>
+            </p:nvSpPr>
+            <p:spPr>
+              <a:xfrm>
+                <a:off x="4855916" y="3536668"/>
+                <a:ext cx="728213" cy="246221"/>
+              </a:xfrm>
+              <a:prstGeom prst="rect">
+                <a:avLst/>
+              </a:prstGeom>
+              <a:blipFill>
+                <a:blip r:embed="rId2"/>
+                <a:stretch>
+                  <a:fillRect l="-10345" r="-10345" b="-33333"/>
+                </a:stretch>
+              </a:blipFill>
+            </p:spPr>
+            <p:txBody>
+              <a:bodyPr/>
+              <a:lstStyle/>
+              <a:p>
+                <a:r>
+                  <a:rPr lang="en-US">
+                    <a:noFill/>
+                  </a:rPr>
+                  <a:t> </a:t>
+                </a:r>
+              </a:p>
+            </p:txBody>
+          </p:sp>
+        </mc:Fallback>
+      </mc:AlternateContent>
     </p:spTree>
     <p:extLst>
       <p:ext uri="{BB962C8B-B14F-4D97-AF65-F5344CB8AC3E}">
@@ -6665,7 +9288,7 @@
         <p:spPr>
           <a:xfrm>
             <a:off x="3515710" y="5424815"/>
-            <a:ext cx="4293932" cy="646331"/>
+            <a:ext cx="3901837" cy="646331"/>
           </a:xfrm>
           <a:prstGeom prst="rect">
             <a:avLst/>
@@ -6680,21 +9303,7 @@
           <a:p>
             <a:r>
               <a:rPr lang="en-US" dirty="0"/>
-              <a:t>An imaginary k-plex to be found from S</a:t>
-            </a:r>
-            <a:r>
-              <a:rPr lang="en-US" b="0" i="0" u="none" strike="noStrike" dirty="0">
-                <a:solidFill>
-                  <a:srgbClr val="1F1F1F"/>
-                </a:solidFill>
-                <a:effectLst/>
-                <a:latin typeface="Google Sans"/>
-              </a:rPr>
-              <a:t>∪</a:t>
-            </a:r>
-            <a:r>
-              <a:rPr lang="en-US" dirty="0"/>
-              <a:t>C</a:t>
+              <a:t>An imaginary k-plex to be found</a:t>
             </a:r>
           </a:p>
           <a:p>
@@ -7177,6 +9786,282 @@
           </a:fontRef>
         </p:style>
       </p:cxnSp>
+      <mc:AlternateContent xmlns:mc="http://schemas.openxmlformats.org/markup-compatibility/2006">
+        <mc:Choice xmlns:a14="http://schemas.microsoft.com/office/drawing/2010/main" Requires="a14">
+          <p:sp>
+            <p:nvSpPr>
+              <p:cNvPr id="26" name="TextBox 25">
+                <a:extLst>
+                  <a:ext uri="{FF2B5EF4-FFF2-40B4-BE49-F238E27FC236}">
+                    <a16:creationId xmlns:a16="http://schemas.microsoft.com/office/drawing/2014/main" id="{75875693-28EB-4EFF-EC19-02775BA95D8E}"/>
+                  </a:ext>
+                </a:extLst>
+              </p:cNvPr>
+              <p:cNvSpPr txBox="1"/>
+              <p:nvPr/>
+            </p:nvSpPr>
+            <p:spPr>
+              <a:xfrm>
+                <a:off x="4548351" y="3591950"/>
+                <a:ext cx="801501" cy="246221"/>
+              </a:xfrm>
+              <a:prstGeom prst="rect">
+                <a:avLst/>
+              </a:prstGeom>
+              <a:noFill/>
+            </p:spPr>
+            <p:txBody>
+              <a:bodyPr wrap="none" lIns="0" tIns="0" rIns="0" bIns="0" rtlCol="0">
+                <a:spAutoFit/>
+              </a:bodyPr>
+              <a:lstStyle/>
+              <a:p>
+                <a14:m>
+                  <m:oMathPara xmlns:m="http://schemas.openxmlformats.org/officeDocument/2006/math">
+                    <m:oMathParaPr>
+                      <m:jc m:val="centerGroup"/>
+                    </m:oMathParaPr>
+                    <m:oMath xmlns:m="http://schemas.openxmlformats.org/officeDocument/2006/math">
+                      <m:r>
+                        <a:rPr lang="en-US" sz="1600" b="0" i="1" smtClean="0">
+                          <a:latin typeface="Cambria Math" panose="02040503050406030204" pitchFamily="18" charset="0"/>
+                        </a:rPr>
+                        <m:t>(</m:t>
+                      </m:r>
+                      <m:r>
+                        <a:rPr lang="en-US" sz="1600" b="0" i="1" smtClean="0">
+                          <a:latin typeface="Cambria Math" panose="02040503050406030204" pitchFamily="18" charset="0"/>
+                        </a:rPr>
+                        <m:t>𝐻</m:t>
+                      </m:r>
+                      <m:r>
+                        <a:rPr lang="en-US" sz="1600" b="0" i="1" smtClean="0">
+                          <a:latin typeface="Cambria Math" panose="02040503050406030204" pitchFamily="18" charset="0"/>
+                        </a:rPr>
+                        <m:t>∩</m:t>
+                      </m:r>
+                      <m:sSub>
+                        <m:sSubPr>
+                          <m:ctrlPr>
+                            <a:rPr lang="en-US" sz="1600" b="0" i="1" smtClean="0">
+                              <a:latin typeface="Cambria Math" panose="02040503050406030204" pitchFamily="18" charset="0"/>
+                            </a:rPr>
+                          </m:ctrlPr>
+                        </m:sSubPr>
+                        <m:e>
+                          <m:r>
+                            <a:rPr lang="en-US" sz="1600" b="0" i="1" smtClean="0">
+                              <a:latin typeface="Cambria Math" panose="02040503050406030204" pitchFamily="18" charset="0"/>
+                            </a:rPr>
+                            <m:t>𝐶</m:t>
+                          </m:r>
+                        </m:e>
+                        <m:sub>
+                          <m:r>
+                            <a:rPr lang="en-US" sz="1600" b="0" i="1" smtClean="0">
+                              <a:latin typeface="Cambria Math" panose="02040503050406030204" pitchFamily="18" charset="0"/>
+                            </a:rPr>
+                            <m:t>𝐿</m:t>
+                          </m:r>
+                        </m:sub>
+                      </m:sSub>
+                      <m:r>
+                        <a:rPr lang="en-US" sz="1600" b="0" i="1" smtClean="0">
+                          <a:latin typeface="Cambria Math" panose="02040503050406030204" pitchFamily="18" charset="0"/>
+                        </a:rPr>
+                        <m:t>)</m:t>
+                      </m:r>
+                    </m:oMath>
+                  </m:oMathPara>
+                </a14:m>
+                <a:endParaRPr lang="en-US" sz="1600" dirty="0"/>
+              </a:p>
+            </p:txBody>
+          </p:sp>
+        </mc:Choice>
+        <mc:Fallback>
+          <p:sp>
+            <p:nvSpPr>
+              <p:cNvPr id="26" name="TextBox 25">
+                <a:extLst>
+                  <a:ext uri="{FF2B5EF4-FFF2-40B4-BE49-F238E27FC236}">
+                    <a16:creationId xmlns:a16="http://schemas.microsoft.com/office/drawing/2014/main" id="{75875693-28EB-4EFF-EC19-02775BA95D8E}"/>
+                  </a:ext>
+                </a:extLst>
+              </p:cNvPr>
+              <p:cNvSpPr txBox="1">
+                <a:spLocks noRot="1" noChangeAspect="1" noMove="1" noResize="1" noEditPoints="1" noAdjustHandles="1" noChangeArrowheads="1" noChangeShapeType="1" noTextEdit="1"/>
+              </p:cNvSpPr>
+              <p:nvPr/>
+            </p:nvSpPr>
+            <p:spPr>
+              <a:xfrm>
+                <a:off x="4548351" y="3591950"/>
+                <a:ext cx="801501" cy="246221"/>
+              </a:xfrm>
+              <a:prstGeom prst="rect">
+                <a:avLst/>
+              </a:prstGeom>
+              <a:blipFill>
+                <a:blip r:embed="rId2"/>
+                <a:stretch>
+                  <a:fillRect l="-9375" r="-9375" b="-33333"/>
+                </a:stretch>
+              </a:blipFill>
+            </p:spPr>
+            <p:txBody>
+              <a:bodyPr/>
+              <a:lstStyle/>
+              <a:p>
+                <a:r>
+                  <a:rPr lang="en-US">
+                    <a:noFill/>
+                  </a:rPr>
+                  <a:t> </a:t>
+                </a:r>
+              </a:p>
+            </p:txBody>
+          </p:sp>
+        </mc:Fallback>
+      </mc:AlternateContent>
+      <mc:AlternateContent xmlns:mc="http://schemas.openxmlformats.org/markup-compatibility/2006">
+        <mc:Choice xmlns:a14="http://schemas.microsoft.com/office/drawing/2010/main" Requires="a14">
+          <p:sp>
+            <p:nvSpPr>
+              <p:cNvPr id="27" name="TextBox 26">
+                <a:extLst>
+                  <a:ext uri="{FF2B5EF4-FFF2-40B4-BE49-F238E27FC236}">
+                    <a16:creationId xmlns:a16="http://schemas.microsoft.com/office/drawing/2014/main" id="{FC6589B1-4ADF-1C90-61CB-676F807D4F6B}"/>
+                  </a:ext>
+                </a:extLst>
+              </p:cNvPr>
+              <p:cNvSpPr txBox="1"/>
+              <p:nvPr/>
+            </p:nvSpPr>
+            <p:spPr>
+              <a:xfrm>
+                <a:off x="6728470" y="3643371"/>
+                <a:ext cx="818044" cy="246221"/>
+              </a:xfrm>
+              <a:prstGeom prst="rect">
+                <a:avLst/>
+              </a:prstGeom>
+              <a:noFill/>
+            </p:spPr>
+            <p:txBody>
+              <a:bodyPr wrap="none" lIns="0" tIns="0" rIns="0" bIns="0" rtlCol="0">
+                <a:spAutoFit/>
+              </a:bodyPr>
+              <a:lstStyle/>
+              <a:p>
+                <a14:m>
+                  <m:oMathPara xmlns:m="http://schemas.openxmlformats.org/officeDocument/2006/math">
+                    <m:oMathParaPr>
+                      <m:jc m:val="centerGroup"/>
+                    </m:oMathParaPr>
+                    <m:oMath xmlns:m="http://schemas.openxmlformats.org/officeDocument/2006/math">
+                      <m:r>
+                        <a:rPr lang="en-US" sz="1600" b="0" i="1" smtClean="0">
+                          <a:latin typeface="Cambria Math" panose="02040503050406030204" pitchFamily="18" charset="0"/>
+                        </a:rPr>
+                        <m:t>(</m:t>
+                      </m:r>
+                      <m:r>
+                        <a:rPr lang="en-US" sz="1600" b="0" i="1" smtClean="0">
+                          <a:latin typeface="Cambria Math" panose="02040503050406030204" pitchFamily="18" charset="0"/>
+                        </a:rPr>
+                        <m:t>𝐻</m:t>
+                      </m:r>
+                      <m:r>
+                        <a:rPr lang="en-US" sz="1600" b="0" i="1" smtClean="0">
+                          <a:latin typeface="Cambria Math" panose="02040503050406030204" pitchFamily="18" charset="0"/>
+                        </a:rPr>
+                        <m:t>∩</m:t>
+                      </m:r>
+                      <m:sSub>
+                        <m:sSubPr>
+                          <m:ctrlPr>
+                            <a:rPr lang="en-US" sz="1600" b="0" i="1" smtClean="0">
+                              <a:latin typeface="Cambria Math" panose="02040503050406030204" pitchFamily="18" charset="0"/>
+                            </a:rPr>
+                          </m:ctrlPr>
+                        </m:sSubPr>
+                        <m:e>
+                          <m:r>
+                            <a:rPr lang="en-US" sz="1600" b="0" i="1" smtClean="0">
+                              <a:latin typeface="Cambria Math" panose="02040503050406030204" pitchFamily="18" charset="0"/>
+                            </a:rPr>
+                            <m:t>𝐶</m:t>
+                          </m:r>
+                        </m:e>
+                        <m:sub>
+                          <m:r>
+                            <a:rPr lang="en-US" sz="1600" b="0" i="1" smtClean="0">
+                              <a:latin typeface="Cambria Math" panose="02040503050406030204" pitchFamily="18" charset="0"/>
+                            </a:rPr>
+                            <m:t>𝑅</m:t>
+                          </m:r>
+                        </m:sub>
+                      </m:sSub>
+                      <m:r>
+                        <a:rPr lang="en-US" sz="1600" b="0" i="1" smtClean="0">
+                          <a:latin typeface="Cambria Math" panose="02040503050406030204" pitchFamily="18" charset="0"/>
+                        </a:rPr>
+                        <m:t>)</m:t>
+                      </m:r>
+                    </m:oMath>
+                  </m:oMathPara>
+                </a14:m>
+                <a:endParaRPr lang="en-US" sz="1600" dirty="0"/>
+              </a:p>
+            </p:txBody>
+          </p:sp>
+        </mc:Choice>
+        <mc:Fallback>
+          <p:sp>
+            <p:nvSpPr>
+              <p:cNvPr id="27" name="TextBox 26">
+                <a:extLst>
+                  <a:ext uri="{FF2B5EF4-FFF2-40B4-BE49-F238E27FC236}">
+                    <a16:creationId xmlns:a16="http://schemas.microsoft.com/office/drawing/2014/main" id="{FC6589B1-4ADF-1C90-61CB-676F807D4F6B}"/>
+                  </a:ext>
+                </a:extLst>
+              </p:cNvPr>
+              <p:cNvSpPr txBox="1">
+                <a:spLocks noRot="1" noChangeAspect="1" noMove="1" noResize="1" noEditPoints="1" noAdjustHandles="1" noChangeArrowheads="1" noChangeShapeType="1" noTextEdit="1"/>
+              </p:cNvSpPr>
+              <p:nvPr/>
+            </p:nvSpPr>
+            <p:spPr>
+              <a:xfrm>
+                <a:off x="6728470" y="3643371"/>
+                <a:ext cx="818044" cy="246221"/>
+              </a:xfrm>
+              <a:prstGeom prst="rect">
+                <a:avLst/>
+              </a:prstGeom>
+              <a:blipFill>
+                <a:blip r:embed="rId3"/>
+                <a:stretch>
+                  <a:fillRect l="-7576" r="-7576" b="-35000"/>
+                </a:stretch>
+              </a:blipFill>
+            </p:spPr>
+            <p:txBody>
+              <a:bodyPr/>
+              <a:lstStyle/>
+              <a:p>
+                <a:r>
+                  <a:rPr lang="en-US">
+                    <a:noFill/>
+                  </a:rPr>
+                  <a:t> </a:t>
+                </a:r>
+              </a:p>
+            </p:txBody>
+          </p:sp>
+        </mc:Fallback>
+      </mc:AlternateContent>
     </p:spTree>
     <p:extLst>
       <p:ext uri="{BB962C8B-B14F-4D97-AF65-F5344CB8AC3E}">
@@ -7394,7 +10279,7 @@
         <p:spPr>
           <a:xfrm>
             <a:off x="3515710" y="5424815"/>
-            <a:ext cx="4293932" cy="646331"/>
+            <a:ext cx="3976538" cy="646331"/>
           </a:xfrm>
           <a:prstGeom prst="rect">
             <a:avLst/>
@@ -7409,21 +10294,7 @@
           <a:p>
             <a:r>
               <a:rPr lang="en-US" dirty="0"/>
-              <a:t>An imaginary k-plex to be found from S</a:t>
-            </a:r>
-            <a:r>
-              <a:rPr lang="en-US" b="0" i="0" u="none" strike="noStrike" dirty="0">
-                <a:solidFill>
-                  <a:srgbClr val="1F1F1F"/>
-                </a:solidFill>
-                <a:effectLst/>
-                <a:latin typeface="Google Sans"/>
-              </a:rPr>
-              <a:t>∪</a:t>
-            </a:r>
-            <a:r>
-              <a:rPr lang="en-US" dirty="0"/>
-              <a:t>C</a:t>
+              <a:t>An imaginary k-plex to be found </a:t>
             </a:r>
           </a:p>
           <a:p>
@@ -8147,7 +11018,7 @@
         <p:spPr>
           <a:xfrm>
             <a:off x="3515710" y="5424815"/>
-            <a:ext cx="4293932" cy="646331"/>
+            <a:ext cx="3901837" cy="646331"/>
           </a:xfrm>
           <a:prstGeom prst="rect">
             <a:avLst/>
@@ -8162,21 +11033,7 @@
           <a:p>
             <a:r>
               <a:rPr lang="en-US" dirty="0"/>
-              <a:t>An imaginary k-plex to be found from S</a:t>
-            </a:r>
-            <a:r>
-              <a:rPr lang="en-US" b="0" i="0" u="none" strike="noStrike" dirty="0">
-                <a:solidFill>
-                  <a:srgbClr val="1F1F1F"/>
-                </a:solidFill>
-                <a:effectLst/>
-                <a:latin typeface="Google Sans"/>
-              </a:rPr>
-              <a:t>∪</a:t>
-            </a:r>
-            <a:r>
-              <a:rPr lang="en-US" dirty="0"/>
-              <a:t>C</a:t>
+              <a:t>An imaginary k-plex to be found</a:t>
             </a:r>
           </a:p>
           <a:p>
@@ -8944,7 +11801,7 @@
         <p:spPr>
           <a:xfrm>
             <a:off x="3515710" y="5424815"/>
-            <a:ext cx="4293932" cy="646331"/>
+            <a:ext cx="3901837" cy="646331"/>
           </a:xfrm>
           <a:prstGeom prst="rect">
             <a:avLst/>
@@ -8959,21 +11816,7 @@
           <a:p>
             <a:r>
               <a:rPr lang="en-US" dirty="0"/>
-              <a:t>An imaginary k-plex to be found from S</a:t>
-            </a:r>
-            <a:r>
-              <a:rPr lang="en-US" b="0" i="0" u="none" strike="noStrike" dirty="0">
-                <a:solidFill>
-                  <a:srgbClr val="1F1F1F"/>
-                </a:solidFill>
-                <a:effectLst/>
-                <a:latin typeface="Google Sans"/>
-              </a:rPr>
-              <a:t>∪</a:t>
-            </a:r>
-            <a:r>
-              <a:rPr lang="en-US" dirty="0"/>
-              <a:t>C</a:t>
+              <a:t>An imaginary k-plex to be found</a:t>
             </a:r>
           </a:p>
           <a:p>
@@ -9697,7 +12540,7 @@
         <p:spPr>
           <a:xfrm>
             <a:off x="3515710" y="5424815"/>
-            <a:ext cx="4293932" cy="646331"/>
+            <a:ext cx="3901837" cy="646331"/>
           </a:xfrm>
           <a:prstGeom prst="rect">
             <a:avLst/>
@@ -9712,21 +12555,7 @@
           <a:p>
             <a:r>
               <a:rPr lang="en-US" dirty="0"/>
-              <a:t>An imaginary k-plex to be found from S</a:t>
-            </a:r>
-            <a:r>
-              <a:rPr lang="en-US" b="0" i="0" u="none" strike="noStrike" dirty="0">
-                <a:solidFill>
-                  <a:srgbClr val="1F1F1F"/>
-                </a:solidFill>
-                <a:effectLst/>
-                <a:latin typeface="Google Sans"/>
-              </a:rPr>
-              <a:t>∪</a:t>
-            </a:r>
-            <a:r>
-              <a:rPr lang="en-US" dirty="0"/>
-              <a:t>C</a:t>
+              <a:t>An imaginary k-plex to be found </a:t>
             </a:r>
           </a:p>
           <a:p>

--- a/kPEX/kPEX_extension.pptx
+++ b/kPEX/kPEX_extension.pptx
@@ -27,6 +27,8 @@
     <p:sldId id="275" r:id="rId21"/>
     <p:sldId id="277" r:id="rId22"/>
     <p:sldId id="276" r:id="rId23"/>
+    <p:sldId id="278" r:id="rId24"/>
+    <p:sldId id="279" r:id="rId25"/>
   </p:sldIdLst>
   <p:sldSz cx="12192000" cy="6858000"/>
   <p:notesSz cx="6858000" cy="9144000"/>
@@ -8194,11 +8196,7 @@
             </a:r>
             <a:r>
               <a:rPr lang="en-US" dirty="0"/>
-              <a:t> should be part of H, otherwise H can’t be larger than </a:t>
-            </a:r>
-            <a:r>
-              <a:rPr lang="en-US"/>
-              <a:t>S*. </a:t>
+              <a:t> should be part of H, otherwise H can’t be larger than S*. </a:t>
             </a:r>
             <a:endParaRPr lang="en-US" baseline="-25000" dirty="0"/>
           </a:p>
@@ -8236,10 +8234,10 @@
       </p:grpSpPr>
       <p:pic>
         <p:nvPicPr>
-          <p:cNvPr id="5" name="Picture 4">
-            <a:extLst>
-              <a:ext uri="{FF2B5EF4-FFF2-40B4-BE49-F238E27FC236}">
-                <a16:creationId xmlns:a16="http://schemas.microsoft.com/office/drawing/2014/main" id="{D11AC494-5ECC-FF5E-CB4F-F2567A5A5259}"/>
+          <p:cNvPr id="13" name="Picture 12">
+            <a:extLst>
+              <a:ext uri="{FF2B5EF4-FFF2-40B4-BE49-F238E27FC236}">
+                <a16:creationId xmlns:a16="http://schemas.microsoft.com/office/drawing/2014/main" id="{6C10BB31-3437-E810-5AFC-CD0F5D45B54E}"/>
               </a:ext>
             </a:extLst>
           </p:cNvPr>
@@ -8256,8 +8254,8 @@
         </p:blipFill>
         <p:spPr>
           <a:xfrm>
-            <a:off x="838200" y="1959428"/>
-            <a:ext cx="7607300" cy="4279900"/>
+            <a:off x="2450466" y="1974850"/>
+            <a:ext cx="5689600" cy="4279900"/>
           </a:xfrm>
           <a:prstGeom prst="rect">
             <a:avLst/>
@@ -8266,215 +8264,34 @@
       </p:pic>
       <p:sp>
         <p:nvSpPr>
-          <p:cNvPr id="6" name="TextBox 5">
-            <a:extLst>
-              <a:ext uri="{FF2B5EF4-FFF2-40B4-BE49-F238E27FC236}">
-                <a16:creationId xmlns:a16="http://schemas.microsoft.com/office/drawing/2014/main" id="{3E287B2A-D340-F34E-208D-C9219A7144B9}"/>
-              </a:ext>
-            </a:extLst>
-          </p:cNvPr>
-          <p:cNvSpPr txBox="1"/>
-          <p:nvPr/>
-        </p:nvSpPr>
-        <p:spPr>
-          <a:xfrm>
-            <a:off x="8643257" y="2460171"/>
-            <a:ext cx="3439886" cy="1477328"/>
-          </a:xfrm>
-          <a:prstGeom prst="rect">
-            <a:avLst/>
-          </a:prstGeom>
-          <a:noFill/>
-        </p:spPr>
-        <p:txBody>
-          <a:bodyPr wrap="square" rtlCol="0">
-            <a:spAutoFit/>
-          </a:bodyPr>
-          <a:lstStyle/>
-          <a:p>
-            <a:r>
-              <a:rPr lang="en-US" b="1" dirty="0" err="1"/>
-              <a:t>inc</a:t>
-            </a:r>
-            <a:r>
-              <a:rPr lang="en-US" b="1" dirty="0"/>
-              <a:t>: </a:t>
-            </a:r>
+          <p:cNvPr id="14" name="Title 13">
+            <a:extLst>
+              <a:ext uri="{FF2B5EF4-FFF2-40B4-BE49-F238E27FC236}">
+                <a16:creationId xmlns:a16="http://schemas.microsoft.com/office/drawing/2014/main" id="{4088540E-A19A-4F49-6445-ED652F07D9E4}"/>
+              </a:ext>
+            </a:extLst>
+          </p:cNvPr>
+          <p:cNvSpPr>
+            <a:spLocks noGrp="1"/>
+          </p:cNvSpPr>
+          <p:nvPr>
+            <p:ph type="title"/>
+          </p:nvPr>
+        </p:nvSpPr>
+        <p:spPr/>
+        <p:txBody>
+          <a:bodyPr/>
+          <a:lstStyle/>
+          <a:p>
             <a:r>
               <a:rPr lang="en-US" dirty="0"/>
-              <a:t>increase in size in </a:t>
+              <a:t>Size increase in </a:t>
             </a:r>
             <a:r>
               <a:rPr lang="en-US" dirty="0" err="1"/>
               <a:t>bnb</a:t>
             </a:r>
             <a:endParaRPr lang="en-US" dirty="0"/>
-          </a:p>
-          <a:p>
-            <a:r>
-              <a:rPr lang="en-US" b="1" dirty="0"/>
-              <a:t>validation: </a:t>
-            </a:r>
-            <a:r>
-              <a:rPr lang="en-US" dirty="0"/>
-              <a:t>percentage of time spent in bn to make sure an even larger </a:t>
-            </a:r>
-            <a:r>
-              <a:rPr lang="en-US" dirty="0" err="1"/>
-              <a:t>kplex</a:t>
-            </a:r>
-            <a:r>
-              <a:rPr lang="en-US" dirty="0"/>
-              <a:t> is not found after finding </a:t>
-            </a:r>
-            <a:r>
-              <a:rPr lang="en-US" dirty="0" err="1"/>
-              <a:t>MkP</a:t>
-            </a:r>
-            <a:r>
-              <a:rPr lang="en-US" dirty="0"/>
-              <a:t> </a:t>
-            </a:r>
-          </a:p>
-        </p:txBody>
-      </p:sp>
-      <p:sp>
-        <p:nvSpPr>
-          <p:cNvPr id="7" name="TextBox 6">
-            <a:extLst>
-              <a:ext uri="{FF2B5EF4-FFF2-40B4-BE49-F238E27FC236}">
-                <a16:creationId xmlns:a16="http://schemas.microsoft.com/office/drawing/2014/main" id="{C557B87C-4223-8C4F-B1A2-3102BD452973}"/>
-              </a:ext>
-            </a:extLst>
-          </p:cNvPr>
-          <p:cNvSpPr txBox="1"/>
-          <p:nvPr/>
-        </p:nvSpPr>
-        <p:spPr>
-          <a:xfrm>
-            <a:off x="3015343" y="1640392"/>
-            <a:ext cx="543739" cy="369332"/>
-          </a:xfrm>
-          <a:prstGeom prst="rect">
-            <a:avLst/>
-          </a:prstGeom>
-          <a:noFill/>
-        </p:spPr>
-        <p:txBody>
-          <a:bodyPr wrap="none" rtlCol="0">
-            <a:spAutoFit/>
-          </a:bodyPr>
-          <a:lstStyle/>
-          <a:p>
-            <a:r>
-              <a:rPr lang="en-US" dirty="0"/>
-              <a:t>k=2</a:t>
-            </a:r>
-          </a:p>
-        </p:txBody>
-      </p:sp>
-      <p:sp>
-        <p:nvSpPr>
-          <p:cNvPr id="8" name="TextBox 7">
-            <a:extLst>
-              <a:ext uri="{FF2B5EF4-FFF2-40B4-BE49-F238E27FC236}">
-                <a16:creationId xmlns:a16="http://schemas.microsoft.com/office/drawing/2014/main" id="{D9AADF32-44F9-7C73-A086-E0F1E6D84957}"/>
-              </a:ext>
-            </a:extLst>
-          </p:cNvPr>
-          <p:cNvSpPr txBox="1"/>
-          <p:nvPr/>
-        </p:nvSpPr>
-        <p:spPr>
-          <a:xfrm>
-            <a:off x="4369980" y="1658812"/>
-            <a:ext cx="543739" cy="369332"/>
-          </a:xfrm>
-          <a:prstGeom prst="rect">
-            <a:avLst/>
-          </a:prstGeom>
-          <a:noFill/>
-        </p:spPr>
-        <p:txBody>
-          <a:bodyPr wrap="none" rtlCol="0">
-            <a:spAutoFit/>
-          </a:bodyPr>
-          <a:lstStyle/>
-          <a:p>
-            <a:r>
-              <a:rPr lang="en-US" dirty="0"/>
-              <a:t>k=3</a:t>
-            </a:r>
-          </a:p>
-        </p:txBody>
-      </p:sp>
-      <p:sp>
-        <p:nvSpPr>
-          <p:cNvPr id="10" name="TextBox 9">
-            <a:extLst>
-              <a:ext uri="{FF2B5EF4-FFF2-40B4-BE49-F238E27FC236}">
-                <a16:creationId xmlns:a16="http://schemas.microsoft.com/office/drawing/2014/main" id="{208CFCBE-6682-0E32-88BF-F45892B26122}"/>
-              </a:ext>
-            </a:extLst>
-          </p:cNvPr>
-          <p:cNvSpPr txBox="1"/>
-          <p:nvPr/>
-        </p:nvSpPr>
-        <p:spPr>
-          <a:xfrm>
-            <a:off x="5824130" y="1644575"/>
-            <a:ext cx="543739" cy="369332"/>
-          </a:xfrm>
-          <a:prstGeom prst="rect">
-            <a:avLst/>
-          </a:prstGeom>
-          <a:noFill/>
-        </p:spPr>
-        <p:txBody>
-          <a:bodyPr wrap="none" rtlCol="0">
-            <a:spAutoFit/>
-          </a:bodyPr>
-          <a:lstStyle/>
-          <a:p>
-            <a:r>
-              <a:rPr lang="en-US" dirty="0"/>
-              <a:t>k=4</a:t>
-            </a:r>
-          </a:p>
-        </p:txBody>
-      </p:sp>
-      <p:sp>
-        <p:nvSpPr>
-          <p:cNvPr id="11" name="TextBox 10">
-            <a:extLst>
-              <a:ext uri="{FF2B5EF4-FFF2-40B4-BE49-F238E27FC236}">
-                <a16:creationId xmlns:a16="http://schemas.microsoft.com/office/drawing/2014/main" id="{DC970D45-457A-D40A-461E-1F987C992334}"/>
-              </a:ext>
-            </a:extLst>
-          </p:cNvPr>
-          <p:cNvSpPr txBox="1"/>
-          <p:nvPr/>
-        </p:nvSpPr>
-        <p:spPr>
-          <a:xfrm>
-            <a:off x="7278280" y="1630338"/>
-            <a:ext cx="543739" cy="369332"/>
-          </a:xfrm>
-          <a:prstGeom prst="rect">
-            <a:avLst/>
-          </a:prstGeom>
-          <a:noFill/>
-        </p:spPr>
-        <p:txBody>
-          <a:bodyPr wrap="none" rtlCol="0">
-            <a:spAutoFit/>
-          </a:bodyPr>
-          <a:lstStyle/>
-          <a:p>
-            <a:r>
-              <a:rPr lang="en-US" dirty="0"/>
-              <a:t>k=5</a:t>
-            </a:r>
           </a:p>
         </p:txBody>
       </p:sp>
@@ -8482,6 +8299,241 @@
     <p:extLst>
       <p:ext uri="{BB962C8B-B14F-4D97-AF65-F5344CB8AC3E}">
         <p14:creationId xmlns:p14="http://schemas.microsoft.com/office/powerpoint/2010/main" val="4043254950"/>
+      </p:ext>
+    </p:extLst>
+  </p:cSld>
+  <p:clrMapOvr>
+    <a:masterClrMapping/>
+  </p:clrMapOvr>
+</p:sld>
+</file>
+
+<file path=ppt/slides/slide23.xml><?xml version="1.0" encoding="utf-8"?>
+<p:sld xmlns:a="http://schemas.openxmlformats.org/drawingml/2006/main" xmlns:r="http://schemas.openxmlformats.org/officeDocument/2006/relationships" xmlns:p="http://schemas.openxmlformats.org/presentationml/2006/main">
+  <p:cSld>
+    <p:spTree>
+      <p:nvGrpSpPr>
+        <p:cNvPr id="1" name=""/>
+        <p:cNvGrpSpPr/>
+        <p:nvPr/>
+      </p:nvGrpSpPr>
+      <p:grpSpPr>
+        <a:xfrm>
+          <a:off x="0" y="0"/>
+          <a:ext cx="0" cy="0"/>
+          <a:chOff x="0" y="0"/>
+          <a:chExt cx="0" cy="0"/>
+        </a:xfrm>
+      </p:grpSpPr>
+      <p:sp>
+        <p:nvSpPr>
+          <p:cNvPr id="2" name="Title 1">
+            <a:extLst>
+              <a:ext uri="{FF2B5EF4-FFF2-40B4-BE49-F238E27FC236}">
+                <a16:creationId xmlns:a16="http://schemas.microsoft.com/office/drawing/2014/main" id="{61BDBE15-5F7C-40D6-1E16-9EC56477A2DD}"/>
+              </a:ext>
+            </a:extLst>
+          </p:cNvPr>
+          <p:cNvSpPr>
+            <a:spLocks noGrp="1"/>
+          </p:cNvSpPr>
+          <p:nvPr>
+            <p:ph type="title"/>
+          </p:nvPr>
+        </p:nvSpPr>
+        <p:spPr/>
+        <p:txBody>
+          <a:bodyPr/>
+          <a:lstStyle/>
+          <a:p>
+            <a:r>
+              <a:rPr lang="en-US" dirty="0"/>
+              <a:t>Validation Time</a:t>
+            </a:r>
+          </a:p>
+        </p:txBody>
+      </p:sp>
+      <p:pic>
+        <p:nvPicPr>
+          <p:cNvPr id="6" name="Picture 5">
+            <a:extLst>
+              <a:ext uri="{FF2B5EF4-FFF2-40B4-BE49-F238E27FC236}">
+                <a16:creationId xmlns:a16="http://schemas.microsoft.com/office/drawing/2014/main" id="{D37B68B2-6FAA-2555-D0BD-F32E59525E6A}"/>
+              </a:ext>
+            </a:extLst>
+          </p:cNvPr>
+          <p:cNvPicPr>
+            <a:picLocks noChangeAspect="1"/>
+          </p:cNvPicPr>
+          <p:nvPr/>
+        </p:nvPicPr>
+        <p:blipFill>
+          <a:blip r:embed="rId2"/>
+          <a:stretch>
+            <a:fillRect/>
+          </a:stretch>
+        </p:blipFill>
+        <p:spPr>
+          <a:xfrm>
+            <a:off x="838200" y="2005835"/>
+            <a:ext cx="6908800" cy="4279900"/>
+          </a:xfrm>
+          <a:prstGeom prst="rect">
+            <a:avLst/>
+          </a:prstGeom>
+        </p:spPr>
+      </p:pic>
+      <p:sp>
+        <p:nvSpPr>
+          <p:cNvPr id="8" name="TextBox 7">
+            <a:extLst>
+              <a:ext uri="{FF2B5EF4-FFF2-40B4-BE49-F238E27FC236}">
+                <a16:creationId xmlns:a16="http://schemas.microsoft.com/office/drawing/2014/main" id="{F791B682-1D76-BDBB-B66A-8B35CE4B371D}"/>
+              </a:ext>
+            </a:extLst>
+          </p:cNvPr>
+          <p:cNvSpPr txBox="1"/>
+          <p:nvPr/>
+        </p:nvSpPr>
+        <p:spPr>
+          <a:xfrm>
+            <a:off x="8273143" y="2518007"/>
+            <a:ext cx="3265714" cy="1200329"/>
+          </a:xfrm>
+          <a:prstGeom prst="rect">
+            <a:avLst/>
+          </a:prstGeom>
+          <a:noFill/>
+        </p:spPr>
+        <p:txBody>
+          <a:bodyPr wrap="square">
+            <a:spAutoFit/>
+          </a:bodyPr>
+          <a:lstStyle/>
+          <a:p>
+            <a:r>
+              <a:rPr lang="en-US" b="1" dirty="0"/>
+              <a:t>validation: </a:t>
+            </a:r>
+            <a:r>
+              <a:rPr lang="en-US" dirty="0"/>
+              <a:t>percentage of time spent in bn to make sure an even larger </a:t>
+            </a:r>
+            <a:r>
+              <a:rPr lang="en-US" dirty="0" err="1"/>
+              <a:t>kplex</a:t>
+            </a:r>
+            <a:r>
+              <a:rPr lang="en-US" dirty="0"/>
+              <a:t> is not found after finding </a:t>
+            </a:r>
+            <a:r>
+              <a:rPr lang="en-US" dirty="0" err="1"/>
+              <a:t>MkP</a:t>
+            </a:r>
+            <a:r>
+              <a:rPr lang="en-US" dirty="0"/>
+              <a:t> </a:t>
+            </a:r>
+          </a:p>
+        </p:txBody>
+      </p:sp>
+    </p:spTree>
+    <p:extLst>
+      <p:ext uri="{BB962C8B-B14F-4D97-AF65-F5344CB8AC3E}">
+        <p14:creationId xmlns:p14="http://schemas.microsoft.com/office/powerpoint/2010/main" val="3148138833"/>
+      </p:ext>
+    </p:extLst>
+  </p:cSld>
+  <p:clrMapOvr>
+    <a:masterClrMapping/>
+  </p:clrMapOvr>
+</p:sld>
+</file>
+
+<file path=ppt/slides/slide24.xml><?xml version="1.0" encoding="utf-8"?>
+<p:sld xmlns:a="http://schemas.openxmlformats.org/drawingml/2006/main" xmlns:r="http://schemas.openxmlformats.org/officeDocument/2006/relationships" xmlns:p="http://schemas.openxmlformats.org/presentationml/2006/main">
+  <p:cSld>
+    <p:spTree>
+      <p:nvGrpSpPr>
+        <p:cNvPr id="1" name=""/>
+        <p:cNvGrpSpPr/>
+        <p:nvPr/>
+      </p:nvGrpSpPr>
+      <p:grpSpPr>
+        <a:xfrm>
+          <a:off x="0" y="0"/>
+          <a:ext cx="0" cy="0"/>
+          <a:chOff x="0" y="0"/>
+          <a:chExt cx="0" cy="0"/>
+        </a:xfrm>
+      </p:grpSpPr>
+      <p:sp>
+        <p:nvSpPr>
+          <p:cNvPr id="2" name="Title 1">
+            <a:extLst>
+              <a:ext uri="{FF2B5EF4-FFF2-40B4-BE49-F238E27FC236}">
+                <a16:creationId xmlns:a16="http://schemas.microsoft.com/office/drawing/2014/main" id="{E0C018D9-7871-3B18-A08C-A35E7BC08A63}"/>
+              </a:ext>
+            </a:extLst>
+          </p:cNvPr>
+          <p:cNvSpPr>
+            <a:spLocks noGrp="1"/>
+          </p:cNvSpPr>
+          <p:nvPr>
+            <p:ph type="title"/>
+          </p:nvPr>
+        </p:nvSpPr>
+        <p:spPr/>
+        <p:txBody>
+          <a:bodyPr/>
+          <a:lstStyle/>
+          <a:p>
+            <a:r>
+              <a:rPr lang="en-US" dirty="0" err="1"/>
+              <a:t>Kplex</a:t>
+            </a:r>
+            <a:r>
+              <a:rPr lang="en-US" dirty="0"/>
+              <a:t> size</a:t>
+            </a:r>
+          </a:p>
+        </p:txBody>
+      </p:sp>
+      <p:pic>
+        <p:nvPicPr>
+          <p:cNvPr id="4" name="Picture 3">
+            <a:extLst>
+              <a:ext uri="{FF2B5EF4-FFF2-40B4-BE49-F238E27FC236}">
+                <a16:creationId xmlns:a16="http://schemas.microsoft.com/office/drawing/2014/main" id="{713604B9-121C-EA46-067D-ABC366F5975D}"/>
+              </a:ext>
+            </a:extLst>
+          </p:cNvPr>
+          <p:cNvPicPr>
+            <a:picLocks noChangeAspect="1"/>
+          </p:cNvPicPr>
+          <p:nvPr/>
+        </p:nvPicPr>
+        <p:blipFill>
+          <a:blip r:embed="rId2"/>
+          <a:stretch>
+            <a:fillRect/>
+          </a:stretch>
+        </p:blipFill>
+        <p:spPr>
+          <a:xfrm>
+            <a:off x="2391228" y="1593850"/>
+            <a:ext cx="6908800" cy="4279900"/>
+          </a:xfrm>
+          <a:prstGeom prst="rect">
+            <a:avLst/>
+          </a:prstGeom>
+        </p:spPr>
+      </p:pic>
+    </p:spTree>
+    <p:extLst>
+      <p:ext uri="{BB962C8B-B14F-4D97-AF65-F5344CB8AC3E}">
+        <p14:creationId xmlns:p14="http://schemas.microsoft.com/office/powerpoint/2010/main" val="892319140"/>
       </p:ext>
     </p:extLst>
   </p:cSld>

--- a/kPEX/kPEX_extension.pptx
+++ b/kPEX/kPEX_extension.pptx
@@ -29,6 +29,8 @@
     <p:sldId id="276" r:id="rId23"/>
     <p:sldId id="278" r:id="rId24"/>
     <p:sldId id="279" r:id="rId25"/>
+    <p:sldId id="280" r:id="rId26"/>
+    <p:sldId id="281" r:id="rId27"/>
   </p:sldIdLst>
   <p:sldSz cx="12192000" cy="6858000"/>
   <p:notesSz cx="6858000" cy="9144000"/>
@@ -5643,39 +5645,6 @@
           <a:chExt cx="0" cy="0"/>
         </a:xfrm>
       </p:grpSpPr>
-      <p:sp>
-        <p:nvSpPr>
-          <p:cNvPr id="2" name="Title 1">
-            <a:extLst>
-              <a:ext uri="{FF2B5EF4-FFF2-40B4-BE49-F238E27FC236}">
-                <a16:creationId xmlns:a16="http://schemas.microsoft.com/office/drawing/2014/main" id="{23974FA8-4629-6652-7130-B21CAAF45340}"/>
-              </a:ext>
-            </a:extLst>
-          </p:cNvPr>
-          <p:cNvSpPr>
-            <a:spLocks noGrp="1"/>
-          </p:cNvSpPr>
-          <p:nvPr>
-            <p:ph type="title"/>
-          </p:nvPr>
-        </p:nvSpPr>
-        <p:spPr/>
-        <p:txBody>
-          <a:bodyPr/>
-          <a:lstStyle/>
-          <a:p>
-            <a:r>
-              <a:rPr lang="en-US" dirty="0"/>
-              <a:t>Extending </a:t>
-            </a:r>
-            <a:r>
-              <a:rPr lang="en-US" dirty="0" err="1"/>
-              <a:t>kPEX</a:t>
-            </a:r>
-            <a:endParaRPr lang="en-US" dirty="0"/>
-          </a:p>
-        </p:txBody>
-      </p:sp>
       <p:pic>
         <p:nvPicPr>
           <p:cNvPr id="7" name="Picture 6">
@@ -5698,7 +5667,7 @@
         </p:blipFill>
         <p:spPr>
           <a:xfrm>
-            <a:off x="814663" y="1817091"/>
+            <a:off x="968829" y="1402609"/>
             <a:ext cx="10562673" cy="3866077"/>
           </a:xfrm>
           <a:prstGeom prst="rect">
@@ -8417,7 +8386,15 @@
             </a:r>
             <a:r>
               <a:rPr lang="en-US" dirty="0"/>
-              <a:t>percentage of time spent in bn to make sure an even larger </a:t>
+              <a:t>percentage of time spent in </a:t>
+            </a:r>
+            <a:r>
+              <a:rPr lang="en-US" dirty="0" err="1"/>
+              <a:t>bnb</a:t>
+            </a:r>
+            <a:r>
+              <a:rPr lang="en-US" dirty="0"/>
+              <a:t> to make sure an even larger </a:t>
             </a:r>
             <a:r>
               <a:rPr lang="en-US" dirty="0" err="1"/>
@@ -8534,6 +8511,1950 @@
     <p:extLst>
       <p:ext uri="{BB962C8B-B14F-4D97-AF65-F5344CB8AC3E}">
         <p14:creationId xmlns:p14="http://schemas.microsoft.com/office/powerpoint/2010/main" val="892319140"/>
+      </p:ext>
+    </p:extLst>
+  </p:cSld>
+  <p:clrMapOvr>
+    <a:masterClrMapping/>
+  </p:clrMapOvr>
+</p:sld>
+</file>
+
+<file path=ppt/slides/slide25.xml><?xml version="1.0" encoding="utf-8"?>
+<p:sld xmlns:a="http://schemas.openxmlformats.org/drawingml/2006/main" xmlns:r="http://schemas.openxmlformats.org/officeDocument/2006/relationships" xmlns:p="http://schemas.openxmlformats.org/presentationml/2006/main">
+  <p:cSld>
+    <p:spTree>
+      <p:nvGrpSpPr>
+        <p:cNvPr id="1" name=""/>
+        <p:cNvGrpSpPr/>
+        <p:nvPr/>
+      </p:nvGrpSpPr>
+      <p:grpSpPr>
+        <a:xfrm>
+          <a:off x="0" y="0"/>
+          <a:ext cx="0" cy="0"/>
+          <a:chOff x="0" y="0"/>
+          <a:chExt cx="0" cy="0"/>
+        </a:xfrm>
+      </p:grpSpPr>
+      <p:sp>
+        <p:nvSpPr>
+          <p:cNvPr id="2" name="Title 1">
+            <a:extLst>
+              <a:ext uri="{FF2B5EF4-FFF2-40B4-BE49-F238E27FC236}">
+                <a16:creationId xmlns:a16="http://schemas.microsoft.com/office/drawing/2014/main" id="{FE8341E4-4967-3D46-3B6A-76DFD037246D}"/>
+              </a:ext>
+            </a:extLst>
+          </p:cNvPr>
+          <p:cNvSpPr>
+            <a:spLocks noGrp="1"/>
+          </p:cNvSpPr>
+          <p:nvPr>
+            <p:ph type="title"/>
+          </p:nvPr>
+        </p:nvSpPr>
+        <p:spPr/>
+        <p:txBody>
+          <a:bodyPr/>
+          <a:lstStyle/>
+          <a:p>
+            <a:r>
+              <a:rPr lang="en-US" dirty="0"/>
+              <a:t>Heuristic to find initial k-plex</a:t>
+            </a:r>
+          </a:p>
+        </p:txBody>
+      </p:sp>
+      <p:pic>
+        <p:nvPicPr>
+          <p:cNvPr id="3" name="Picture 2" descr="A yellow and red lights&#10;&#10;AI-generated content may be incorrect.">
+            <a:extLst>
+              <a:ext uri="{FF2B5EF4-FFF2-40B4-BE49-F238E27FC236}">
+                <a16:creationId xmlns:a16="http://schemas.microsoft.com/office/drawing/2014/main" id="{7490FE61-A696-2373-BBD3-156613FDFDBA}"/>
+              </a:ext>
+            </a:extLst>
+          </p:cNvPr>
+          <p:cNvPicPr>
+            <a:picLocks noChangeAspect="1"/>
+          </p:cNvPicPr>
+          <p:nvPr/>
+        </p:nvPicPr>
+        <p:blipFill>
+          <a:blip r:embed="rId2"/>
+          <a:stretch>
+            <a:fillRect/>
+          </a:stretch>
+        </p:blipFill>
+        <p:spPr>
+          <a:xfrm>
+            <a:off x="838200" y="2768600"/>
+            <a:ext cx="4953000" cy="1320800"/>
+          </a:xfrm>
+          <a:prstGeom prst="rect">
+            <a:avLst/>
+          </a:prstGeom>
+        </p:spPr>
+      </p:pic>
+      <p:sp>
+        <p:nvSpPr>
+          <p:cNvPr id="4" name="TextBox 3">
+            <a:extLst>
+              <a:ext uri="{FF2B5EF4-FFF2-40B4-BE49-F238E27FC236}">
+                <a16:creationId xmlns:a16="http://schemas.microsoft.com/office/drawing/2014/main" id="{343C40D7-8C8D-696D-E872-5D13446325A0}"/>
+              </a:ext>
+            </a:extLst>
+          </p:cNvPr>
+          <p:cNvSpPr txBox="1"/>
+          <p:nvPr/>
+        </p:nvSpPr>
+        <p:spPr>
+          <a:xfrm>
+            <a:off x="2667000" y="4365171"/>
+            <a:ext cx="769763" cy="369332"/>
+          </a:xfrm>
+          <a:prstGeom prst="rect">
+            <a:avLst/>
+          </a:prstGeom>
+          <a:noFill/>
+        </p:spPr>
+        <p:txBody>
+          <a:bodyPr wrap="none" rtlCol="0">
+            <a:spAutoFit/>
+          </a:bodyPr>
+          <a:lstStyle/>
+          <a:p>
+            <a:r>
+              <a:rPr lang="en-US" dirty="0" err="1"/>
+              <a:t>UMkP</a:t>
+            </a:r>
+            <a:endParaRPr lang="en-US" dirty="0"/>
+          </a:p>
+        </p:txBody>
+      </p:sp>
+      <p:sp>
+        <p:nvSpPr>
+          <p:cNvPr id="6" name="Oval 5">
+            <a:extLst>
+              <a:ext uri="{FF2B5EF4-FFF2-40B4-BE49-F238E27FC236}">
+                <a16:creationId xmlns:a16="http://schemas.microsoft.com/office/drawing/2014/main" id="{E18EF6F9-74A5-D44A-516E-4C97D525ACC1}"/>
+              </a:ext>
+            </a:extLst>
+          </p:cNvPr>
+          <p:cNvSpPr/>
+          <p:nvPr/>
+        </p:nvSpPr>
+        <p:spPr>
+          <a:xfrm>
+            <a:off x="6400802" y="3226447"/>
+            <a:ext cx="260826" cy="260826"/>
+          </a:xfrm>
+          <a:prstGeom prst="ellipse">
+            <a:avLst/>
+          </a:prstGeom>
+          <a:solidFill>
+            <a:srgbClr val="00B050"/>
+          </a:solidFill>
+          <a:ln>
+            <a:noFill/>
+            <a:headEnd type="none" w="med" len="med"/>
+            <a:tailEnd type="none"/>
+          </a:ln>
+          <a:effectLst/>
+        </p:spPr>
+        <p:style>
+          <a:lnRef idx="2">
+            <a:schemeClr val="accent1"/>
+          </a:lnRef>
+          <a:fillRef idx="0">
+            <a:schemeClr val="accent1"/>
+          </a:fillRef>
+          <a:effectRef idx="1">
+            <a:schemeClr val="accent1"/>
+          </a:effectRef>
+          <a:fontRef idx="minor">
+            <a:schemeClr val="tx1"/>
+          </a:fontRef>
+        </p:style>
+        <p:txBody>
+          <a:bodyPr rtlCol="0" anchor="ctr"/>
+          <a:lstStyle/>
+          <a:p>
+            <a:pPr algn="ctr"/>
+            <a:endParaRPr lang="en-US" sz="1600" dirty="0"/>
+          </a:p>
+        </p:txBody>
+      </p:sp>
+      <p:sp>
+        <p:nvSpPr>
+          <p:cNvPr id="7" name="Oval 6">
+            <a:extLst>
+              <a:ext uri="{FF2B5EF4-FFF2-40B4-BE49-F238E27FC236}">
+                <a16:creationId xmlns:a16="http://schemas.microsoft.com/office/drawing/2014/main" id="{F83A8F2A-5C7E-11E2-D979-55FE0559346B}"/>
+              </a:ext>
+            </a:extLst>
+          </p:cNvPr>
+          <p:cNvSpPr/>
+          <p:nvPr/>
+        </p:nvSpPr>
+        <p:spPr>
+          <a:xfrm>
+            <a:off x="6669711" y="3226447"/>
+            <a:ext cx="260826" cy="260826"/>
+          </a:xfrm>
+          <a:prstGeom prst="ellipse">
+            <a:avLst/>
+          </a:prstGeom>
+          <a:solidFill>
+            <a:srgbClr val="00B050"/>
+          </a:solidFill>
+          <a:ln>
+            <a:noFill/>
+            <a:headEnd type="none" w="med" len="med"/>
+            <a:tailEnd type="none"/>
+          </a:ln>
+          <a:effectLst/>
+        </p:spPr>
+        <p:style>
+          <a:lnRef idx="2">
+            <a:schemeClr val="accent1"/>
+          </a:lnRef>
+          <a:fillRef idx="0">
+            <a:schemeClr val="accent1"/>
+          </a:fillRef>
+          <a:effectRef idx="1">
+            <a:schemeClr val="accent1"/>
+          </a:effectRef>
+          <a:fontRef idx="minor">
+            <a:schemeClr val="tx1"/>
+          </a:fontRef>
+        </p:style>
+        <p:txBody>
+          <a:bodyPr rtlCol="0" anchor="ctr"/>
+          <a:lstStyle/>
+          <a:p>
+            <a:pPr algn="ctr"/>
+            <a:endParaRPr lang="en-US" sz="1600" dirty="0"/>
+          </a:p>
+        </p:txBody>
+      </p:sp>
+      <p:sp>
+        <p:nvSpPr>
+          <p:cNvPr id="8" name="Oval 7">
+            <a:extLst>
+              <a:ext uri="{FF2B5EF4-FFF2-40B4-BE49-F238E27FC236}">
+                <a16:creationId xmlns:a16="http://schemas.microsoft.com/office/drawing/2014/main" id="{84FFFA0C-D7BB-8D72-8D37-75C96C948981}"/>
+              </a:ext>
+            </a:extLst>
+          </p:cNvPr>
+          <p:cNvSpPr/>
+          <p:nvPr/>
+        </p:nvSpPr>
+        <p:spPr>
+          <a:xfrm>
+            <a:off x="6938620" y="3226447"/>
+            <a:ext cx="260826" cy="260826"/>
+          </a:xfrm>
+          <a:prstGeom prst="ellipse">
+            <a:avLst/>
+          </a:prstGeom>
+          <a:solidFill>
+            <a:srgbClr val="00B050"/>
+          </a:solidFill>
+          <a:ln>
+            <a:noFill/>
+            <a:headEnd type="none" w="med" len="med"/>
+            <a:tailEnd type="none"/>
+          </a:ln>
+          <a:effectLst/>
+        </p:spPr>
+        <p:style>
+          <a:lnRef idx="2">
+            <a:schemeClr val="accent1"/>
+          </a:lnRef>
+          <a:fillRef idx="0">
+            <a:schemeClr val="accent1"/>
+          </a:fillRef>
+          <a:effectRef idx="1">
+            <a:schemeClr val="accent1"/>
+          </a:effectRef>
+          <a:fontRef idx="minor">
+            <a:schemeClr val="tx1"/>
+          </a:fontRef>
+        </p:style>
+        <p:txBody>
+          <a:bodyPr rtlCol="0" anchor="ctr"/>
+          <a:lstStyle/>
+          <a:p>
+            <a:pPr algn="ctr"/>
+            <a:endParaRPr lang="en-US" sz="1600" dirty="0"/>
+          </a:p>
+        </p:txBody>
+      </p:sp>
+      <p:sp>
+        <p:nvSpPr>
+          <p:cNvPr id="9" name="Oval 8">
+            <a:extLst>
+              <a:ext uri="{FF2B5EF4-FFF2-40B4-BE49-F238E27FC236}">
+                <a16:creationId xmlns:a16="http://schemas.microsoft.com/office/drawing/2014/main" id="{7235A8F1-BC10-84B9-85F1-591712C1194D}"/>
+              </a:ext>
+            </a:extLst>
+          </p:cNvPr>
+          <p:cNvSpPr/>
+          <p:nvPr/>
+        </p:nvSpPr>
+        <p:spPr>
+          <a:xfrm>
+            <a:off x="7207529" y="3226447"/>
+            <a:ext cx="260826" cy="260826"/>
+          </a:xfrm>
+          <a:prstGeom prst="ellipse">
+            <a:avLst/>
+          </a:prstGeom>
+          <a:solidFill>
+            <a:srgbClr val="00B050"/>
+          </a:solidFill>
+          <a:ln>
+            <a:noFill/>
+            <a:headEnd type="none" w="med" len="med"/>
+            <a:tailEnd type="none"/>
+          </a:ln>
+          <a:effectLst/>
+        </p:spPr>
+        <p:style>
+          <a:lnRef idx="2">
+            <a:schemeClr val="accent1"/>
+          </a:lnRef>
+          <a:fillRef idx="0">
+            <a:schemeClr val="accent1"/>
+          </a:fillRef>
+          <a:effectRef idx="1">
+            <a:schemeClr val="accent1"/>
+          </a:effectRef>
+          <a:fontRef idx="minor">
+            <a:schemeClr val="tx1"/>
+          </a:fontRef>
+        </p:style>
+        <p:txBody>
+          <a:bodyPr rtlCol="0" anchor="ctr"/>
+          <a:lstStyle/>
+          <a:p>
+            <a:pPr algn="ctr"/>
+            <a:endParaRPr lang="en-US" sz="1600" dirty="0"/>
+          </a:p>
+        </p:txBody>
+      </p:sp>
+      <p:sp>
+        <p:nvSpPr>
+          <p:cNvPr id="10" name="Oval 9">
+            <a:extLst>
+              <a:ext uri="{FF2B5EF4-FFF2-40B4-BE49-F238E27FC236}">
+                <a16:creationId xmlns:a16="http://schemas.microsoft.com/office/drawing/2014/main" id="{9272CCDB-C784-4822-D9F6-317B25960DE7}"/>
+              </a:ext>
+            </a:extLst>
+          </p:cNvPr>
+          <p:cNvSpPr/>
+          <p:nvPr/>
+        </p:nvSpPr>
+        <p:spPr>
+          <a:xfrm>
+            <a:off x="7476438" y="3226447"/>
+            <a:ext cx="260826" cy="260826"/>
+          </a:xfrm>
+          <a:prstGeom prst="ellipse">
+            <a:avLst/>
+          </a:prstGeom>
+          <a:solidFill>
+            <a:srgbClr val="00B050"/>
+          </a:solidFill>
+          <a:ln>
+            <a:noFill/>
+            <a:headEnd type="none" w="med" len="med"/>
+            <a:tailEnd type="none"/>
+          </a:ln>
+          <a:effectLst/>
+        </p:spPr>
+        <p:style>
+          <a:lnRef idx="2">
+            <a:schemeClr val="accent1"/>
+          </a:lnRef>
+          <a:fillRef idx="0">
+            <a:schemeClr val="accent1"/>
+          </a:fillRef>
+          <a:effectRef idx="1">
+            <a:schemeClr val="accent1"/>
+          </a:effectRef>
+          <a:fontRef idx="minor">
+            <a:schemeClr val="tx1"/>
+          </a:fontRef>
+        </p:style>
+        <p:txBody>
+          <a:bodyPr rtlCol="0" anchor="ctr"/>
+          <a:lstStyle/>
+          <a:p>
+            <a:pPr algn="ctr"/>
+            <a:endParaRPr lang="en-US" sz="1600" dirty="0"/>
+          </a:p>
+        </p:txBody>
+      </p:sp>
+      <p:sp>
+        <p:nvSpPr>
+          <p:cNvPr id="11" name="Oval 10">
+            <a:extLst>
+              <a:ext uri="{FF2B5EF4-FFF2-40B4-BE49-F238E27FC236}">
+                <a16:creationId xmlns:a16="http://schemas.microsoft.com/office/drawing/2014/main" id="{C5A29537-E77E-53E8-CF2F-EE99FE22F245}"/>
+              </a:ext>
+            </a:extLst>
+          </p:cNvPr>
+          <p:cNvSpPr/>
+          <p:nvPr/>
+        </p:nvSpPr>
+        <p:spPr>
+          <a:xfrm>
+            <a:off x="7745347" y="3226447"/>
+            <a:ext cx="260826" cy="260826"/>
+          </a:xfrm>
+          <a:prstGeom prst="ellipse">
+            <a:avLst/>
+          </a:prstGeom>
+          <a:solidFill>
+            <a:srgbClr val="00B050"/>
+          </a:solidFill>
+          <a:ln>
+            <a:noFill/>
+            <a:headEnd type="none" w="med" len="med"/>
+            <a:tailEnd type="none"/>
+          </a:ln>
+          <a:effectLst/>
+        </p:spPr>
+        <p:style>
+          <a:lnRef idx="2">
+            <a:schemeClr val="accent1"/>
+          </a:lnRef>
+          <a:fillRef idx="0">
+            <a:schemeClr val="accent1"/>
+          </a:fillRef>
+          <a:effectRef idx="1">
+            <a:schemeClr val="accent1"/>
+          </a:effectRef>
+          <a:fontRef idx="minor">
+            <a:schemeClr val="tx1"/>
+          </a:fontRef>
+        </p:style>
+        <p:txBody>
+          <a:bodyPr rtlCol="0" anchor="ctr"/>
+          <a:lstStyle/>
+          <a:p>
+            <a:pPr algn="ctr"/>
+            <a:endParaRPr lang="en-US" sz="1600" dirty="0"/>
+          </a:p>
+        </p:txBody>
+      </p:sp>
+      <p:sp>
+        <p:nvSpPr>
+          <p:cNvPr id="12" name="Oval 11">
+            <a:extLst>
+              <a:ext uri="{FF2B5EF4-FFF2-40B4-BE49-F238E27FC236}">
+                <a16:creationId xmlns:a16="http://schemas.microsoft.com/office/drawing/2014/main" id="{97722C54-6CFE-1ADA-BA31-1D86BD69BEB1}"/>
+              </a:ext>
+            </a:extLst>
+          </p:cNvPr>
+          <p:cNvSpPr/>
+          <p:nvPr/>
+        </p:nvSpPr>
+        <p:spPr>
+          <a:xfrm>
+            <a:off x="8014256" y="3226447"/>
+            <a:ext cx="260826" cy="260826"/>
+          </a:xfrm>
+          <a:prstGeom prst="ellipse">
+            <a:avLst/>
+          </a:prstGeom>
+          <a:solidFill>
+            <a:srgbClr val="FFC000"/>
+          </a:solidFill>
+          <a:ln>
+            <a:noFill/>
+            <a:headEnd type="none" w="med" len="med"/>
+            <a:tailEnd type="none"/>
+          </a:ln>
+          <a:effectLst/>
+        </p:spPr>
+        <p:style>
+          <a:lnRef idx="2">
+            <a:schemeClr val="accent1"/>
+          </a:lnRef>
+          <a:fillRef idx="0">
+            <a:schemeClr val="accent1"/>
+          </a:fillRef>
+          <a:effectRef idx="1">
+            <a:schemeClr val="accent1"/>
+          </a:effectRef>
+          <a:fontRef idx="minor">
+            <a:schemeClr val="tx1"/>
+          </a:fontRef>
+        </p:style>
+        <p:txBody>
+          <a:bodyPr rtlCol="0" anchor="ctr"/>
+          <a:lstStyle/>
+          <a:p>
+            <a:pPr algn="ctr"/>
+            <a:endParaRPr lang="en-US" sz="1600" dirty="0"/>
+          </a:p>
+        </p:txBody>
+      </p:sp>
+      <p:sp>
+        <p:nvSpPr>
+          <p:cNvPr id="13" name="Oval 12">
+            <a:extLst>
+              <a:ext uri="{FF2B5EF4-FFF2-40B4-BE49-F238E27FC236}">
+                <a16:creationId xmlns:a16="http://schemas.microsoft.com/office/drawing/2014/main" id="{F1C3412D-3EDD-14F1-5283-2952F48FC202}"/>
+              </a:ext>
+            </a:extLst>
+          </p:cNvPr>
+          <p:cNvSpPr/>
+          <p:nvPr/>
+        </p:nvSpPr>
+        <p:spPr>
+          <a:xfrm>
+            <a:off x="8283165" y="3226447"/>
+            <a:ext cx="260826" cy="260826"/>
+          </a:xfrm>
+          <a:prstGeom prst="ellipse">
+            <a:avLst/>
+          </a:prstGeom>
+          <a:solidFill>
+            <a:srgbClr val="FFC000"/>
+          </a:solidFill>
+          <a:ln>
+            <a:noFill/>
+            <a:headEnd type="none" w="med" len="med"/>
+            <a:tailEnd type="none"/>
+          </a:ln>
+          <a:effectLst/>
+        </p:spPr>
+        <p:style>
+          <a:lnRef idx="2">
+            <a:schemeClr val="accent1"/>
+          </a:lnRef>
+          <a:fillRef idx="0">
+            <a:schemeClr val="accent1"/>
+          </a:fillRef>
+          <a:effectRef idx="1">
+            <a:schemeClr val="accent1"/>
+          </a:effectRef>
+          <a:fontRef idx="minor">
+            <a:schemeClr val="tx1"/>
+          </a:fontRef>
+        </p:style>
+        <p:txBody>
+          <a:bodyPr rtlCol="0" anchor="ctr"/>
+          <a:lstStyle/>
+          <a:p>
+            <a:pPr algn="ctr"/>
+            <a:endParaRPr lang="en-US" sz="1600" dirty="0"/>
+          </a:p>
+        </p:txBody>
+      </p:sp>
+      <p:sp>
+        <p:nvSpPr>
+          <p:cNvPr id="14" name="Oval 13">
+            <a:extLst>
+              <a:ext uri="{FF2B5EF4-FFF2-40B4-BE49-F238E27FC236}">
+                <a16:creationId xmlns:a16="http://schemas.microsoft.com/office/drawing/2014/main" id="{006B461F-9B79-483B-A274-65627BF5F9F8}"/>
+              </a:ext>
+            </a:extLst>
+          </p:cNvPr>
+          <p:cNvSpPr/>
+          <p:nvPr/>
+        </p:nvSpPr>
+        <p:spPr>
+          <a:xfrm>
+            <a:off x="8552074" y="3226447"/>
+            <a:ext cx="260826" cy="260826"/>
+          </a:xfrm>
+          <a:prstGeom prst="ellipse">
+            <a:avLst/>
+          </a:prstGeom>
+          <a:solidFill>
+            <a:srgbClr val="FFC000"/>
+          </a:solidFill>
+          <a:ln>
+            <a:noFill/>
+            <a:headEnd type="none" w="med" len="med"/>
+            <a:tailEnd type="none"/>
+          </a:ln>
+          <a:effectLst/>
+        </p:spPr>
+        <p:style>
+          <a:lnRef idx="2">
+            <a:schemeClr val="accent1"/>
+          </a:lnRef>
+          <a:fillRef idx="0">
+            <a:schemeClr val="accent1"/>
+          </a:fillRef>
+          <a:effectRef idx="1">
+            <a:schemeClr val="accent1"/>
+          </a:effectRef>
+          <a:fontRef idx="minor">
+            <a:schemeClr val="tx1"/>
+          </a:fontRef>
+        </p:style>
+        <p:txBody>
+          <a:bodyPr rtlCol="0" anchor="ctr"/>
+          <a:lstStyle/>
+          <a:p>
+            <a:pPr algn="ctr"/>
+            <a:endParaRPr lang="en-US" sz="1600" dirty="0"/>
+          </a:p>
+        </p:txBody>
+      </p:sp>
+      <p:sp>
+        <p:nvSpPr>
+          <p:cNvPr id="15" name="Oval 14">
+            <a:extLst>
+              <a:ext uri="{FF2B5EF4-FFF2-40B4-BE49-F238E27FC236}">
+                <a16:creationId xmlns:a16="http://schemas.microsoft.com/office/drawing/2014/main" id="{8BEDA681-B8B6-B97C-255A-0208F51DF4E3}"/>
+              </a:ext>
+            </a:extLst>
+          </p:cNvPr>
+          <p:cNvSpPr/>
+          <p:nvPr/>
+        </p:nvSpPr>
+        <p:spPr>
+          <a:xfrm>
+            <a:off x="8863515" y="3226447"/>
+            <a:ext cx="260826" cy="260826"/>
+          </a:xfrm>
+          <a:prstGeom prst="ellipse">
+            <a:avLst/>
+          </a:prstGeom>
+          <a:solidFill>
+            <a:srgbClr val="FFC000"/>
+          </a:solidFill>
+          <a:ln>
+            <a:noFill/>
+            <a:headEnd type="none" w="med" len="med"/>
+            <a:tailEnd type="none"/>
+          </a:ln>
+          <a:effectLst/>
+        </p:spPr>
+        <p:style>
+          <a:lnRef idx="2">
+            <a:schemeClr val="accent1"/>
+          </a:lnRef>
+          <a:fillRef idx="0">
+            <a:schemeClr val="accent1"/>
+          </a:fillRef>
+          <a:effectRef idx="1">
+            <a:schemeClr val="accent1"/>
+          </a:effectRef>
+          <a:fontRef idx="minor">
+            <a:schemeClr val="tx1"/>
+          </a:fontRef>
+        </p:style>
+        <p:txBody>
+          <a:bodyPr rtlCol="0" anchor="ctr"/>
+          <a:lstStyle/>
+          <a:p>
+            <a:pPr algn="ctr"/>
+            <a:endParaRPr lang="en-US" sz="1600" dirty="0"/>
+          </a:p>
+        </p:txBody>
+      </p:sp>
+      <p:sp>
+        <p:nvSpPr>
+          <p:cNvPr id="16" name="Oval 15">
+            <a:extLst>
+              <a:ext uri="{FF2B5EF4-FFF2-40B4-BE49-F238E27FC236}">
+                <a16:creationId xmlns:a16="http://schemas.microsoft.com/office/drawing/2014/main" id="{CF09C4FA-C718-4FA6-99B9-EAE0EA686A9A}"/>
+              </a:ext>
+            </a:extLst>
+          </p:cNvPr>
+          <p:cNvSpPr/>
+          <p:nvPr/>
+        </p:nvSpPr>
+        <p:spPr>
+          <a:xfrm>
+            <a:off x="9132424" y="3226447"/>
+            <a:ext cx="260826" cy="260826"/>
+          </a:xfrm>
+          <a:prstGeom prst="ellipse">
+            <a:avLst/>
+          </a:prstGeom>
+          <a:solidFill>
+            <a:srgbClr val="FFC000"/>
+          </a:solidFill>
+          <a:ln>
+            <a:noFill/>
+            <a:headEnd type="none" w="med" len="med"/>
+            <a:tailEnd type="none"/>
+          </a:ln>
+          <a:effectLst/>
+        </p:spPr>
+        <p:style>
+          <a:lnRef idx="2">
+            <a:schemeClr val="accent1"/>
+          </a:lnRef>
+          <a:fillRef idx="0">
+            <a:schemeClr val="accent1"/>
+          </a:fillRef>
+          <a:effectRef idx="1">
+            <a:schemeClr val="accent1"/>
+          </a:effectRef>
+          <a:fontRef idx="minor">
+            <a:schemeClr val="tx1"/>
+          </a:fontRef>
+        </p:style>
+        <p:txBody>
+          <a:bodyPr rtlCol="0" anchor="ctr"/>
+          <a:lstStyle/>
+          <a:p>
+            <a:pPr algn="ctr"/>
+            <a:endParaRPr lang="en-US" sz="1600" dirty="0"/>
+          </a:p>
+        </p:txBody>
+      </p:sp>
+      <p:sp>
+        <p:nvSpPr>
+          <p:cNvPr id="17" name="Oval 16">
+            <a:extLst>
+              <a:ext uri="{FF2B5EF4-FFF2-40B4-BE49-F238E27FC236}">
+                <a16:creationId xmlns:a16="http://schemas.microsoft.com/office/drawing/2014/main" id="{C0FBC463-2E9F-415C-CA2B-C3E691ADB0CB}"/>
+              </a:ext>
+            </a:extLst>
+          </p:cNvPr>
+          <p:cNvSpPr/>
+          <p:nvPr/>
+        </p:nvSpPr>
+        <p:spPr>
+          <a:xfrm>
+            <a:off x="9401333" y="3226447"/>
+            <a:ext cx="260826" cy="260826"/>
+          </a:xfrm>
+          <a:prstGeom prst="ellipse">
+            <a:avLst/>
+          </a:prstGeom>
+          <a:solidFill>
+            <a:srgbClr val="FFC000"/>
+          </a:solidFill>
+          <a:ln>
+            <a:noFill/>
+            <a:headEnd type="none" w="med" len="med"/>
+            <a:tailEnd type="none"/>
+          </a:ln>
+          <a:effectLst/>
+        </p:spPr>
+        <p:style>
+          <a:lnRef idx="2">
+            <a:schemeClr val="accent1"/>
+          </a:lnRef>
+          <a:fillRef idx="0">
+            <a:schemeClr val="accent1"/>
+          </a:fillRef>
+          <a:effectRef idx="1">
+            <a:schemeClr val="accent1"/>
+          </a:effectRef>
+          <a:fontRef idx="minor">
+            <a:schemeClr val="tx1"/>
+          </a:fontRef>
+        </p:style>
+        <p:txBody>
+          <a:bodyPr rtlCol="0" anchor="ctr"/>
+          <a:lstStyle/>
+          <a:p>
+            <a:pPr algn="ctr"/>
+            <a:endParaRPr lang="en-US" sz="1600" dirty="0"/>
+          </a:p>
+        </p:txBody>
+      </p:sp>
+      <p:sp>
+        <p:nvSpPr>
+          <p:cNvPr id="18" name="Oval 17">
+            <a:extLst>
+              <a:ext uri="{FF2B5EF4-FFF2-40B4-BE49-F238E27FC236}">
+                <a16:creationId xmlns:a16="http://schemas.microsoft.com/office/drawing/2014/main" id="{E28581AF-845B-5EDA-4045-B607D245AF77}"/>
+              </a:ext>
+            </a:extLst>
+          </p:cNvPr>
+          <p:cNvSpPr/>
+          <p:nvPr/>
+        </p:nvSpPr>
+        <p:spPr>
+          <a:xfrm>
+            <a:off x="9670242" y="3226447"/>
+            <a:ext cx="260826" cy="260826"/>
+          </a:xfrm>
+          <a:prstGeom prst="ellipse">
+            <a:avLst/>
+          </a:prstGeom>
+          <a:solidFill>
+            <a:srgbClr val="FF0000"/>
+          </a:solidFill>
+          <a:ln>
+            <a:noFill/>
+            <a:headEnd type="none" w="med" len="med"/>
+            <a:tailEnd type="none"/>
+          </a:ln>
+          <a:effectLst/>
+        </p:spPr>
+        <p:style>
+          <a:lnRef idx="2">
+            <a:schemeClr val="accent1"/>
+          </a:lnRef>
+          <a:fillRef idx="0">
+            <a:schemeClr val="accent1"/>
+          </a:fillRef>
+          <a:effectRef idx="1">
+            <a:schemeClr val="accent1"/>
+          </a:effectRef>
+          <a:fontRef idx="minor">
+            <a:schemeClr val="tx1"/>
+          </a:fontRef>
+        </p:style>
+        <p:txBody>
+          <a:bodyPr rtlCol="0" anchor="ctr"/>
+          <a:lstStyle/>
+          <a:p>
+            <a:pPr algn="ctr"/>
+            <a:endParaRPr lang="en-US" sz="1600" dirty="0"/>
+          </a:p>
+        </p:txBody>
+      </p:sp>
+      <p:sp>
+        <p:nvSpPr>
+          <p:cNvPr id="19" name="Oval 18">
+            <a:extLst>
+              <a:ext uri="{FF2B5EF4-FFF2-40B4-BE49-F238E27FC236}">
+                <a16:creationId xmlns:a16="http://schemas.microsoft.com/office/drawing/2014/main" id="{C6EEC857-E1FF-9FCF-8CD8-2830B38EC6C1}"/>
+              </a:ext>
+            </a:extLst>
+          </p:cNvPr>
+          <p:cNvSpPr/>
+          <p:nvPr/>
+        </p:nvSpPr>
+        <p:spPr>
+          <a:xfrm>
+            <a:off x="9939151" y="3226447"/>
+            <a:ext cx="260826" cy="260826"/>
+          </a:xfrm>
+          <a:prstGeom prst="ellipse">
+            <a:avLst/>
+          </a:prstGeom>
+          <a:solidFill>
+            <a:srgbClr val="FF0000"/>
+          </a:solidFill>
+          <a:ln>
+            <a:noFill/>
+            <a:headEnd type="none" w="med" len="med"/>
+            <a:tailEnd type="none"/>
+          </a:ln>
+          <a:effectLst/>
+        </p:spPr>
+        <p:style>
+          <a:lnRef idx="2">
+            <a:schemeClr val="accent1"/>
+          </a:lnRef>
+          <a:fillRef idx="0">
+            <a:schemeClr val="accent1"/>
+          </a:fillRef>
+          <a:effectRef idx="1">
+            <a:schemeClr val="accent1"/>
+          </a:effectRef>
+          <a:fontRef idx="minor">
+            <a:schemeClr val="tx1"/>
+          </a:fontRef>
+        </p:style>
+        <p:txBody>
+          <a:bodyPr rtlCol="0" anchor="ctr"/>
+          <a:lstStyle/>
+          <a:p>
+            <a:pPr algn="ctr"/>
+            <a:endParaRPr lang="en-US" sz="1600" dirty="0"/>
+          </a:p>
+        </p:txBody>
+      </p:sp>
+      <p:sp>
+        <p:nvSpPr>
+          <p:cNvPr id="20" name="Oval 19">
+            <a:extLst>
+              <a:ext uri="{FF2B5EF4-FFF2-40B4-BE49-F238E27FC236}">
+                <a16:creationId xmlns:a16="http://schemas.microsoft.com/office/drawing/2014/main" id="{D5D5A46E-5031-B52B-02BC-FCC0C375153B}"/>
+              </a:ext>
+            </a:extLst>
+          </p:cNvPr>
+          <p:cNvSpPr/>
+          <p:nvPr/>
+        </p:nvSpPr>
+        <p:spPr>
+          <a:xfrm>
+            <a:off x="10208060" y="3226447"/>
+            <a:ext cx="260826" cy="260826"/>
+          </a:xfrm>
+          <a:prstGeom prst="ellipse">
+            <a:avLst/>
+          </a:prstGeom>
+          <a:solidFill>
+            <a:srgbClr val="FF0000"/>
+          </a:solidFill>
+          <a:ln>
+            <a:noFill/>
+            <a:headEnd type="none" w="med" len="med"/>
+            <a:tailEnd type="none"/>
+          </a:ln>
+          <a:effectLst/>
+        </p:spPr>
+        <p:style>
+          <a:lnRef idx="2">
+            <a:schemeClr val="accent1"/>
+          </a:lnRef>
+          <a:fillRef idx="0">
+            <a:schemeClr val="accent1"/>
+          </a:fillRef>
+          <a:effectRef idx="1">
+            <a:schemeClr val="accent1"/>
+          </a:effectRef>
+          <a:fontRef idx="minor">
+            <a:schemeClr val="tx1"/>
+          </a:fontRef>
+        </p:style>
+        <p:txBody>
+          <a:bodyPr rtlCol="0" anchor="ctr"/>
+          <a:lstStyle/>
+          <a:p>
+            <a:pPr algn="ctr"/>
+            <a:endParaRPr lang="en-US" sz="1600" dirty="0"/>
+          </a:p>
+        </p:txBody>
+      </p:sp>
+      <p:sp>
+        <p:nvSpPr>
+          <p:cNvPr id="21" name="Oval 20">
+            <a:extLst>
+              <a:ext uri="{FF2B5EF4-FFF2-40B4-BE49-F238E27FC236}">
+                <a16:creationId xmlns:a16="http://schemas.microsoft.com/office/drawing/2014/main" id="{02449658-AACB-CA1A-0401-D23448D36083}"/>
+              </a:ext>
+            </a:extLst>
+          </p:cNvPr>
+          <p:cNvSpPr/>
+          <p:nvPr/>
+        </p:nvSpPr>
+        <p:spPr>
+          <a:xfrm>
+            <a:off x="10476969" y="3226447"/>
+            <a:ext cx="260826" cy="260826"/>
+          </a:xfrm>
+          <a:prstGeom prst="ellipse">
+            <a:avLst/>
+          </a:prstGeom>
+          <a:solidFill>
+            <a:srgbClr val="FF0000"/>
+          </a:solidFill>
+          <a:ln>
+            <a:noFill/>
+            <a:headEnd type="none" w="med" len="med"/>
+            <a:tailEnd type="none"/>
+          </a:ln>
+          <a:effectLst/>
+        </p:spPr>
+        <p:style>
+          <a:lnRef idx="2">
+            <a:schemeClr val="accent1"/>
+          </a:lnRef>
+          <a:fillRef idx="0">
+            <a:schemeClr val="accent1"/>
+          </a:fillRef>
+          <a:effectRef idx="1">
+            <a:schemeClr val="accent1"/>
+          </a:effectRef>
+          <a:fontRef idx="minor">
+            <a:schemeClr val="tx1"/>
+          </a:fontRef>
+        </p:style>
+        <p:txBody>
+          <a:bodyPr rtlCol="0" anchor="ctr"/>
+          <a:lstStyle/>
+          <a:p>
+            <a:pPr algn="ctr"/>
+            <a:endParaRPr lang="en-US" sz="1600" dirty="0"/>
+          </a:p>
+        </p:txBody>
+      </p:sp>
+      <p:sp>
+        <p:nvSpPr>
+          <p:cNvPr id="22" name="Oval 21">
+            <a:extLst>
+              <a:ext uri="{FF2B5EF4-FFF2-40B4-BE49-F238E27FC236}">
+                <a16:creationId xmlns:a16="http://schemas.microsoft.com/office/drawing/2014/main" id="{D9FF4F2B-8B72-16CA-880F-AFB4D485E424}"/>
+              </a:ext>
+            </a:extLst>
+          </p:cNvPr>
+          <p:cNvSpPr/>
+          <p:nvPr/>
+        </p:nvSpPr>
+        <p:spPr>
+          <a:xfrm>
+            <a:off x="10753961" y="3226447"/>
+            <a:ext cx="260826" cy="260826"/>
+          </a:xfrm>
+          <a:prstGeom prst="ellipse">
+            <a:avLst/>
+          </a:prstGeom>
+          <a:solidFill>
+            <a:srgbClr val="FF0000"/>
+          </a:solidFill>
+          <a:ln>
+            <a:noFill/>
+            <a:headEnd type="none" w="med" len="med"/>
+            <a:tailEnd type="none"/>
+          </a:ln>
+          <a:effectLst/>
+        </p:spPr>
+        <p:style>
+          <a:lnRef idx="2">
+            <a:schemeClr val="accent1"/>
+          </a:lnRef>
+          <a:fillRef idx="0">
+            <a:schemeClr val="accent1"/>
+          </a:fillRef>
+          <a:effectRef idx="1">
+            <a:schemeClr val="accent1"/>
+          </a:effectRef>
+          <a:fontRef idx="minor">
+            <a:schemeClr val="tx1"/>
+          </a:fontRef>
+        </p:style>
+        <p:txBody>
+          <a:bodyPr rtlCol="0" anchor="ctr"/>
+          <a:lstStyle/>
+          <a:p>
+            <a:pPr algn="ctr"/>
+            <a:endParaRPr lang="en-US" sz="1600" dirty="0"/>
+          </a:p>
+        </p:txBody>
+      </p:sp>
+      <p:sp>
+        <p:nvSpPr>
+          <p:cNvPr id="23" name="Oval 22">
+            <a:extLst>
+              <a:ext uri="{FF2B5EF4-FFF2-40B4-BE49-F238E27FC236}">
+                <a16:creationId xmlns:a16="http://schemas.microsoft.com/office/drawing/2014/main" id="{55C0BA2A-8927-6A0A-3A56-7D70627FC1A4}"/>
+              </a:ext>
+            </a:extLst>
+          </p:cNvPr>
+          <p:cNvSpPr/>
+          <p:nvPr/>
+        </p:nvSpPr>
+        <p:spPr>
+          <a:xfrm>
+            <a:off x="11014787" y="3226447"/>
+            <a:ext cx="260826" cy="260826"/>
+          </a:xfrm>
+          <a:prstGeom prst="ellipse">
+            <a:avLst/>
+          </a:prstGeom>
+          <a:solidFill>
+            <a:srgbClr val="FF0000"/>
+          </a:solidFill>
+          <a:ln>
+            <a:noFill/>
+            <a:headEnd type="none" w="med" len="med"/>
+            <a:tailEnd type="none"/>
+          </a:ln>
+          <a:effectLst/>
+        </p:spPr>
+        <p:style>
+          <a:lnRef idx="2">
+            <a:schemeClr val="accent1"/>
+          </a:lnRef>
+          <a:fillRef idx="0">
+            <a:schemeClr val="accent1"/>
+          </a:fillRef>
+          <a:effectRef idx="1">
+            <a:schemeClr val="accent1"/>
+          </a:effectRef>
+          <a:fontRef idx="minor">
+            <a:schemeClr val="tx1"/>
+          </a:fontRef>
+        </p:style>
+        <p:txBody>
+          <a:bodyPr rtlCol="0" anchor="ctr"/>
+          <a:lstStyle/>
+          <a:p>
+            <a:pPr algn="ctr"/>
+            <a:endParaRPr lang="en-US" sz="1600" dirty="0"/>
+          </a:p>
+        </p:txBody>
+      </p:sp>
+      <p:sp>
+        <p:nvSpPr>
+          <p:cNvPr id="24" name="Oval 23">
+            <a:extLst>
+              <a:ext uri="{FF2B5EF4-FFF2-40B4-BE49-F238E27FC236}">
+                <a16:creationId xmlns:a16="http://schemas.microsoft.com/office/drawing/2014/main" id="{5CEBA164-46C7-4F9B-FE32-BE63FB2C343B}"/>
+              </a:ext>
+            </a:extLst>
+          </p:cNvPr>
+          <p:cNvSpPr/>
+          <p:nvPr/>
+        </p:nvSpPr>
+        <p:spPr>
+          <a:xfrm>
+            <a:off x="11283696" y="3226447"/>
+            <a:ext cx="260826" cy="260826"/>
+          </a:xfrm>
+          <a:prstGeom prst="ellipse">
+            <a:avLst/>
+          </a:prstGeom>
+          <a:solidFill>
+            <a:srgbClr val="FF0000"/>
+          </a:solidFill>
+          <a:ln>
+            <a:noFill/>
+            <a:headEnd type="none" w="med" len="med"/>
+            <a:tailEnd type="none"/>
+          </a:ln>
+          <a:effectLst/>
+        </p:spPr>
+        <p:style>
+          <a:lnRef idx="2">
+            <a:schemeClr val="accent1"/>
+          </a:lnRef>
+          <a:fillRef idx="0">
+            <a:schemeClr val="accent1"/>
+          </a:fillRef>
+          <a:effectRef idx="1">
+            <a:schemeClr val="accent1"/>
+          </a:effectRef>
+          <a:fontRef idx="minor">
+            <a:schemeClr val="tx1"/>
+          </a:fontRef>
+        </p:style>
+        <p:txBody>
+          <a:bodyPr rtlCol="0" anchor="ctr"/>
+          <a:lstStyle/>
+          <a:p>
+            <a:pPr algn="ctr"/>
+            <a:endParaRPr lang="en-US" sz="1600" dirty="0"/>
+          </a:p>
+        </p:txBody>
+      </p:sp>
+      <p:sp>
+        <p:nvSpPr>
+          <p:cNvPr id="25" name="Oval 24">
+            <a:extLst>
+              <a:ext uri="{FF2B5EF4-FFF2-40B4-BE49-F238E27FC236}">
+                <a16:creationId xmlns:a16="http://schemas.microsoft.com/office/drawing/2014/main" id="{75247FFA-040B-E1EA-AD6B-54DC7D108923}"/>
+              </a:ext>
+            </a:extLst>
+          </p:cNvPr>
+          <p:cNvSpPr/>
+          <p:nvPr/>
+        </p:nvSpPr>
+        <p:spPr>
+          <a:xfrm>
+            <a:off x="11552605" y="3226447"/>
+            <a:ext cx="260826" cy="260826"/>
+          </a:xfrm>
+          <a:prstGeom prst="ellipse">
+            <a:avLst/>
+          </a:prstGeom>
+          <a:solidFill>
+            <a:srgbClr val="FF0000"/>
+          </a:solidFill>
+          <a:ln>
+            <a:noFill/>
+            <a:headEnd type="none" w="med" len="med"/>
+            <a:tailEnd type="none"/>
+          </a:ln>
+          <a:effectLst/>
+        </p:spPr>
+        <p:style>
+          <a:lnRef idx="2">
+            <a:schemeClr val="accent1"/>
+          </a:lnRef>
+          <a:fillRef idx="0">
+            <a:schemeClr val="accent1"/>
+          </a:fillRef>
+          <a:effectRef idx="1">
+            <a:schemeClr val="accent1"/>
+          </a:effectRef>
+          <a:fontRef idx="minor">
+            <a:schemeClr val="tx1"/>
+          </a:fontRef>
+        </p:style>
+        <p:txBody>
+          <a:bodyPr rtlCol="0" anchor="ctr"/>
+          <a:lstStyle/>
+          <a:p>
+            <a:pPr algn="ctr"/>
+            <a:endParaRPr lang="en-US" sz="1600" dirty="0"/>
+          </a:p>
+        </p:txBody>
+      </p:sp>
+      <p:cxnSp>
+        <p:nvCxnSpPr>
+          <p:cNvPr id="26" name="Straight Arrow Connector 25">
+            <a:extLst>
+              <a:ext uri="{FF2B5EF4-FFF2-40B4-BE49-F238E27FC236}">
+                <a16:creationId xmlns:a16="http://schemas.microsoft.com/office/drawing/2014/main" id="{7FDFACF3-8BCF-9D82-0530-EE6B95E7B56F}"/>
+              </a:ext>
+            </a:extLst>
+          </p:cNvPr>
+          <p:cNvCxnSpPr/>
+          <p:nvPr/>
+        </p:nvCxnSpPr>
+        <p:spPr>
+          <a:xfrm>
+            <a:off x="6577961" y="3958462"/>
+            <a:ext cx="5151812" cy="0"/>
+          </a:xfrm>
+          <a:prstGeom prst="straightConnector1">
+            <a:avLst/>
+          </a:prstGeom>
+          <a:ln>
+            <a:solidFill>
+              <a:schemeClr val="tx1"/>
+            </a:solidFill>
+            <a:tailEnd type="triangle"/>
+          </a:ln>
+        </p:spPr>
+        <p:style>
+          <a:lnRef idx="2">
+            <a:schemeClr val="accent1"/>
+          </a:lnRef>
+          <a:fillRef idx="0">
+            <a:schemeClr val="accent1"/>
+          </a:fillRef>
+          <a:effectRef idx="1">
+            <a:schemeClr val="accent1"/>
+          </a:effectRef>
+          <a:fontRef idx="minor">
+            <a:schemeClr val="tx1"/>
+          </a:fontRef>
+        </p:style>
+      </p:cxnSp>
+      <mc:AlternateContent xmlns:mc="http://schemas.openxmlformats.org/markup-compatibility/2006">
+        <mc:Choice xmlns:a14="http://schemas.microsoft.com/office/drawing/2010/main" Requires="a14">
+          <p:sp>
+            <p:nvSpPr>
+              <p:cNvPr id="27" name="TextBox 26">
+                <a:extLst>
+                  <a:ext uri="{FF2B5EF4-FFF2-40B4-BE49-F238E27FC236}">
+                    <a16:creationId xmlns:a16="http://schemas.microsoft.com/office/drawing/2014/main" id="{4440D109-E94B-66EE-8195-34AE83CD7DBF}"/>
+                  </a:ext>
+                </a:extLst>
+              </p:cNvPr>
+              <p:cNvSpPr txBox="1"/>
+              <p:nvPr/>
+            </p:nvSpPr>
+            <p:spPr>
+              <a:xfrm>
+                <a:off x="8841475" y="2858291"/>
+                <a:ext cx="312201" cy="369332"/>
+              </a:xfrm>
+              <a:prstGeom prst="rect">
+                <a:avLst/>
+              </a:prstGeom>
+              <a:noFill/>
+            </p:spPr>
+            <p:txBody>
+              <a:bodyPr wrap="none" rtlCol="0">
+                <a:spAutoFit/>
+              </a:bodyPr>
+              <a:lstStyle/>
+              <a:p>
+                <a:pPr/>
+                <a14:m>
+                  <m:oMathPara xmlns:m="http://schemas.openxmlformats.org/officeDocument/2006/math">
+                    <m:oMathParaPr>
+                      <m:jc m:val="centerGroup"/>
+                    </m:oMathParaPr>
+                    <m:oMath xmlns:m="http://schemas.openxmlformats.org/officeDocument/2006/math">
+                      <m:r>
+                        <a:rPr lang="en-US" i="1" smtClean="0">
+                          <a:latin typeface="Cambria Math" panose="02040503050406030204" pitchFamily="18" charset="0"/>
+                        </a:rPr>
+                        <m:t>𝑖</m:t>
+                      </m:r>
+                    </m:oMath>
+                  </m:oMathPara>
+                </a14:m>
+                <a:endParaRPr lang="en-US" dirty="0"/>
+              </a:p>
+            </p:txBody>
+          </p:sp>
+        </mc:Choice>
+        <mc:Fallback>
+          <p:sp>
+            <p:nvSpPr>
+              <p:cNvPr id="27" name="TextBox 26">
+                <a:extLst>
+                  <a:ext uri="{FF2B5EF4-FFF2-40B4-BE49-F238E27FC236}">
+                    <a16:creationId xmlns:a16="http://schemas.microsoft.com/office/drawing/2014/main" id="{4440D109-E94B-66EE-8195-34AE83CD7DBF}"/>
+                  </a:ext>
+                </a:extLst>
+              </p:cNvPr>
+              <p:cNvSpPr txBox="1">
+                <a:spLocks noRot="1" noChangeAspect="1" noMove="1" noResize="1" noEditPoints="1" noAdjustHandles="1" noChangeArrowheads="1" noChangeShapeType="1" noTextEdit="1"/>
+              </p:cNvSpPr>
+              <p:nvPr/>
+            </p:nvSpPr>
+            <p:spPr>
+              <a:xfrm>
+                <a:off x="8841475" y="2858291"/>
+                <a:ext cx="312201" cy="369332"/>
+              </a:xfrm>
+              <a:prstGeom prst="rect">
+                <a:avLst/>
+              </a:prstGeom>
+              <a:blipFill>
+                <a:blip r:embed="rId3"/>
+                <a:stretch>
+                  <a:fillRect/>
+                </a:stretch>
+              </a:blipFill>
+            </p:spPr>
+            <p:txBody>
+              <a:bodyPr/>
+              <a:lstStyle/>
+              <a:p>
+                <a:r>
+                  <a:rPr lang="en-US">
+                    <a:noFill/>
+                  </a:rPr>
+                  <a:t> </a:t>
+                </a:r>
+              </a:p>
+            </p:txBody>
+          </p:sp>
+        </mc:Fallback>
+      </mc:AlternateContent>
+      <mc:AlternateContent xmlns:mc="http://schemas.openxmlformats.org/markup-compatibility/2006">
+        <mc:Choice xmlns:a14="http://schemas.microsoft.com/office/drawing/2010/main" Requires="a14">
+          <p:sp>
+            <p:nvSpPr>
+              <p:cNvPr id="28" name="TextBox 27">
+                <a:extLst>
+                  <a:ext uri="{FF2B5EF4-FFF2-40B4-BE49-F238E27FC236}">
+                    <a16:creationId xmlns:a16="http://schemas.microsoft.com/office/drawing/2014/main" id="{D8AE9529-C616-7363-DF46-AAB2126789EB}"/>
+                  </a:ext>
+                </a:extLst>
+              </p:cNvPr>
+              <p:cNvSpPr txBox="1"/>
+              <p:nvPr/>
+            </p:nvSpPr>
+            <p:spPr>
+              <a:xfrm>
+                <a:off x="11501107" y="2853249"/>
+                <a:ext cx="368178" cy="369332"/>
+              </a:xfrm>
+              <a:prstGeom prst="rect">
+                <a:avLst/>
+              </a:prstGeom>
+              <a:noFill/>
+            </p:spPr>
+            <p:txBody>
+              <a:bodyPr wrap="none" rtlCol="0">
+                <a:spAutoFit/>
+              </a:bodyPr>
+              <a:lstStyle/>
+              <a:p>
+                <a:pPr/>
+                <a14:m>
+                  <m:oMathPara xmlns:m="http://schemas.openxmlformats.org/officeDocument/2006/math">
+                    <m:oMathParaPr>
+                      <m:jc m:val="centerGroup"/>
+                    </m:oMathParaPr>
+                    <m:oMath xmlns:m="http://schemas.openxmlformats.org/officeDocument/2006/math">
+                      <m:r>
+                        <a:rPr lang="en-US" b="0" i="1" smtClean="0">
+                          <a:latin typeface="Cambria Math" panose="02040503050406030204" pitchFamily="18" charset="0"/>
+                        </a:rPr>
+                        <m:t>𝑛</m:t>
+                      </m:r>
+                    </m:oMath>
+                  </m:oMathPara>
+                </a14:m>
+                <a:endParaRPr lang="en-US" dirty="0"/>
+              </a:p>
+            </p:txBody>
+          </p:sp>
+        </mc:Choice>
+        <mc:Fallback>
+          <p:sp>
+            <p:nvSpPr>
+              <p:cNvPr id="28" name="TextBox 27">
+                <a:extLst>
+                  <a:ext uri="{FF2B5EF4-FFF2-40B4-BE49-F238E27FC236}">
+                    <a16:creationId xmlns:a16="http://schemas.microsoft.com/office/drawing/2014/main" id="{D8AE9529-C616-7363-DF46-AAB2126789EB}"/>
+                  </a:ext>
+                </a:extLst>
+              </p:cNvPr>
+              <p:cNvSpPr txBox="1">
+                <a:spLocks noRot="1" noChangeAspect="1" noMove="1" noResize="1" noEditPoints="1" noAdjustHandles="1" noChangeArrowheads="1" noChangeShapeType="1" noTextEdit="1"/>
+              </p:cNvSpPr>
+              <p:nvPr/>
+            </p:nvSpPr>
+            <p:spPr>
+              <a:xfrm>
+                <a:off x="11501107" y="2853249"/>
+                <a:ext cx="368178" cy="369332"/>
+              </a:xfrm>
+              <a:prstGeom prst="rect">
+                <a:avLst/>
+              </a:prstGeom>
+              <a:blipFill>
+                <a:blip r:embed="rId4"/>
+                <a:stretch>
+                  <a:fillRect/>
+                </a:stretch>
+              </a:blipFill>
+            </p:spPr>
+            <p:txBody>
+              <a:bodyPr/>
+              <a:lstStyle/>
+              <a:p>
+                <a:r>
+                  <a:rPr lang="en-US">
+                    <a:noFill/>
+                  </a:rPr>
+                  <a:t> </a:t>
+                </a:r>
+              </a:p>
+            </p:txBody>
+          </p:sp>
+        </mc:Fallback>
+      </mc:AlternateContent>
+      <p:sp>
+        <p:nvSpPr>
+          <p:cNvPr id="29" name="TextBox 28">
+            <a:extLst>
+              <a:ext uri="{FF2B5EF4-FFF2-40B4-BE49-F238E27FC236}">
+                <a16:creationId xmlns:a16="http://schemas.microsoft.com/office/drawing/2014/main" id="{587F4CC7-C723-A85D-4D6C-2C7C78D67E03}"/>
+              </a:ext>
+            </a:extLst>
+          </p:cNvPr>
+          <p:cNvSpPr txBox="1"/>
+          <p:nvPr/>
+        </p:nvSpPr>
+        <p:spPr>
+          <a:xfrm>
+            <a:off x="9888590" y="1989319"/>
+            <a:ext cx="993044" cy="369332"/>
+          </a:xfrm>
+          <a:prstGeom prst="rect">
+            <a:avLst/>
+          </a:prstGeom>
+          <a:noFill/>
+        </p:spPr>
+        <p:txBody>
+          <a:bodyPr wrap="square">
+            <a:spAutoFit/>
+          </a:bodyPr>
+          <a:lstStyle/>
+          <a:p>
+            <a:pPr marL="0" indent="0">
+              <a:buNone/>
+            </a:pPr>
+            <a:r>
+              <a:rPr lang="en-US" sz="1800" b="1" i="1" dirty="0">
+                <a:solidFill>
+                  <a:srgbClr val="C00000"/>
+                </a:solidFill>
+              </a:rPr>
+              <a:t>k</a:t>
+            </a:r>
+            <a:r>
+              <a:rPr lang="en-US" sz="1800" b="1" dirty="0">
+                <a:solidFill>
+                  <a:srgbClr val="C00000"/>
+                </a:solidFill>
+              </a:rPr>
+              <a:t>-plex?</a:t>
+            </a:r>
+          </a:p>
+        </p:txBody>
+      </p:sp>
+      <mc:AlternateContent xmlns:mc="http://schemas.openxmlformats.org/markup-compatibility/2006">
+        <mc:Choice xmlns:a14="http://schemas.microsoft.com/office/drawing/2010/main" Requires="a14">
+          <p:sp>
+            <p:nvSpPr>
+              <p:cNvPr id="31" name="TextBox 30">
+                <a:extLst>
+                  <a:ext uri="{FF2B5EF4-FFF2-40B4-BE49-F238E27FC236}">
+                    <a16:creationId xmlns:a16="http://schemas.microsoft.com/office/drawing/2014/main" id="{D1B542F2-0643-7FEF-28D4-7B603336A584}"/>
+                  </a:ext>
+                </a:extLst>
+              </p:cNvPr>
+              <p:cNvSpPr txBox="1"/>
+              <p:nvPr/>
+            </p:nvSpPr>
+            <p:spPr>
+              <a:xfrm>
+                <a:off x="10161187" y="3619331"/>
+                <a:ext cx="416396" cy="362984"/>
+              </a:xfrm>
+              <a:prstGeom prst="rect">
+                <a:avLst/>
+              </a:prstGeom>
+              <a:noFill/>
+            </p:spPr>
+            <p:txBody>
+              <a:bodyPr wrap="none" rtlCol="0">
+                <a:spAutoFit/>
+              </a:bodyPr>
+              <a:lstStyle/>
+              <a:p>
+                <a:pPr/>
+                <a14:m>
+                  <m:oMathPara xmlns:m="http://schemas.openxmlformats.org/officeDocument/2006/math">
+                    <m:oMathParaPr>
+                      <m:jc m:val="centerGroup"/>
+                    </m:oMathParaPr>
+                    <m:oMath xmlns:m="http://schemas.openxmlformats.org/officeDocument/2006/math">
+                      <m:r>
+                        <a:rPr lang="en-US" b="0" i="1" smtClean="0">
+                          <a:latin typeface="Cambria Math" panose="02040503050406030204" pitchFamily="18" charset="0"/>
+                        </a:rPr>
+                        <m:t>𝑉</m:t>
+                      </m:r>
+                      <m:r>
+                        <a:rPr lang="en-US" i="1" baseline="-25000" smtClean="0">
+                          <a:latin typeface="Cambria Math" panose="02040503050406030204" pitchFamily="18" charset="0"/>
+                        </a:rPr>
+                        <m:t>𝑖</m:t>
+                      </m:r>
+                    </m:oMath>
+                  </m:oMathPara>
+                </a14:m>
+                <a:endParaRPr lang="en-US" baseline="-25000" dirty="0"/>
+              </a:p>
+            </p:txBody>
+          </p:sp>
+        </mc:Choice>
+        <mc:Fallback>
+          <p:sp>
+            <p:nvSpPr>
+              <p:cNvPr id="31" name="TextBox 30">
+                <a:extLst>
+                  <a:ext uri="{FF2B5EF4-FFF2-40B4-BE49-F238E27FC236}">
+                    <a16:creationId xmlns:a16="http://schemas.microsoft.com/office/drawing/2014/main" id="{D1B542F2-0643-7FEF-28D4-7B603336A584}"/>
+                  </a:ext>
+                </a:extLst>
+              </p:cNvPr>
+              <p:cNvSpPr txBox="1">
+                <a:spLocks noRot="1" noChangeAspect="1" noMove="1" noResize="1" noEditPoints="1" noAdjustHandles="1" noChangeArrowheads="1" noChangeShapeType="1" noTextEdit="1"/>
+              </p:cNvSpPr>
+              <p:nvPr/>
+            </p:nvSpPr>
+            <p:spPr>
+              <a:xfrm>
+                <a:off x="10161187" y="3619331"/>
+                <a:ext cx="416396" cy="362984"/>
+              </a:xfrm>
+              <a:prstGeom prst="rect">
+                <a:avLst/>
+              </a:prstGeom>
+              <a:blipFill>
+                <a:blip r:embed="rId5"/>
+                <a:stretch>
+                  <a:fillRect/>
+                </a:stretch>
+              </a:blipFill>
+            </p:spPr>
+            <p:txBody>
+              <a:bodyPr/>
+              <a:lstStyle/>
+              <a:p>
+                <a:r>
+                  <a:rPr lang="en-US">
+                    <a:noFill/>
+                  </a:rPr>
+                  <a:t> </a:t>
+                </a:r>
+              </a:p>
+            </p:txBody>
+          </p:sp>
+        </mc:Fallback>
+      </mc:AlternateContent>
+      <p:sp>
+        <p:nvSpPr>
+          <p:cNvPr id="32" name="Oval 31">
+            <a:extLst>
+              <a:ext uri="{FF2B5EF4-FFF2-40B4-BE49-F238E27FC236}">
+                <a16:creationId xmlns:a16="http://schemas.microsoft.com/office/drawing/2014/main" id="{FB2666CE-33EB-64AF-43CE-E3AAA71BFCEE}"/>
+              </a:ext>
+            </a:extLst>
+          </p:cNvPr>
+          <p:cNvSpPr/>
+          <p:nvPr/>
+        </p:nvSpPr>
+        <p:spPr>
+          <a:xfrm>
+            <a:off x="8685499" y="1079101"/>
+            <a:ext cx="2302501" cy="1820437"/>
+          </a:xfrm>
+          <a:prstGeom prst="ellipse">
+            <a:avLst/>
+          </a:prstGeom>
+          <a:noFill/>
+          <a:ln w="9525" cap="flat" cmpd="sng" algn="ctr">
+            <a:solidFill>
+              <a:schemeClr val="dk1"/>
+            </a:solidFill>
+            <a:prstDash val="solid"/>
+            <a:round/>
+            <a:headEnd type="none" w="med" len="med"/>
+            <a:tailEnd type="none" w="med" len="med"/>
+          </a:ln>
+        </p:spPr>
+        <p:style>
+          <a:lnRef idx="0">
+            <a:scrgbClr r="0" g="0" b="0"/>
+          </a:lnRef>
+          <a:fillRef idx="0">
+            <a:scrgbClr r="0" g="0" b="0"/>
+          </a:fillRef>
+          <a:effectRef idx="0">
+            <a:scrgbClr r="0" g="0" b="0"/>
+          </a:effectRef>
+          <a:fontRef idx="minor">
+            <a:schemeClr val="dk1"/>
+          </a:fontRef>
+        </p:style>
+        <p:txBody>
+          <a:bodyPr rtlCol="0" anchor="ctr"/>
+          <a:lstStyle/>
+          <a:p>
+            <a:pPr algn="ctr"/>
+            <a:endParaRPr lang="en-US"/>
+          </a:p>
+        </p:txBody>
+      </p:sp>
+      <p:cxnSp>
+        <p:nvCxnSpPr>
+          <p:cNvPr id="34" name="Straight Arrow Connector 33">
+            <a:extLst>
+              <a:ext uri="{FF2B5EF4-FFF2-40B4-BE49-F238E27FC236}">
+                <a16:creationId xmlns:a16="http://schemas.microsoft.com/office/drawing/2014/main" id="{6AC5598C-62CE-428C-B62E-928D8E20E2C6}"/>
+              </a:ext>
+            </a:extLst>
+          </p:cNvPr>
+          <p:cNvCxnSpPr>
+            <a:cxnSpLocks/>
+            <a:stCxn id="15" idx="7"/>
+          </p:cNvCxnSpPr>
+          <p:nvPr/>
+        </p:nvCxnSpPr>
+        <p:spPr>
+          <a:xfrm flipV="1">
+            <a:off x="9086144" y="2358651"/>
+            <a:ext cx="853007" cy="905993"/>
+          </a:xfrm>
+          <a:prstGeom prst="straightConnector1">
+            <a:avLst/>
+          </a:prstGeom>
+          <a:ln>
+            <a:tailEnd type="triangle"/>
+          </a:ln>
+        </p:spPr>
+        <p:style>
+          <a:lnRef idx="2">
+            <a:schemeClr val="accent1"/>
+          </a:lnRef>
+          <a:fillRef idx="0">
+            <a:schemeClr val="accent1"/>
+          </a:fillRef>
+          <a:effectRef idx="1">
+            <a:schemeClr val="accent1"/>
+          </a:effectRef>
+          <a:fontRef idx="minor">
+            <a:schemeClr val="tx1"/>
+          </a:fontRef>
+        </p:style>
+      </p:cxnSp>
+      <p:sp>
+        <p:nvSpPr>
+          <p:cNvPr id="37" name="TextBox 36">
+            <a:extLst>
+              <a:ext uri="{FF2B5EF4-FFF2-40B4-BE49-F238E27FC236}">
+                <a16:creationId xmlns:a16="http://schemas.microsoft.com/office/drawing/2014/main" id="{31347F7F-DB64-CBCD-4C81-311A18E9FCC9}"/>
+              </a:ext>
+            </a:extLst>
+          </p:cNvPr>
+          <p:cNvSpPr txBox="1"/>
+          <p:nvPr/>
+        </p:nvSpPr>
+        <p:spPr>
+          <a:xfrm>
+            <a:off x="8919634" y="4365171"/>
+            <a:ext cx="686406" cy="369332"/>
+          </a:xfrm>
+          <a:prstGeom prst="rect">
+            <a:avLst/>
+          </a:prstGeom>
+          <a:noFill/>
+        </p:spPr>
+        <p:txBody>
+          <a:bodyPr wrap="none" rtlCol="0">
+            <a:spAutoFit/>
+          </a:bodyPr>
+          <a:lstStyle/>
+          <a:p>
+            <a:r>
+              <a:rPr lang="en-US" dirty="0" err="1"/>
+              <a:t>kPEX</a:t>
+            </a:r>
+            <a:endParaRPr lang="en-US" dirty="0"/>
+          </a:p>
+        </p:txBody>
+      </p:sp>
+      <p:sp>
+        <p:nvSpPr>
+          <p:cNvPr id="39" name="Oval 38">
+            <a:extLst>
+              <a:ext uri="{FF2B5EF4-FFF2-40B4-BE49-F238E27FC236}">
+                <a16:creationId xmlns:a16="http://schemas.microsoft.com/office/drawing/2014/main" id="{A7ECD88B-86AB-35B4-0204-9AF3CFFDEA7A}"/>
+              </a:ext>
+            </a:extLst>
+          </p:cNvPr>
+          <p:cNvSpPr/>
+          <p:nvPr/>
+        </p:nvSpPr>
+        <p:spPr>
+          <a:xfrm>
+            <a:off x="9002011" y="1959324"/>
+            <a:ext cx="260826" cy="260826"/>
+          </a:xfrm>
+          <a:prstGeom prst="ellipse">
+            <a:avLst/>
+          </a:prstGeom>
+          <a:solidFill>
+            <a:srgbClr val="FF0000"/>
+          </a:solidFill>
+          <a:ln>
+            <a:noFill/>
+            <a:headEnd type="none" w="med" len="med"/>
+            <a:tailEnd type="none"/>
+          </a:ln>
+          <a:effectLst/>
+        </p:spPr>
+        <p:style>
+          <a:lnRef idx="2">
+            <a:schemeClr val="accent1"/>
+          </a:lnRef>
+          <a:fillRef idx="0">
+            <a:schemeClr val="accent1"/>
+          </a:fillRef>
+          <a:effectRef idx="1">
+            <a:schemeClr val="accent1"/>
+          </a:effectRef>
+          <a:fontRef idx="minor">
+            <a:schemeClr val="tx1"/>
+          </a:fontRef>
+        </p:style>
+        <p:txBody>
+          <a:bodyPr rtlCol="0" anchor="ctr"/>
+          <a:lstStyle/>
+          <a:p>
+            <a:pPr algn="ctr"/>
+            <a:endParaRPr lang="en-US" sz="1600" dirty="0"/>
+          </a:p>
+        </p:txBody>
+      </p:sp>
+      <p:sp>
+        <p:nvSpPr>
+          <p:cNvPr id="40" name="Oval 39">
+            <a:extLst>
+              <a:ext uri="{FF2B5EF4-FFF2-40B4-BE49-F238E27FC236}">
+                <a16:creationId xmlns:a16="http://schemas.microsoft.com/office/drawing/2014/main" id="{1F6E82CD-803D-0AFA-405B-282438BC9A5F}"/>
+              </a:ext>
+            </a:extLst>
+          </p:cNvPr>
+          <p:cNvSpPr/>
+          <p:nvPr/>
+        </p:nvSpPr>
+        <p:spPr>
+          <a:xfrm>
+            <a:off x="9382234" y="1527318"/>
+            <a:ext cx="260826" cy="260826"/>
+          </a:xfrm>
+          <a:prstGeom prst="ellipse">
+            <a:avLst/>
+          </a:prstGeom>
+          <a:solidFill>
+            <a:srgbClr val="FF0000"/>
+          </a:solidFill>
+          <a:ln>
+            <a:noFill/>
+            <a:headEnd type="none" w="med" len="med"/>
+            <a:tailEnd type="none"/>
+          </a:ln>
+          <a:effectLst/>
+        </p:spPr>
+        <p:style>
+          <a:lnRef idx="2">
+            <a:schemeClr val="accent1"/>
+          </a:lnRef>
+          <a:fillRef idx="0">
+            <a:schemeClr val="accent1"/>
+          </a:fillRef>
+          <a:effectRef idx="1">
+            <a:schemeClr val="accent1"/>
+          </a:effectRef>
+          <a:fontRef idx="minor">
+            <a:schemeClr val="tx1"/>
+          </a:fontRef>
+        </p:style>
+        <p:txBody>
+          <a:bodyPr rtlCol="0" anchor="ctr"/>
+          <a:lstStyle/>
+          <a:p>
+            <a:pPr algn="ctr"/>
+            <a:endParaRPr lang="en-US" sz="1600" dirty="0"/>
+          </a:p>
+        </p:txBody>
+      </p:sp>
+      <p:sp>
+        <p:nvSpPr>
+          <p:cNvPr id="41" name="Oval 40">
+            <a:extLst>
+              <a:ext uri="{FF2B5EF4-FFF2-40B4-BE49-F238E27FC236}">
+                <a16:creationId xmlns:a16="http://schemas.microsoft.com/office/drawing/2014/main" id="{633510EC-4802-49BC-E3DD-6BA4C85F88EE}"/>
+              </a:ext>
+            </a:extLst>
+          </p:cNvPr>
+          <p:cNvSpPr/>
+          <p:nvPr/>
+        </p:nvSpPr>
+        <p:spPr>
+          <a:xfrm>
+            <a:off x="9651811" y="1881329"/>
+            <a:ext cx="260826" cy="260826"/>
+          </a:xfrm>
+          <a:prstGeom prst="ellipse">
+            <a:avLst/>
+          </a:prstGeom>
+          <a:solidFill>
+            <a:srgbClr val="FF0000"/>
+          </a:solidFill>
+          <a:ln>
+            <a:noFill/>
+            <a:headEnd type="none" w="med" len="med"/>
+            <a:tailEnd type="none"/>
+          </a:ln>
+          <a:effectLst/>
+        </p:spPr>
+        <p:style>
+          <a:lnRef idx="2">
+            <a:schemeClr val="accent1"/>
+          </a:lnRef>
+          <a:fillRef idx="0">
+            <a:schemeClr val="accent1"/>
+          </a:fillRef>
+          <a:effectRef idx="1">
+            <a:schemeClr val="accent1"/>
+          </a:effectRef>
+          <a:fontRef idx="minor">
+            <a:schemeClr val="tx1"/>
+          </a:fontRef>
+        </p:style>
+        <p:txBody>
+          <a:bodyPr rtlCol="0" anchor="ctr"/>
+          <a:lstStyle/>
+          <a:p>
+            <a:pPr algn="ctr"/>
+            <a:endParaRPr lang="en-US" sz="1600" dirty="0"/>
+          </a:p>
+        </p:txBody>
+      </p:sp>
+      <p:sp>
+        <p:nvSpPr>
+          <p:cNvPr id="42" name="Oval 41">
+            <a:extLst>
+              <a:ext uri="{FF2B5EF4-FFF2-40B4-BE49-F238E27FC236}">
+                <a16:creationId xmlns:a16="http://schemas.microsoft.com/office/drawing/2014/main" id="{18CE987C-8E02-6B7C-A4C7-B95A51D36BD0}"/>
+              </a:ext>
+            </a:extLst>
+          </p:cNvPr>
+          <p:cNvSpPr/>
+          <p:nvPr/>
+        </p:nvSpPr>
+        <p:spPr>
+          <a:xfrm>
+            <a:off x="9262837" y="2268292"/>
+            <a:ext cx="260826" cy="260826"/>
+          </a:xfrm>
+          <a:prstGeom prst="ellipse">
+            <a:avLst/>
+          </a:prstGeom>
+          <a:solidFill>
+            <a:srgbClr val="FFC000"/>
+          </a:solidFill>
+          <a:ln>
+            <a:noFill/>
+            <a:headEnd type="none" w="med" len="med"/>
+            <a:tailEnd type="none"/>
+          </a:ln>
+          <a:effectLst/>
+        </p:spPr>
+        <p:style>
+          <a:lnRef idx="2">
+            <a:schemeClr val="accent1"/>
+          </a:lnRef>
+          <a:fillRef idx="0">
+            <a:schemeClr val="accent1"/>
+          </a:fillRef>
+          <a:effectRef idx="1">
+            <a:schemeClr val="accent1"/>
+          </a:effectRef>
+          <a:fontRef idx="minor">
+            <a:schemeClr val="tx1"/>
+          </a:fontRef>
+        </p:style>
+        <p:txBody>
+          <a:bodyPr rtlCol="0" anchor="ctr"/>
+          <a:lstStyle/>
+          <a:p>
+            <a:pPr algn="ctr"/>
+            <a:endParaRPr lang="en-US" sz="1600" dirty="0"/>
+          </a:p>
+        </p:txBody>
+      </p:sp>
+    </p:spTree>
+    <p:extLst>
+      <p:ext uri="{BB962C8B-B14F-4D97-AF65-F5344CB8AC3E}">
+        <p14:creationId xmlns:p14="http://schemas.microsoft.com/office/powerpoint/2010/main" val="3999823462"/>
+      </p:ext>
+    </p:extLst>
+  </p:cSld>
+  <p:clrMapOvr>
+    <a:masterClrMapping/>
+  </p:clrMapOvr>
+</p:sld>
+</file>
+
+<file path=ppt/slides/slide26.xml><?xml version="1.0" encoding="utf-8"?>
+<p:sld xmlns:a="http://schemas.openxmlformats.org/drawingml/2006/main" xmlns:r="http://schemas.openxmlformats.org/officeDocument/2006/relationships" xmlns:p="http://schemas.openxmlformats.org/presentationml/2006/main">
+  <p:cSld>
+    <p:spTree>
+      <p:nvGrpSpPr>
+        <p:cNvPr id="1" name=""/>
+        <p:cNvGrpSpPr/>
+        <p:nvPr/>
+      </p:nvGrpSpPr>
+      <p:grpSpPr>
+        <a:xfrm>
+          <a:off x="0" y="0"/>
+          <a:ext cx="0" cy="0"/>
+          <a:chOff x="0" y="0"/>
+          <a:chExt cx="0" cy="0"/>
+        </a:xfrm>
+      </p:grpSpPr>
+    </p:spTree>
+    <p:extLst>
+      <p:ext uri="{BB962C8B-B14F-4D97-AF65-F5344CB8AC3E}">
+        <p14:creationId xmlns:p14="http://schemas.microsoft.com/office/powerpoint/2010/main" val="3494452206"/>
       </p:ext>
     </p:extLst>
   </p:cSld>
@@ -9318,10 +11239,7 @@
           <a:lstStyle/>
           <a:p>
             <a:pPr algn="ctr"/>
-            <a:r>
-              <a:rPr lang="en-US" dirty="0"/>
-              <a:t>H</a:t>
-            </a:r>
+            <a:endParaRPr lang="en-US" dirty="0"/>
           </a:p>
         </p:txBody>
       </p:sp>
@@ -10114,6 +12032,41 @@
           </p:sp>
         </mc:Fallback>
       </mc:AlternateContent>
+      <p:sp>
+        <p:nvSpPr>
+          <p:cNvPr id="29" name="TextBox 28">
+            <a:extLst>
+              <a:ext uri="{FF2B5EF4-FFF2-40B4-BE49-F238E27FC236}">
+                <a16:creationId xmlns:a16="http://schemas.microsoft.com/office/drawing/2014/main" id="{1C228280-3121-BC8D-180E-35A0BFEBAB15}"/>
+              </a:ext>
+            </a:extLst>
+          </p:cNvPr>
+          <p:cNvSpPr txBox="1"/>
+          <p:nvPr/>
+        </p:nvSpPr>
+        <p:spPr>
+          <a:xfrm>
+            <a:off x="2852057" y="4811487"/>
+            <a:ext cx="348172" cy="369332"/>
+          </a:xfrm>
+          <a:prstGeom prst="rect">
+            <a:avLst/>
+          </a:prstGeom>
+          <a:noFill/>
+        </p:spPr>
+        <p:txBody>
+          <a:bodyPr wrap="none" rtlCol="0">
+            <a:spAutoFit/>
+          </a:bodyPr>
+          <a:lstStyle/>
+          <a:p>
+            <a:r>
+              <a:rPr lang="en-US" dirty="0"/>
+              <a:t>H</a:t>
+            </a:r>
+          </a:p>
+        </p:txBody>
+      </p:sp>
     </p:spTree>
     <p:extLst>
       <p:ext uri="{BB962C8B-B14F-4D97-AF65-F5344CB8AC3E}">
@@ -10284,7 +12237,7 @@
         <p:spPr>
           <a:xfrm>
             <a:off x="3392722" y="4594497"/>
-            <a:ext cx="4382814" cy="830318"/>
+            <a:ext cx="4314498" cy="830318"/>
           </a:xfrm>
           <a:prstGeom prst="rect">
             <a:avLst/>
@@ -10853,6 +12806,246 @@
           </a:fontRef>
         </p:style>
       </p:cxnSp>
+      <p:sp>
+        <p:nvSpPr>
+          <p:cNvPr id="3" name="TextBox 2">
+            <a:extLst>
+              <a:ext uri="{FF2B5EF4-FFF2-40B4-BE49-F238E27FC236}">
+                <a16:creationId xmlns:a16="http://schemas.microsoft.com/office/drawing/2014/main" id="{41994DE1-20AC-7569-1829-7D0785E1CB2B}"/>
+              </a:ext>
+            </a:extLst>
+          </p:cNvPr>
+          <p:cNvSpPr txBox="1"/>
+          <p:nvPr/>
+        </p:nvSpPr>
+        <p:spPr>
+          <a:xfrm>
+            <a:off x="6823789" y="3783684"/>
+            <a:ext cx="2212465" cy="369332"/>
+          </a:xfrm>
+          <a:prstGeom prst="rect">
+            <a:avLst/>
+          </a:prstGeom>
+          <a:noFill/>
+        </p:spPr>
+        <p:txBody>
+          <a:bodyPr wrap="none" rtlCol="0">
+            <a:spAutoFit/>
+          </a:bodyPr>
+          <a:lstStyle/>
+          <a:p>
+            <a:r>
+              <a:rPr lang="en-US" dirty="0"/>
+              <a:t>LB</a:t>
+            </a:r>
+            <a:r>
+              <a:rPr lang="en-US" baseline="-25000" dirty="0"/>
+              <a:t>R</a:t>
+            </a:r>
+            <a:r>
+              <a:rPr lang="en-US" dirty="0"/>
+              <a:t>=</a:t>
+            </a:r>
+            <a:r>
+              <a:rPr lang="en-US" sz="1800" b="1" dirty="0">
+                <a:solidFill>
+                  <a:srgbClr val="C00000"/>
+                </a:solidFill>
+              </a:rPr>
+              <a:t> |S*|+1-|S|-UB</a:t>
+            </a:r>
+            <a:r>
+              <a:rPr lang="en-US" sz="1800" b="1" baseline="-25000" dirty="0">
+                <a:solidFill>
+                  <a:srgbClr val="C00000"/>
+                </a:solidFill>
+              </a:rPr>
+              <a:t>L</a:t>
+            </a:r>
+            <a:r>
+              <a:rPr lang="en-US" sz="1800" b="1" dirty="0">
+                <a:solidFill>
+                  <a:srgbClr val="C00000"/>
+                </a:solidFill>
+              </a:rPr>
+              <a:t> </a:t>
+            </a:r>
+            <a:endParaRPr lang="en-US" dirty="0"/>
+          </a:p>
+        </p:txBody>
+      </p:sp>
+      <p:sp>
+        <p:nvSpPr>
+          <p:cNvPr id="10" name="Rectangle 9">
+            <a:extLst>
+              <a:ext uri="{FF2B5EF4-FFF2-40B4-BE49-F238E27FC236}">
+                <a16:creationId xmlns:a16="http://schemas.microsoft.com/office/drawing/2014/main" id="{D95C0DFF-BCA3-7838-DB41-6961B4CD81CE}"/>
+              </a:ext>
+            </a:extLst>
+          </p:cNvPr>
+          <p:cNvSpPr/>
+          <p:nvPr/>
+        </p:nvSpPr>
+        <p:spPr>
+          <a:xfrm>
+            <a:off x="3439508" y="4689672"/>
+            <a:ext cx="1362966" cy="671787"/>
+          </a:xfrm>
+          <a:prstGeom prst="rect">
+            <a:avLst/>
+          </a:prstGeom>
+        </p:spPr>
+        <p:style>
+          <a:lnRef idx="2">
+            <a:schemeClr val="dk1"/>
+          </a:lnRef>
+          <a:fillRef idx="1">
+            <a:schemeClr val="lt1"/>
+          </a:fillRef>
+          <a:effectRef idx="0">
+            <a:schemeClr val="dk1"/>
+          </a:effectRef>
+          <a:fontRef idx="minor">
+            <a:schemeClr val="dk1"/>
+          </a:fontRef>
+        </p:style>
+        <p:txBody>
+          <a:bodyPr rtlCol="0" anchor="ctr"/>
+          <a:lstStyle/>
+          <a:p>
+            <a:pPr algn="ctr"/>
+            <a:r>
+              <a:rPr lang="en-US" dirty="0"/>
+              <a:t>S</a:t>
+            </a:r>
+          </a:p>
+        </p:txBody>
+      </p:sp>
+      <p:sp>
+        <p:nvSpPr>
+          <p:cNvPr id="13" name="Rectangle 12">
+            <a:extLst>
+              <a:ext uri="{FF2B5EF4-FFF2-40B4-BE49-F238E27FC236}">
+                <a16:creationId xmlns:a16="http://schemas.microsoft.com/office/drawing/2014/main" id="{16D26A4D-3D99-5C33-B84E-BA1CC37DFA4F}"/>
+              </a:ext>
+            </a:extLst>
+          </p:cNvPr>
+          <p:cNvSpPr/>
+          <p:nvPr/>
+        </p:nvSpPr>
+        <p:spPr>
+          <a:xfrm>
+            <a:off x="4849260" y="4689672"/>
+            <a:ext cx="1362966" cy="671787"/>
+          </a:xfrm>
+          <a:prstGeom prst="rect">
+            <a:avLst/>
+          </a:prstGeom>
+        </p:spPr>
+        <p:style>
+          <a:lnRef idx="2">
+            <a:schemeClr val="dk1"/>
+          </a:lnRef>
+          <a:fillRef idx="1">
+            <a:schemeClr val="lt1"/>
+          </a:fillRef>
+          <a:effectRef idx="0">
+            <a:schemeClr val="dk1"/>
+          </a:effectRef>
+          <a:fontRef idx="minor">
+            <a:schemeClr val="dk1"/>
+          </a:fontRef>
+        </p:style>
+        <p:txBody>
+          <a:bodyPr rtlCol="0" anchor="ctr"/>
+          <a:lstStyle/>
+          <a:p>
+            <a:pPr algn="ctr"/>
+            <a:r>
+              <a:rPr lang="en-US" sz="1100" b="1" dirty="0">
+                <a:solidFill>
+                  <a:schemeClr val="tx2"/>
+                </a:solidFill>
+              </a:rPr>
+              <a:t>Up to UBL vertices  from CL</a:t>
+            </a:r>
+          </a:p>
+        </p:txBody>
+      </p:sp>
+      <p:sp>
+        <p:nvSpPr>
+          <p:cNvPr id="19" name="Rectangle 18">
+            <a:extLst>
+              <a:ext uri="{FF2B5EF4-FFF2-40B4-BE49-F238E27FC236}">
+                <a16:creationId xmlns:a16="http://schemas.microsoft.com/office/drawing/2014/main" id="{F3AC5939-4737-42B0-80E9-3118505746A9}"/>
+              </a:ext>
+            </a:extLst>
+          </p:cNvPr>
+          <p:cNvSpPr/>
+          <p:nvPr/>
+        </p:nvSpPr>
+        <p:spPr>
+          <a:xfrm>
+            <a:off x="6269149" y="4689672"/>
+            <a:ext cx="1362966" cy="671787"/>
+          </a:xfrm>
+          <a:prstGeom prst="rect">
+            <a:avLst/>
+          </a:prstGeom>
+        </p:spPr>
+        <p:style>
+          <a:lnRef idx="2">
+            <a:schemeClr val="dk1"/>
+          </a:lnRef>
+          <a:fillRef idx="1">
+            <a:schemeClr val="lt1"/>
+          </a:fillRef>
+          <a:effectRef idx="0">
+            <a:schemeClr val="dk1"/>
+          </a:effectRef>
+          <a:fontRef idx="minor">
+            <a:schemeClr val="dk1"/>
+          </a:fontRef>
+        </p:style>
+        <p:txBody>
+          <a:bodyPr rtlCol="0" anchor="ctr"/>
+          <a:lstStyle/>
+          <a:p>
+            <a:r>
+              <a:rPr lang="en-US" sz="1100" b="1" dirty="0">
+                <a:solidFill>
+                  <a:srgbClr val="C00000"/>
+                </a:solidFill>
+              </a:rPr>
+              <a:t>At least |S*|+1-|S|-UB</a:t>
+            </a:r>
+            <a:r>
+              <a:rPr lang="en-US" sz="1100" b="1" baseline="-25000" dirty="0">
+                <a:solidFill>
+                  <a:srgbClr val="C00000"/>
+                </a:solidFill>
+              </a:rPr>
+              <a:t>L</a:t>
+            </a:r>
+            <a:r>
+              <a:rPr lang="en-US" sz="1100" b="1" dirty="0">
+                <a:solidFill>
+                  <a:srgbClr val="C00000"/>
+                </a:solidFill>
+              </a:rPr>
+              <a:t> vertices from C</a:t>
+            </a:r>
+            <a:r>
+              <a:rPr lang="en-US" sz="1100" b="1" baseline="-25000" dirty="0">
+                <a:solidFill>
+                  <a:srgbClr val="C00000"/>
+                </a:solidFill>
+              </a:rPr>
+              <a:t>R</a:t>
+            </a:r>
+          </a:p>
+        </p:txBody>
+      </p:sp>
     </p:spTree>
     <p:extLst>
       <p:ext uri="{BB962C8B-B14F-4D97-AF65-F5344CB8AC3E}">
